--- a/_book/plot/unnamed-chunk-41-1.pptx
+++ b/_book/plot/unnamed-chunk-41-1.pptx
@@ -3192,8 +3192,8 @@
           </p:nvSpPr>
           <p:spPr>
             <a:xfrm>
-              <a:off x="2023549" y="1590617"/>
-              <a:ext cx="6913543" cy="4048310"/>
+              <a:off x="2179881" y="1809173"/>
+              <a:ext cx="1295770" cy="3464924"/>
             </a:xfrm>
             <a:prstGeom prst="rect">
               <a:avLst/>
@@ -3218,286 +3218,286 @@
           </p:nvSpPr>
           <p:spPr>
             <a:xfrm>
-              <a:off x="2848121" y="1590617"/>
-              <a:ext cx="0" cy="4048310"/>
+              <a:off x="2179881" y="4517754"/>
+              <a:ext cx="1295770" cy="0"/>
             </a:xfrm>
             <a:custGeom>
               <a:avLst/>
               <a:pathLst>
-                <a:path w="0" h="4048310">
+                <a:path w="1295770" h="0">
                   <a:moveTo>
-                    <a:pt x="0" y="4048310"/>
+                    <a:pt x="0" y="0"/>
                   </a:moveTo>
                   <a:lnTo>
-                    <a:pt x="0" y="0"/>
-                  </a:lnTo>
-                  <a:lnTo>
-                    <a:pt x="0" y="0"/>
-                  </a:lnTo>
-                </a:path>
-              </a:pathLst>
-            </a:custGeom>
-            <a:ln w="3387" cap="flat">
-              <a:solidFill>
-                <a:srgbClr val="DEDEDE">
-                  <a:alpha val="100000"/>
-                </a:srgbClr>
-              </a:solidFill>
-              <a:prstDash val="solid"/>
-              <a:round/>
-            </a:ln>
-          </p:spPr>
-          <p:txBody>
-            <a:bodyPr/>
-            <a:lstStyle/>
-            <a:p/>
-          </p:txBody>
-        </p:sp>
-        <p:sp>
-          <p:nvSpPr>
-            <p:cNvPr id="7" name="pl7"/>
-            <p:cNvSpPr/>
-            <p:nvPr/>
-          </p:nvSpPr>
-          <p:spPr>
-            <a:xfrm>
-              <a:off x="4497265" y="1590617"/>
-              <a:ext cx="0" cy="4048310"/>
-            </a:xfrm>
-            <a:custGeom>
-              <a:avLst/>
-              <a:pathLst>
-                <a:path w="0" h="4048310">
-                  <a:moveTo>
-                    <a:pt x="0" y="4048310"/>
-                  </a:moveTo>
-                  <a:lnTo>
-                    <a:pt x="0" y="0"/>
-                  </a:lnTo>
-                  <a:lnTo>
-                    <a:pt x="0" y="0"/>
-                  </a:lnTo>
-                </a:path>
-              </a:pathLst>
-            </a:custGeom>
-            <a:ln w="3387" cap="flat">
-              <a:solidFill>
-                <a:srgbClr val="DEDEDE">
-                  <a:alpha val="100000"/>
-                </a:srgbClr>
-              </a:solidFill>
-              <a:prstDash val="solid"/>
-              <a:round/>
-            </a:ln>
-          </p:spPr>
-          <p:txBody>
-            <a:bodyPr/>
-            <a:lstStyle/>
-            <a:p/>
-          </p:txBody>
-        </p:sp>
-        <p:sp>
-          <p:nvSpPr>
-            <p:cNvPr id="8" name="pl8"/>
-            <p:cNvSpPr/>
-            <p:nvPr/>
-          </p:nvSpPr>
-          <p:spPr>
-            <a:xfrm>
-              <a:off x="6146410" y="1590617"/>
-              <a:ext cx="0" cy="4048310"/>
-            </a:xfrm>
-            <a:custGeom>
-              <a:avLst/>
-              <a:pathLst>
-                <a:path w="0" h="4048310">
-                  <a:moveTo>
-                    <a:pt x="0" y="4048310"/>
-                  </a:moveTo>
-                  <a:lnTo>
-                    <a:pt x="0" y="0"/>
-                  </a:lnTo>
-                  <a:lnTo>
-                    <a:pt x="0" y="0"/>
-                  </a:lnTo>
-                </a:path>
-              </a:pathLst>
-            </a:custGeom>
-            <a:ln w="3387" cap="flat">
-              <a:solidFill>
-                <a:srgbClr val="DEDEDE">
-                  <a:alpha val="100000"/>
-                </a:srgbClr>
-              </a:solidFill>
-              <a:prstDash val="solid"/>
-              <a:round/>
-            </a:ln>
-          </p:spPr>
-          <p:txBody>
-            <a:bodyPr/>
-            <a:lstStyle/>
-            <a:p/>
-          </p:txBody>
-        </p:sp>
-        <p:sp>
-          <p:nvSpPr>
-            <p:cNvPr id="9" name="pl9"/>
-            <p:cNvSpPr/>
-            <p:nvPr/>
-          </p:nvSpPr>
-          <p:spPr>
-            <a:xfrm>
-              <a:off x="7795554" y="1590617"/>
-              <a:ext cx="0" cy="4048310"/>
-            </a:xfrm>
-            <a:custGeom>
-              <a:avLst/>
-              <a:pathLst>
-                <a:path w="0" h="4048310">
-                  <a:moveTo>
-                    <a:pt x="0" y="4048310"/>
-                  </a:moveTo>
-                  <a:lnTo>
-                    <a:pt x="0" y="0"/>
-                  </a:lnTo>
-                  <a:lnTo>
-                    <a:pt x="0" y="0"/>
-                  </a:lnTo>
-                </a:path>
-              </a:pathLst>
-            </a:custGeom>
-            <a:ln w="3387" cap="flat">
-              <a:solidFill>
-                <a:srgbClr val="DEDEDE">
-                  <a:alpha val="100000"/>
-                </a:srgbClr>
-              </a:solidFill>
-              <a:prstDash val="solid"/>
-              <a:round/>
-            </a:ln>
-          </p:spPr>
-          <p:txBody>
-            <a:bodyPr/>
-            <a:lstStyle/>
-            <a:p/>
-          </p:txBody>
-        </p:sp>
-        <p:sp>
-          <p:nvSpPr>
-            <p:cNvPr id="10" name="pl10"/>
-            <p:cNvSpPr/>
-            <p:nvPr/>
-          </p:nvSpPr>
-          <p:spPr>
-            <a:xfrm>
-              <a:off x="2023549" y="5301568"/>
-              <a:ext cx="6913543" cy="0"/>
-            </a:xfrm>
-            <a:custGeom>
-              <a:avLst/>
-              <a:pathLst>
-                <a:path w="6913543" h="0">
-                  <a:moveTo>
-                    <a:pt x="0" y="0"/>
-                  </a:moveTo>
-                  <a:lnTo>
-                    <a:pt x="6913543" y="0"/>
-                  </a:lnTo>
-                  <a:lnTo>
-                    <a:pt x="6913543" y="0"/>
+                    <a:pt x="1295770" y="0"/>
+                  </a:lnTo>
+                  <a:lnTo>
+                    <a:pt x="1295770" y="0"/>
                   </a:lnTo>
                 </a:path>
               </a:pathLst>
             </a:custGeom>
             <a:ln w="6775" cap="flat">
               <a:solidFill>
-                <a:srgbClr val="DEDEDE">
-                  <a:alpha val="100000"/>
-                </a:srgbClr>
-              </a:solidFill>
-              <a:prstDash val="solid"/>
-              <a:round/>
-            </a:ln>
-          </p:spPr>
-          <p:txBody>
-            <a:bodyPr/>
-            <a:lstStyle/>
-            <a:p/>
-          </p:txBody>
-        </p:sp>
-        <p:sp>
-          <p:nvSpPr>
-            <p:cNvPr id="11" name="pl11"/>
-            <p:cNvSpPr/>
-            <p:nvPr/>
-          </p:nvSpPr>
-          <p:spPr>
-            <a:xfrm>
-              <a:off x="2023549" y="4739303"/>
-              <a:ext cx="6913543" cy="0"/>
+                <a:srgbClr val="EBEBEB">
+                  <a:alpha val="100000"/>
+                </a:srgbClr>
+              </a:solidFill>
+              <a:prstDash val="solid"/>
+              <a:round/>
+            </a:ln>
+          </p:spPr>
+          <p:txBody>
+            <a:bodyPr/>
+            <a:lstStyle/>
+            <a:p/>
+          </p:txBody>
+        </p:sp>
+        <p:sp>
+          <p:nvSpPr>
+            <p:cNvPr id="7" name="pl7"/>
+            <p:cNvSpPr/>
+            <p:nvPr/>
+          </p:nvSpPr>
+          <p:spPr>
+            <a:xfrm>
+              <a:off x="2179881" y="3320062"/>
+              <a:ext cx="1295770" cy="0"/>
             </a:xfrm>
             <a:custGeom>
               <a:avLst/>
               <a:pathLst>
-                <a:path w="6913543" h="0">
+                <a:path w="1295770" h="0">
                   <a:moveTo>
                     <a:pt x="0" y="0"/>
                   </a:moveTo>
                   <a:lnTo>
-                    <a:pt x="6913543" y="0"/>
-                  </a:lnTo>
-                  <a:lnTo>
-                    <a:pt x="6913543" y="0"/>
+                    <a:pt x="1295770" y="0"/>
+                  </a:lnTo>
+                  <a:lnTo>
+                    <a:pt x="1295770" y="0"/>
                   </a:lnTo>
                 </a:path>
               </a:pathLst>
             </a:custGeom>
             <a:ln w="6775" cap="flat">
               <a:solidFill>
-                <a:srgbClr val="DEDEDE">
-                  <a:alpha val="100000"/>
-                </a:srgbClr>
-              </a:solidFill>
-              <a:prstDash val="solid"/>
-              <a:round/>
-            </a:ln>
-          </p:spPr>
-          <p:txBody>
-            <a:bodyPr/>
-            <a:lstStyle/>
-            <a:p/>
-          </p:txBody>
-        </p:sp>
-        <p:sp>
-          <p:nvSpPr>
-            <p:cNvPr id="12" name="pl12"/>
-            <p:cNvSpPr/>
-            <p:nvPr/>
-          </p:nvSpPr>
-          <p:spPr>
-            <a:xfrm>
-              <a:off x="2023549" y="4177037"/>
-              <a:ext cx="6913543" cy="0"/>
+                <a:srgbClr val="EBEBEB">
+                  <a:alpha val="100000"/>
+                </a:srgbClr>
+              </a:solidFill>
+              <a:prstDash val="solid"/>
+              <a:round/>
+            </a:ln>
+          </p:spPr>
+          <p:txBody>
+            <a:bodyPr/>
+            <a:lstStyle/>
+            <a:p/>
+          </p:txBody>
+        </p:sp>
+        <p:sp>
+          <p:nvSpPr>
+            <p:cNvPr id="8" name="pl8"/>
+            <p:cNvSpPr/>
+            <p:nvPr/>
+          </p:nvSpPr>
+          <p:spPr>
+            <a:xfrm>
+              <a:off x="2179881" y="2122369"/>
+              <a:ext cx="1295770" cy="0"/>
             </a:xfrm>
             <a:custGeom>
               <a:avLst/>
               <a:pathLst>
-                <a:path w="6913543" h="0">
+                <a:path w="1295770" h="0">
                   <a:moveTo>
                     <a:pt x="0" y="0"/>
                   </a:moveTo>
                   <a:lnTo>
-                    <a:pt x="6913543" y="0"/>
-                  </a:lnTo>
-                  <a:lnTo>
-                    <a:pt x="6913543" y="0"/>
+                    <a:pt x="1295770" y="0"/>
+                  </a:lnTo>
+                  <a:lnTo>
+                    <a:pt x="1295770" y="0"/>
                   </a:lnTo>
                 </a:path>
               </a:pathLst>
             </a:custGeom>
             <a:ln w="6775" cap="flat">
               <a:solidFill>
-                <a:srgbClr val="DEDEDE">
+                <a:srgbClr val="EBEBEB">
+                  <a:alpha val="100000"/>
+                </a:srgbClr>
+              </a:solidFill>
+              <a:prstDash val="solid"/>
+              <a:round/>
+            </a:ln>
+          </p:spPr>
+          <p:txBody>
+            <a:bodyPr/>
+            <a:lstStyle/>
+            <a:p/>
+          </p:txBody>
+        </p:sp>
+        <p:sp>
+          <p:nvSpPr>
+            <p:cNvPr id="9" name="pl9"/>
+            <p:cNvSpPr/>
+            <p:nvPr/>
+          </p:nvSpPr>
+          <p:spPr>
+            <a:xfrm>
+              <a:off x="2179881" y="5116600"/>
+              <a:ext cx="1295770" cy="0"/>
+            </a:xfrm>
+            <a:custGeom>
+              <a:avLst/>
+              <a:pathLst>
+                <a:path w="1295770" h="0">
+                  <a:moveTo>
+                    <a:pt x="0" y="0"/>
+                  </a:moveTo>
+                  <a:lnTo>
+                    <a:pt x="1295770" y="0"/>
+                  </a:lnTo>
+                  <a:lnTo>
+                    <a:pt x="1295770" y="0"/>
+                  </a:lnTo>
+                </a:path>
+              </a:pathLst>
+            </a:custGeom>
+            <a:ln w="13550" cap="flat">
+              <a:solidFill>
+                <a:srgbClr val="EBEBEB">
+                  <a:alpha val="100000"/>
+                </a:srgbClr>
+              </a:solidFill>
+              <a:prstDash val="solid"/>
+              <a:round/>
+            </a:ln>
+          </p:spPr>
+          <p:txBody>
+            <a:bodyPr/>
+            <a:lstStyle/>
+            <a:p/>
+          </p:txBody>
+        </p:sp>
+        <p:sp>
+          <p:nvSpPr>
+            <p:cNvPr id="10" name="pl10"/>
+            <p:cNvSpPr/>
+            <p:nvPr/>
+          </p:nvSpPr>
+          <p:spPr>
+            <a:xfrm>
+              <a:off x="2179881" y="3918908"/>
+              <a:ext cx="1295770" cy="0"/>
+            </a:xfrm>
+            <a:custGeom>
+              <a:avLst/>
+              <a:pathLst>
+                <a:path w="1295770" h="0">
+                  <a:moveTo>
+                    <a:pt x="0" y="0"/>
+                  </a:moveTo>
+                  <a:lnTo>
+                    <a:pt x="1295770" y="0"/>
+                  </a:lnTo>
+                  <a:lnTo>
+                    <a:pt x="1295770" y="0"/>
+                  </a:lnTo>
+                </a:path>
+              </a:pathLst>
+            </a:custGeom>
+            <a:ln w="13550" cap="flat">
+              <a:solidFill>
+                <a:srgbClr val="EBEBEB">
+                  <a:alpha val="100000"/>
+                </a:srgbClr>
+              </a:solidFill>
+              <a:prstDash val="solid"/>
+              <a:round/>
+            </a:ln>
+          </p:spPr>
+          <p:txBody>
+            <a:bodyPr/>
+            <a:lstStyle/>
+            <a:p/>
+          </p:txBody>
+        </p:sp>
+        <p:sp>
+          <p:nvSpPr>
+            <p:cNvPr id="11" name="pl11"/>
+            <p:cNvSpPr/>
+            <p:nvPr/>
+          </p:nvSpPr>
+          <p:spPr>
+            <a:xfrm>
+              <a:off x="2179881" y="2721215"/>
+              <a:ext cx="1295770" cy="0"/>
+            </a:xfrm>
+            <a:custGeom>
+              <a:avLst/>
+              <a:pathLst>
+                <a:path w="1295770" h="0">
+                  <a:moveTo>
+                    <a:pt x="0" y="0"/>
+                  </a:moveTo>
+                  <a:lnTo>
+                    <a:pt x="1295770" y="0"/>
+                  </a:lnTo>
+                  <a:lnTo>
+                    <a:pt x="1295770" y="0"/>
+                  </a:lnTo>
+                </a:path>
+              </a:pathLst>
+            </a:custGeom>
+            <a:ln w="13550" cap="flat">
+              <a:solidFill>
+                <a:srgbClr val="EBEBEB">
+                  <a:alpha val="100000"/>
+                </a:srgbClr>
+              </a:solidFill>
+              <a:prstDash val="solid"/>
+              <a:round/>
+            </a:ln>
+          </p:spPr>
+          <p:txBody>
+            <a:bodyPr/>
+            <a:lstStyle/>
+            <a:p/>
+          </p:txBody>
+        </p:sp>
+        <p:sp>
+          <p:nvSpPr>
+            <p:cNvPr id="12" name="pl12"/>
+            <p:cNvSpPr/>
+            <p:nvPr/>
+          </p:nvSpPr>
+          <p:spPr>
+            <a:xfrm>
+              <a:off x="2364991" y="1809173"/>
+              <a:ext cx="0" cy="3464924"/>
+            </a:xfrm>
+            <a:custGeom>
+              <a:avLst/>
+              <a:pathLst>
+                <a:path w="0" h="3464924">
+                  <a:moveTo>
+                    <a:pt x="0" y="3464924"/>
+                  </a:moveTo>
+                  <a:lnTo>
+                    <a:pt x="0" y="0"/>
+                  </a:lnTo>
+                  <a:lnTo>
+                    <a:pt x="0" y="0"/>
+                  </a:lnTo>
+                </a:path>
+              </a:pathLst>
+            </a:custGeom>
+            <a:ln w="13550" cap="flat">
+              <a:solidFill>
+                <a:srgbClr val="EBEBEB">
                   <a:alpha val="100000"/>
                 </a:srgbClr>
               </a:solidFill>
@@ -3519,401 +3519,1913 @@
           </p:nvSpPr>
           <p:spPr>
             <a:xfrm>
-              <a:off x="2023549" y="3614772"/>
-              <a:ext cx="6913543" cy="0"/>
+              <a:off x="2673508" y="1809173"/>
+              <a:ext cx="0" cy="3464924"/>
             </a:xfrm>
             <a:custGeom>
               <a:avLst/>
               <a:pathLst>
-                <a:path w="6913543" h="0">
+                <a:path w="0" h="3464924">
                   <a:moveTo>
-                    <a:pt x="0" y="0"/>
+                    <a:pt x="0" y="3464924"/>
                   </a:moveTo>
                   <a:lnTo>
-                    <a:pt x="6913543" y="0"/>
-                  </a:lnTo>
-                  <a:lnTo>
-                    <a:pt x="6913543" y="0"/>
+                    <a:pt x="0" y="0"/>
+                  </a:lnTo>
+                  <a:lnTo>
+                    <a:pt x="0" y="0"/>
+                  </a:lnTo>
+                </a:path>
+              </a:pathLst>
+            </a:custGeom>
+            <a:ln w="13550" cap="flat">
+              <a:solidFill>
+                <a:srgbClr val="EBEBEB">
+                  <a:alpha val="100000"/>
+                </a:srgbClr>
+              </a:solidFill>
+              <a:prstDash val="solid"/>
+              <a:round/>
+            </a:ln>
+          </p:spPr>
+          <p:txBody>
+            <a:bodyPr/>
+            <a:lstStyle/>
+            <a:p/>
+          </p:txBody>
+        </p:sp>
+        <p:sp>
+          <p:nvSpPr>
+            <p:cNvPr id="14" name="pl14"/>
+            <p:cNvSpPr/>
+            <p:nvPr/>
+          </p:nvSpPr>
+          <p:spPr>
+            <a:xfrm>
+              <a:off x="2982025" y="1809173"/>
+              <a:ext cx="0" cy="3464924"/>
+            </a:xfrm>
+            <a:custGeom>
+              <a:avLst/>
+              <a:pathLst>
+                <a:path w="0" h="3464924">
+                  <a:moveTo>
+                    <a:pt x="0" y="3464924"/>
+                  </a:moveTo>
+                  <a:lnTo>
+                    <a:pt x="0" y="0"/>
+                  </a:lnTo>
+                  <a:lnTo>
+                    <a:pt x="0" y="0"/>
+                  </a:lnTo>
+                </a:path>
+              </a:pathLst>
+            </a:custGeom>
+            <a:ln w="13550" cap="flat">
+              <a:solidFill>
+                <a:srgbClr val="EBEBEB">
+                  <a:alpha val="100000"/>
+                </a:srgbClr>
+              </a:solidFill>
+              <a:prstDash val="solid"/>
+              <a:round/>
+            </a:ln>
+          </p:spPr>
+          <p:txBody>
+            <a:bodyPr/>
+            <a:lstStyle/>
+            <a:p/>
+          </p:txBody>
+        </p:sp>
+        <p:sp>
+          <p:nvSpPr>
+            <p:cNvPr id="15" name="pl15"/>
+            <p:cNvSpPr/>
+            <p:nvPr/>
+          </p:nvSpPr>
+          <p:spPr>
+            <a:xfrm>
+              <a:off x="3290542" y="1809173"/>
+              <a:ext cx="0" cy="3464924"/>
+            </a:xfrm>
+            <a:custGeom>
+              <a:avLst/>
+              <a:pathLst>
+                <a:path w="0" h="3464924">
+                  <a:moveTo>
+                    <a:pt x="0" y="3464924"/>
+                  </a:moveTo>
+                  <a:lnTo>
+                    <a:pt x="0" y="0"/>
+                  </a:lnTo>
+                  <a:lnTo>
+                    <a:pt x="0" y="0"/>
+                  </a:lnTo>
+                </a:path>
+              </a:pathLst>
+            </a:custGeom>
+            <a:ln w="13550" cap="flat">
+              <a:solidFill>
+                <a:srgbClr val="EBEBEB">
+                  <a:alpha val="100000"/>
+                </a:srgbClr>
+              </a:solidFill>
+              <a:prstDash val="solid"/>
+              <a:round/>
+            </a:ln>
+          </p:spPr>
+          <p:txBody>
+            <a:bodyPr/>
+            <a:lstStyle/>
+            <a:p/>
+          </p:txBody>
+        </p:sp>
+        <p:sp>
+          <p:nvSpPr>
+            <p:cNvPr id="16" name="rc16"/>
+            <p:cNvSpPr/>
+            <p:nvPr/>
+          </p:nvSpPr>
+          <p:spPr>
+            <a:xfrm>
+              <a:off x="2226159" y="4709385"/>
+              <a:ext cx="277665" cy="407215"/>
+            </a:xfrm>
+            <a:prstGeom prst="rect">
+              <a:avLst/>
+            </a:prstGeom>
+            <a:solidFill>
+              <a:srgbClr val="FEE5D9">
+                <a:alpha val="100000"/>
+              </a:srgbClr>
+            </a:solidFill>
+          </p:spPr>
+          <p:txBody>
+            <a:bodyPr/>
+            <a:lstStyle/>
+            <a:p/>
+          </p:txBody>
+        </p:sp>
+        <p:sp>
+          <p:nvSpPr>
+            <p:cNvPr id="17" name="rc17"/>
+            <p:cNvSpPr/>
+            <p:nvPr/>
+          </p:nvSpPr>
+          <p:spPr>
+            <a:xfrm>
+              <a:off x="2534676" y="1966669"/>
+              <a:ext cx="277665" cy="3149931"/>
+            </a:xfrm>
+            <a:prstGeom prst="rect">
+              <a:avLst/>
+            </a:prstGeom>
+            <a:solidFill>
+              <a:srgbClr val="FCAE91">
+                <a:alpha val="100000"/>
+              </a:srgbClr>
+            </a:solidFill>
+          </p:spPr>
+          <p:txBody>
+            <a:bodyPr/>
+            <a:lstStyle/>
+            <a:p/>
+          </p:txBody>
+        </p:sp>
+        <p:sp>
+          <p:nvSpPr>
+            <p:cNvPr id="18" name="rc18"/>
+            <p:cNvSpPr/>
+            <p:nvPr/>
+          </p:nvSpPr>
+          <p:spPr>
+            <a:xfrm>
+              <a:off x="2843193" y="4146469"/>
+              <a:ext cx="277665" cy="970130"/>
+            </a:xfrm>
+            <a:prstGeom prst="rect">
+              <a:avLst/>
+            </a:prstGeom>
+            <a:solidFill>
+              <a:srgbClr val="FB6A4A">
+                <a:alpha val="100000"/>
+              </a:srgbClr>
+            </a:solidFill>
+          </p:spPr>
+          <p:txBody>
+            <a:bodyPr/>
+            <a:lstStyle/>
+            <a:p/>
+          </p:txBody>
+        </p:sp>
+        <p:sp>
+          <p:nvSpPr>
+            <p:cNvPr id="19" name="rc19"/>
+            <p:cNvSpPr/>
+            <p:nvPr/>
+          </p:nvSpPr>
+          <p:spPr>
+            <a:xfrm>
+              <a:off x="3151709" y="4374031"/>
+              <a:ext cx="277665" cy="742569"/>
+            </a:xfrm>
+            <a:prstGeom prst="rect">
+              <a:avLst/>
+            </a:prstGeom>
+            <a:solidFill>
+              <a:srgbClr val="CB181D">
+                <a:alpha val="100000"/>
+              </a:srgbClr>
+            </a:solidFill>
+          </p:spPr>
+          <p:txBody>
+            <a:bodyPr/>
+            <a:lstStyle/>
+            <a:p/>
+          </p:txBody>
+        </p:sp>
+        <p:sp>
+          <p:nvSpPr>
+            <p:cNvPr id="20" name="rc20"/>
+            <p:cNvSpPr/>
+            <p:nvPr/>
+          </p:nvSpPr>
+          <p:spPr>
+            <a:xfrm>
+              <a:off x="2179881" y="1809173"/>
+              <a:ext cx="1295770" cy="3464924"/>
+            </a:xfrm>
+            <a:prstGeom prst="rect">
+              <a:avLst/>
+            </a:prstGeom>
+            <a:ln w="13550" cap="rnd">
+              <a:solidFill>
+                <a:srgbClr val="333333">
+                  <a:alpha val="100000"/>
+                </a:srgbClr>
+              </a:solidFill>
+              <a:prstDash val="solid"/>
+              <a:round/>
+            </a:ln>
+          </p:spPr>
+          <p:txBody>
+            <a:bodyPr/>
+            <a:lstStyle/>
+            <a:p/>
+          </p:txBody>
+        </p:sp>
+        <p:sp>
+          <p:nvSpPr>
+            <p:cNvPr id="21" name="rc21"/>
+            <p:cNvSpPr/>
+            <p:nvPr/>
+          </p:nvSpPr>
+          <p:spPr>
+            <a:xfrm>
+              <a:off x="3545241" y="1809173"/>
+              <a:ext cx="1295770" cy="3464924"/>
+            </a:xfrm>
+            <a:prstGeom prst="rect">
+              <a:avLst/>
+            </a:prstGeom>
+            <a:solidFill>
+              <a:srgbClr val="FFFFFF">
+                <a:alpha val="100000"/>
+              </a:srgbClr>
+            </a:solidFill>
+          </p:spPr>
+          <p:txBody>
+            <a:bodyPr/>
+            <a:lstStyle/>
+            <a:p/>
+          </p:txBody>
+        </p:sp>
+        <p:sp>
+          <p:nvSpPr>
+            <p:cNvPr id="22" name="pl22"/>
+            <p:cNvSpPr/>
+            <p:nvPr/>
+          </p:nvSpPr>
+          <p:spPr>
+            <a:xfrm>
+              <a:off x="3545241" y="4517754"/>
+              <a:ext cx="1295770" cy="0"/>
+            </a:xfrm>
+            <a:custGeom>
+              <a:avLst/>
+              <a:pathLst>
+                <a:path w="1295770" h="0">
+                  <a:moveTo>
+                    <a:pt x="0" y="0"/>
+                  </a:moveTo>
+                  <a:lnTo>
+                    <a:pt x="1295770" y="0"/>
+                  </a:lnTo>
+                  <a:lnTo>
+                    <a:pt x="1295770" y="0"/>
                   </a:lnTo>
                 </a:path>
               </a:pathLst>
             </a:custGeom>
             <a:ln w="6775" cap="flat">
               <a:solidFill>
-                <a:srgbClr val="DEDEDE">
-                  <a:alpha val="100000"/>
-                </a:srgbClr>
-              </a:solidFill>
-              <a:prstDash val="solid"/>
-              <a:round/>
-            </a:ln>
-          </p:spPr>
-          <p:txBody>
-            <a:bodyPr/>
-            <a:lstStyle/>
-            <a:p/>
-          </p:txBody>
-        </p:sp>
-        <p:sp>
-          <p:nvSpPr>
-            <p:cNvPr id="14" name="pl14"/>
-            <p:cNvSpPr/>
-            <p:nvPr/>
-          </p:nvSpPr>
-          <p:spPr>
-            <a:xfrm>
-              <a:off x="2023549" y="3052507"/>
-              <a:ext cx="6913543" cy="0"/>
+                <a:srgbClr val="EBEBEB">
+                  <a:alpha val="100000"/>
+                </a:srgbClr>
+              </a:solidFill>
+              <a:prstDash val="solid"/>
+              <a:round/>
+            </a:ln>
+          </p:spPr>
+          <p:txBody>
+            <a:bodyPr/>
+            <a:lstStyle/>
+            <a:p/>
+          </p:txBody>
+        </p:sp>
+        <p:sp>
+          <p:nvSpPr>
+            <p:cNvPr id="23" name="pl23"/>
+            <p:cNvSpPr/>
+            <p:nvPr/>
+          </p:nvSpPr>
+          <p:spPr>
+            <a:xfrm>
+              <a:off x="3545241" y="3320062"/>
+              <a:ext cx="1295770" cy="0"/>
             </a:xfrm>
             <a:custGeom>
               <a:avLst/>
               <a:pathLst>
-                <a:path w="6913543" h="0">
+                <a:path w="1295770" h="0">
                   <a:moveTo>
                     <a:pt x="0" y="0"/>
                   </a:moveTo>
                   <a:lnTo>
-                    <a:pt x="6913543" y="0"/>
-                  </a:lnTo>
-                  <a:lnTo>
-                    <a:pt x="6913543" y="0"/>
+                    <a:pt x="1295770" y="0"/>
+                  </a:lnTo>
+                  <a:lnTo>
+                    <a:pt x="1295770" y="0"/>
                   </a:lnTo>
                 </a:path>
               </a:pathLst>
             </a:custGeom>
             <a:ln w="6775" cap="flat">
               <a:solidFill>
-                <a:srgbClr val="DEDEDE">
-                  <a:alpha val="100000"/>
-                </a:srgbClr>
-              </a:solidFill>
-              <a:prstDash val="solid"/>
-              <a:round/>
-            </a:ln>
-          </p:spPr>
-          <p:txBody>
-            <a:bodyPr/>
-            <a:lstStyle/>
-            <a:p/>
-          </p:txBody>
-        </p:sp>
-        <p:sp>
-          <p:nvSpPr>
-            <p:cNvPr id="15" name="pl15"/>
-            <p:cNvSpPr/>
-            <p:nvPr/>
-          </p:nvSpPr>
-          <p:spPr>
-            <a:xfrm>
-              <a:off x="2023549" y="2490241"/>
-              <a:ext cx="6913543" cy="0"/>
+                <a:srgbClr val="EBEBEB">
+                  <a:alpha val="100000"/>
+                </a:srgbClr>
+              </a:solidFill>
+              <a:prstDash val="solid"/>
+              <a:round/>
+            </a:ln>
+          </p:spPr>
+          <p:txBody>
+            <a:bodyPr/>
+            <a:lstStyle/>
+            <a:p/>
+          </p:txBody>
+        </p:sp>
+        <p:sp>
+          <p:nvSpPr>
+            <p:cNvPr id="24" name="pl24"/>
+            <p:cNvSpPr/>
+            <p:nvPr/>
+          </p:nvSpPr>
+          <p:spPr>
+            <a:xfrm>
+              <a:off x="3545241" y="2122369"/>
+              <a:ext cx="1295770" cy="0"/>
             </a:xfrm>
             <a:custGeom>
               <a:avLst/>
               <a:pathLst>
-                <a:path w="6913543" h="0">
+                <a:path w="1295770" h="0">
                   <a:moveTo>
                     <a:pt x="0" y="0"/>
                   </a:moveTo>
                   <a:lnTo>
-                    <a:pt x="6913543" y="0"/>
-                  </a:lnTo>
-                  <a:lnTo>
-                    <a:pt x="6913543" y="0"/>
+                    <a:pt x="1295770" y="0"/>
+                  </a:lnTo>
+                  <a:lnTo>
+                    <a:pt x="1295770" y="0"/>
                   </a:lnTo>
                 </a:path>
               </a:pathLst>
             </a:custGeom>
             <a:ln w="6775" cap="flat">
               <a:solidFill>
-                <a:srgbClr val="DEDEDE">
-                  <a:alpha val="100000"/>
-                </a:srgbClr>
-              </a:solidFill>
-              <a:prstDash val="solid"/>
-              <a:round/>
-            </a:ln>
-          </p:spPr>
-          <p:txBody>
-            <a:bodyPr/>
-            <a:lstStyle/>
-            <a:p/>
-          </p:txBody>
-        </p:sp>
-        <p:sp>
-          <p:nvSpPr>
-            <p:cNvPr id="16" name="pl16"/>
-            <p:cNvSpPr/>
-            <p:nvPr/>
-          </p:nvSpPr>
-          <p:spPr>
-            <a:xfrm>
-              <a:off x="2023549" y="1927976"/>
-              <a:ext cx="6913543" cy="0"/>
+                <a:srgbClr val="EBEBEB">
+                  <a:alpha val="100000"/>
+                </a:srgbClr>
+              </a:solidFill>
+              <a:prstDash val="solid"/>
+              <a:round/>
+            </a:ln>
+          </p:spPr>
+          <p:txBody>
+            <a:bodyPr/>
+            <a:lstStyle/>
+            <a:p/>
+          </p:txBody>
+        </p:sp>
+        <p:sp>
+          <p:nvSpPr>
+            <p:cNvPr id="25" name="pl25"/>
+            <p:cNvSpPr/>
+            <p:nvPr/>
+          </p:nvSpPr>
+          <p:spPr>
+            <a:xfrm>
+              <a:off x="3545241" y="5116600"/>
+              <a:ext cx="1295770" cy="0"/>
             </a:xfrm>
             <a:custGeom>
               <a:avLst/>
               <a:pathLst>
-                <a:path w="6913543" h="0">
+                <a:path w="1295770" h="0">
                   <a:moveTo>
                     <a:pt x="0" y="0"/>
                   </a:moveTo>
                   <a:lnTo>
-                    <a:pt x="6913543" y="0"/>
-                  </a:lnTo>
-                  <a:lnTo>
-                    <a:pt x="6913543" y="0"/>
+                    <a:pt x="1295770" y="0"/>
+                  </a:lnTo>
+                  <a:lnTo>
+                    <a:pt x="1295770" y="0"/>
+                  </a:lnTo>
+                </a:path>
+              </a:pathLst>
+            </a:custGeom>
+            <a:ln w="13550" cap="flat">
+              <a:solidFill>
+                <a:srgbClr val="EBEBEB">
+                  <a:alpha val="100000"/>
+                </a:srgbClr>
+              </a:solidFill>
+              <a:prstDash val="solid"/>
+              <a:round/>
+            </a:ln>
+          </p:spPr>
+          <p:txBody>
+            <a:bodyPr/>
+            <a:lstStyle/>
+            <a:p/>
+          </p:txBody>
+        </p:sp>
+        <p:sp>
+          <p:nvSpPr>
+            <p:cNvPr id="26" name="pl26"/>
+            <p:cNvSpPr/>
+            <p:nvPr/>
+          </p:nvSpPr>
+          <p:spPr>
+            <a:xfrm>
+              <a:off x="3545241" y="3918908"/>
+              <a:ext cx="1295770" cy="0"/>
+            </a:xfrm>
+            <a:custGeom>
+              <a:avLst/>
+              <a:pathLst>
+                <a:path w="1295770" h="0">
+                  <a:moveTo>
+                    <a:pt x="0" y="0"/>
+                  </a:moveTo>
+                  <a:lnTo>
+                    <a:pt x="1295770" y="0"/>
+                  </a:lnTo>
+                  <a:lnTo>
+                    <a:pt x="1295770" y="0"/>
+                  </a:lnTo>
+                </a:path>
+              </a:pathLst>
+            </a:custGeom>
+            <a:ln w="13550" cap="flat">
+              <a:solidFill>
+                <a:srgbClr val="EBEBEB">
+                  <a:alpha val="100000"/>
+                </a:srgbClr>
+              </a:solidFill>
+              <a:prstDash val="solid"/>
+              <a:round/>
+            </a:ln>
+          </p:spPr>
+          <p:txBody>
+            <a:bodyPr/>
+            <a:lstStyle/>
+            <a:p/>
+          </p:txBody>
+        </p:sp>
+        <p:sp>
+          <p:nvSpPr>
+            <p:cNvPr id="27" name="pl27"/>
+            <p:cNvSpPr/>
+            <p:nvPr/>
+          </p:nvSpPr>
+          <p:spPr>
+            <a:xfrm>
+              <a:off x="3545241" y="2721215"/>
+              <a:ext cx="1295770" cy="0"/>
+            </a:xfrm>
+            <a:custGeom>
+              <a:avLst/>
+              <a:pathLst>
+                <a:path w="1295770" h="0">
+                  <a:moveTo>
+                    <a:pt x="0" y="0"/>
+                  </a:moveTo>
+                  <a:lnTo>
+                    <a:pt x="1295770" y="0"/>
+                  </a:lnTo>
+                  <a:lnTo>
+                    <a:pt x="1295770" y="0"/>
+                  </a:lnTo>
+                </a:path>
+              </a:pathLst>
+            </a:custGeom>
+            <a:ln w="13550" cap="flat">
+              <a:solidFill>
+                <a:srgbClr val="EBEBEB">
+                  <a:alpha val="100000"/>
+                </a:srgbClr>
+              </a:solidFill>
+              <a:prstDash val="solid"/>
+              <a:round/>
+            </a:ln>
+          </p:spPr>
+          <p:txBody>
+            <a:bodyPr/>
+            <a:lstStyle/>
+            <a:p/>
+          </p:txBody>
+        </p:sp>
+        <p:sp>
+          <p:nvSpPr>
+            <p:cNvPr id="28" name="pl28"/>
+            <p:cNvSpPr/>
+            <p:nvPr/>
+          </p:nvSpPr>
+          <p:spPr>
+            <a:xfrm>
+              <a:off x="3730351" y="1809173"/>
+              <a:ext cx="0" cy="3464924"/>
+            </a:xfrm>
+            <a:custGeom>
+              <a:avLst/>
+              <a:pathLst>
+                <a:path w="0" h="3464924">
+                  <a:moveTo>
+                    <a:pt x="0" y="3464924"/>
+                  </a:moveTo>
+                  <a:lnTo>
+                    <a:pt x="0" y="0"/>
+                  </a:lnTo>
+                  <a:lnTo>
+                    <a:pt x="0" y="0"/>
+                  </a:lnTo>
+                </a:path>
+              </a:pathLst>
+            </a:custGeom>
+            <a:ln w="13550" cap="flat">
+              <a:solidFill>
+                <a:srgbClr val="EBEBEB">
+                  <a:alpha val="100000"/>
+                </a:srgbClr>
+              </a:solidFill>
+              <a:prstDash val="solid"/>
+              <a:round/>
+            </a:ln>
+          </p:spPr>
+          <p:txBody>
+            <a:bodyPr/>
+            <a:lstStyle/>
+            <a:p/>
+          </p:txBody>
+        </p:sp>
+        <p:sp>
+          <p:nvSpPr>
+            <p:cNvPr id="29" name="pl29"/>
+            <p:cNvSpPr/>
+            <p:nvPr/>
+          </p:nvSpPr>
+          <p:spPr>
+            <a:xfrm>
+              <a:off x="4038868" y="1809173"/>
+              <a:ext cx="0" cy="3464924"/>
+            </a:xfrm>
+            <a:custGeom>
+              <a:avLst/>
+              <a:pathLst>
+                <a:path w="0" h="3464924">
+                  <a:moveTo>
+                    <a:pt x="0" y="3464924"/>
+                  </a:moveTo>
+                  <a:lnTo>
+                    <a:pt x="0" y="0"/>
+                  </a:lnTo>
+                  <a:lnTo>
+                    <a:pt x="0" y="0"/>
+                  </a:lnTo>
+                </a:path>
+              </a:pathLst>
+            </a:custGeom>
+            <a:ln w="13550" cap="flat">
+              <a:solidFill>
+                <a:srgbClr val="EBEBEB">
+                  <a:alpha val="100000"/>
+                </a:srgbClr>
+              </a:solidFill>
+              <a:prstDash val="solid"/>
+              <a:round/>
+            </a:ln>
+          </p:spPr>
+          <p:txBody>
+            <a:bodyPr/>
+            <a:lstStyle/>
+            <a:p/>
+          </p:txBody>
+        </p:sp>
+        <p:sp>
+          <p:nvSpPr>
+            <p:cNvPr id="30" name="pl30"/>
+            <p:cNvSpPr/>
+            <p:nvPr/>
+          </p:nvSpPr>
+          <p:spPr>
+            <a:xfrm>
+              <a:off x="4347385" y="1809173"/>
+              <a:ext cx="0" cy="3464924"/>
+            </a:xfrm>
+            <a:custGeom>
+              <a:avLst/>
+              <a:pathLst>
+                <a:path w="0" h="3464924">
+                  <a:moveTo>
+                    <a:pt x="0" y="3464924"/>
+                  </a:moveTo>
+                  <a:lnTo>
+                    <a:pt x="0" y="0"/>
+                  </a:lnTo>
+                  <a:lnTo>
+                    <a:pt x="0" y="0"/>
+                  </a:lnTo>
+                </a:path>
+              </a:pathLst>
+            </a:custGeom>
+            <a:ln w="13550" cap="flat">
+              <a:solidFill>
+                <a:srgbClr val="EBEBEB">
+                  <a:alpha val="100000"/>
+                </a:srgbClr>
+              </a:solidFill>
+              <a:prstDash val="solid"/>
+              <a:round/>
+            </a:ln>
+          </p:spPr>
+          <p:txBody>
+            <a:bodyPr/>
+            <a:lstStyle/>
+            <a:p/>
+          </p:txBody>
+        </p:sp>
+        <p:sp>
+          <p:nvSpPr>
+            <p:cNvPr id="31" name="pl31"/>
+            <p:cNvSpPr/>
+            <p:nvPr/>
+          </p:nvSpPr>
+          <p:spPr>
+            <a:xfrm>
+              <a:off x="4655902" y="1809173"/>
+              <a:ext cx="0" cy="3464924"/>
+            </a:xfrm>
+            <a:custGeom>
+              <a:avLst/>
+              <a:pathLst>
+                <a:path w="0" h="3464924">
+                  <a:moveTo>
+                    <a:pt x="0" y="3464924"/>
+                  </a:moveTo>
+                  <a:lnTo>
+                    <a:pt x="0" y="0"/>
+                  </a:lnTo>
+                  <a:lnTo>
+                    <a:pt x="0" y="0"/>
+                  </a:lnTo>
+                </a:path>
+              </a:pathLst>
+            </a:custGeom>
+            <a:ln w="13550" cap="flat">
+              <a:solidFill>
+                <a:srgbClr val="EBEBEB">
+                  <a:alpha val="100000"/>
+                </a:srgbClr>
+              </a:solidFill>
+              <a:prstDash val="solid"/>
+              <a:round/>
+            </a:ln>
+          </p:spPr>
+          <p:txBody>
+            <a:bodyPr/>
+            <a:lstStyle/>
+            <a:p/>
+          </p:txBody>
+        </p:sp>
+        <p:sp>
+          <p:nvSpPr>
+            <p:cNvPr id="32" name="rc32"/>
+            <p:cNvSpPr/>
+            <p:nvPr/>
+          </p:nvSpPr>
+          <p:spPr>
+            <a:xfrm>
+              <a:off x="3591519" y="4793223"/>
+              <a:ext cx="277665" cy="323376"/>
+            </a:xfrm>
+            <a:prstGeom prst="rect">
+              <a:avLst/>
+            </a:prstGeom>
+            <a:solidFill>
+              <a:srgbClr val="FEE5D9">
+                <a:alpha val="100000"/>
+              </a:srgbClr>
+            </a:solidFill>
+          </p:spPr>
+          <p:txBody>
+            <a:bodyPr/>
+            <a:lstStyle/>
+            <a:p/>
+          </p:txBody>
+        </p:sp>
+        <p:sp>
+          <p:nvSpPr>
+            <p:cNvPr id="33" name="rc33"/>
+            <p:cNvSpPr/>
+            <p:nvPr/>
+          </p:nvSpPr>
+          <p:spPr>
+            <a:xfrm>
+              <a:off x="3900036" y="3547623"/>
+              <a:ext cx="277665" cy="1568977"/>
+            </a:xfrm>
+            <a:prstGeom prst="rect">
+              <a:avLst/>
+            </a:prstGeom>
+            <a:solidFill>
+              <a:srgbClr val="FCAE91">
+                <a:alpha val="100000"/>
+              </a:srgbClr>
+            </a:solidFill>
+          </p:spPr>
+          <p:txBody>
+            <a:bodyPr/>
+            <a:lstStyle/>
+            <a:p/>
+          </p:txBody>
+        </p:sp>
+        <p:sp>
+          <p:nvSpPr>
+            <p:cNvPr id="34" name="rc34"/>
+            <p:cNvSpPr/>
+            <p:nvPr/>
+          </p:nvSpPr>
+          <p:spPr>
+            <a:xfrm>
+              <a:off x="4208552" y="4565662"/>
+              <a:ext cx="277665" cy="550938"/>
+            </a:xfrm>
+            <a:prstGeom prst="rect">
+              <a:avLst/>
+            </a:prstGeom>
+            <a:solidFill>
+              <a:srgbClr val="FB6A4A">
+                <a:alpha val="100000"/>
+              </a:srgbClr>
+            </a:solidFill>
+          </p:spPr>
+          <p:txBody>
+            <a:bodyPr/>
+            <a:lstStyle/>
+            <a:p/>
+          </p:txBody>
+        </p:sp>
+        <p:sp>
+          <p:nvSpPr>
+            <p:cNvPr id="35" name="rc35"/>
+            <p:cNvSpPr/>
+            <p:nvPr/>
+          </p:nvSpPr>
+          <p:spPr>
+            <a:xfrm>
+              <a:off x="4517069" y="4457870"/>
+              <a:ext cx="277665" cy="658730"/>
+            </a:xfrm>
+            <a:prstGeom prst="rect">
+              <a:avLst/>
+            </a:prstGeom>
+            <a:solidFill>
+              <a:srgbClr val="CB181D">
+                <a:alpha val="100000"/>
+              </a:srgbClr>
+            </a:solidFill>
+          </p:spPr>
+          <p:txBody>
+            <a:bodyPr/>
+            <a:lstStyle/>
+            <a:p/>
+          </p:txBody>
+        </p:sp>
+        <p:sp>
+          <p:nvSpPr>
+            <p:cNvPr id="36" name="rc36"/>
+            <p:cNvSpPr/>
+            <p:nvPr/>
+          </p:nvSpPr>
+          <p:spPr>
+            <a:xfrm>
+              <a:off x="3545241" y="1809173"/>
+              <a:ext cx="1295770" cy="3464924"/>
+            </a:xfrm>
+            <a:prstGeom prst="rect">
+              <a:avLst/>
+            </a:prstGeom>
+            <a:ln w="13550" cap="rnd">
+              <a:solidFill>
+                <a:srgbClr val="333333">
+                  <a:alpha val="100000"/>
+                </a:srgbClr>
+              </a:solidFill>
+              <a:prstDash val="solid"/>
+              <a:round/>
+            </a:ln>
+          </p:spPr>
+          <p:txBody>
+            <a:bodyPr/>
+            <a:lstStyle/>
+            <a:p/>
+          </p:txBody>
+        </p:sp>
+        <p:sp>
+          <p:nvSpPr>
+            <p:cNvPr id="37" name="rc37"/>
+            <p:cNvSpPr/>
+            <p:nvPr/>
+          </p:nvSpPr>
+          <p:spPr>
+            <a:xfrm>
+              <a:off x="4910601" y="1809173"/>
+              <a:ext cx="1295770" cy="3464924"/>
+            </a:xfrm>
+            <a:prstGeom prst="rect">
+              <a:avLst/>
+            </a:prstGeom>
+            <a:solidFill>
+              <a:srgbClr val="FFFFFF">
+                <a:alpha val="100000"/>
+              </a:srgbClr>
+            </a:solidFill>
+          </p:spPr>
+          <p:txBody>
+            <a:bodyPr/>
+            <a:lstStyle/>
+            <a:p/>
+          </p:txBody>
+        </p:sp>
+        <p:sp>
+          <p:nvSpPr>
+            <p:cNvPr id="38" name="pl38"/>
+            <p:cNvSpPr/>
+            <p:nvPr/>
+          </p:nvSpPr>
+          <p:spPr>
+            <a:xfrm>
+              <a:off x="4910601" y="4517754"/>
+              <a:ext cx="1295770" cy="0"/>
+            </a:xfrm>
+            <a:custGeom>
+              <a:avLst/>
+              <a:pathLst>
+                <a:path w="1295770" h="0">
+                  <a:moveTo>
+                    <a:pt x="0" y="0"/>
+                  </a:moveTo>
+                  <a:lnTo>
+                    <a:pt x="1295770" y="0"/>
+                  </a:lnTo>
+                  <a:lnTo>
+                    <a:pt x="1295770" y="0"/>
                   </a:lnTo>
                 </a:path>
               </a:pathLst>
             </a:custGeom>
             <a:ln w="6775" cap="flat">
               <a:solidFill>
-                <a:srgbClr val="DEDEDE">
-                  <a:alpha val="100000"/>
-                </a:srgbClr>
-              </a:solidFill>
-              <a:prstDash val="solid"/>
-              <a:round/>
-            </a:ln>
-          </p:spPr>
-          <p:txBody>
-            <a:bodyPr/>
-            <a:lstStyle/>
-            <a:p/>
-          </p:txBody>
-        </p:sp>
-        <p:sp>
-          <p:nvSpPr>
-            <p:cNvPr id="17" name="pl17"/>
-            <p:cNvSpPr/>
-            <p:nvPr/>
-          </p:nvSpPr>
-          <p:spPr>
-            <a:xfrm>
-              <a:off x="2023549" y="1590617"/>
-              <a:ext cx="0" cy="4048310"/>
+                <a:srgbClr val="EBEBEB">
+                  <a:alpha val="100000"/>
+                </a:srgbClr>
+              </a:solidFill>
+              <a:prstDash val="solid"/>
+              <a:round/>
+            </a:ln>
+          </p:spPr>
+          <p:txBody>
+            <a:bodyPr/>
+            <a:lstStyle/>
+            <a:p/>
+          </p:txBody>
+        </p:sp>
+        <p:sp>
+          <p:nvSpPr>
+            <p:cNvPr id="39" name="pl39"/>
+            <p:cNvSpPr/>
+            <p:nvPr/>
+          </p:nvSpPr>
+          <p:spPr>
+            <a:xfrm>
+              <a:off x="4910601" y="3320062"/>
+              <a:ext cx="1295770" cy="0"/>
             </a:xfrm>
             <a:custGeom>
               <a:avLst/>
               <a:pathLst>
-                <a:path w="0" h="4048310">
+                <a:path w="1295770" h="0">
                   <a:moveTo>
-                    <a:pt x="0" y="4048310"/>
+                    <a:pt x="0" y="0"/>
                   </a:moveTo>
                   <a:lnTo>
-                    <a:pt x="0" y="0"/>
-                  </a:lnTo>
-                  <a:lnTo>
-                    <a:pt x="0" y="0"/>
+                    <a:pt x="1295770" y="0"/>
+                  </a:lnTo>
+                  <a:lnTo>
+                    <a:pt x="1295770" y="0"/>
                   </a:lnTo>
                 </a:path>
               </a:pathLst>
             </a:custGeom>
             <a:ln w="6775" cap="flat">
               <a:solidFill>
-                <a:srgbClr val="DEDEDE">
-                  <a:alpha val="100000"/>
-                </a:srgbClr>
-              </a:solidFill>
-              <a:prstDash val="solid"/>
-              <a:round/>
-            </a:ln>
-          </p:spPr>
-          <p:txBody>
-            <a:bodyPr/>
-            <a:lstStyle/>
-            <a:p/>
-          </p:txBody>
-        </p:sp>
-        <p:sp>
-          <p:nvSpPr>
-            <p:cNvPr id="18" name="pl18"/>
-            <p:cNvSpPr/>
-            <p:nvPr/>
-          </p:nvSpPr>
-          <p:spPr>
-            <a:xfrm>
-              <a:off x="3672693" y="1590617"/>
-              <a:ext cx="0" cy="4048310"/>
+                <a:srgbClr val="EBEBEB">
+                  <a:alpha val="100000"/>
+                </a:srgbClr>
+              </a:solidFill>
+              <a:prstDash val="solid"/>
+              <a:round/>
+            </a:ln>
+          </p:spPr>
+          <p:txBody>
+            <a:bodyPr/>
+            <a:lstStyle/>
+            <a:p/>
+          </p:txBody>
+        </p:sp>
+        <p:sp>
+          <p:nvSpPr>
+            <p:cNvPr id="40" name="pl40"/>
+            <p:cNvSpPr/>
+            <p:nvPr/>
+          </p:nvSpPr>
+          <p:spPr>
+            <a:xfrm>
+              <a:off x="4910601" y="2122369"/>
+              <a:ext cx="1295770" cy="0"/>
             </a:xfrm>
             <a:custGeom>
               <a:avLst/>
               <a:pathLst>
-                <a:path w="0" h="4048310">
+                <a:path w="1295770" h="0">
                   <a:moveTo>
-                    <a:pt x="0" y="4048310"/>
+                    <a:pt x="0" y="0"/>
                   </a:moveTo>
                   <a:lnTo>
-                    <a:pt x="0" y="0"/>
-                  </a:lnTo>
-                  <a:lnTo>
-                    <a:pt x="0" y="0"/>
+                    <a:pt x="1295770" y="0"/>
+                  </a:lnTo>
+                  <a:lnTo>
+                    <a:pt x="1295770" y="0"/>
                   </a:lnTo>
                 </a:path>
               </a:pathLst>
             </a:custGeom>
             <a:ln w="6775" cap="flat">
               <a:solidFill>
-                <a:srgbClr val="DEDEDE">
-                  <a:alpha val="100000"/>
-                </a:srgbClr>
-              </a:solidFill>
-              <a:prstDash val="solid"/>
-              <a:round/>
-            </a:ln>
-          </p:spPr>
-          <p:txBody>
-            <a:bodyPr/>
-            <a:lstStyle/>
-            <a:p/>
-          </p:txBody>
-        </p:sp>
-        <p:sp>
-          <p:nvSpPr>
-            <p:cNvPr id="19" name="pl19"/>
-            <p:cNvSpPr/>
-            <p:nvPr/>
-          </p:nvSpPr>
-          <p:spPr>
-            <a:xfrm>
-              <a:off x="5321838" y="1590617"/>
-              <a:ext cx="0" cy="4048310"/>
+                <a:srgbClr val="EBEBEB">
+                  <a:alpha val="100000"/>
+                </a:srgbClr>
+              </a:solidFill>
+              <a:prstDash val="solid"/>
+              <a:round/>
+            </a:ln>
+          </p:spPr>
+          <p:txBody>
+            <a:bodyPr/>
+            <a:lstStyle/>
+            <a:p/>
+          </p:txBody>
+        </p:sp>
+        <p:sp>
+          <p:nvSpPr>
+            <p:cNvPr id="41" name="pl41"/>
+            <p:cNvSpPr/>
+            <p:nvPr/>
+          </p:nvSpPr>
+          <p:spPr>
+            <a:xfrm>
+              <a:off x="4910601" y="5116600"/>
+              <a:ext cx="1295770" cy="0"/>
             </a:xfrm>
             <a:custGeom>
               <a:avLst/>
               <a:pathLst>
-                <a:path w="0" h="4048310">
+                <a:path w="1295770" h="0">
                   <a:moveTo>
-                    <a:pt x="0" y="4048310"/>
+                    <a:pt x="0" y="0"/>
                   </a:moveTo>
                   <a:lnTo>
-                    <a:pt x="0" y="0"/>
-                  </a:lnTo>
-                  <a:lnTo>
-                    <a:pt x="0" y="0"/>
+                    <a:pt x="1295770" y="0"/>
+                  </a:lnTo>
+                  <a:lnTo>
+                    <a:pt x="1295770" y="0"/>
+                  </a:lnTo>
+                </a:path>
+              </a:pathLst>
+            </a:custGeom>
+            <a:ln w="13550" cap="flat">
+              <a:solidFill>
+                <a:srgbClr val="EBEBEB">
+                  <a:alpha val="100000"/>
+                </a:srgbClr>
+              </a:solidFill>
+              <a:prstDash val="solid"/>
+              <a:round/>
+            </a:ln>
+          </p:spPr>
+          <p:txBody>
+            <a:bodyPr/>
+            <a:lstStyle/>
+            <a:p/>
+          </p:txBody>
+        </p:sp>
+        <p:sp>
+          <p:nvSpPr>
+            <p:cNvPr id="42" name="pl42"/>
+            <p:cNvSpPr/>
+            <p:nvPr/>
+          </p:nvSpPr>
+          <p:spPr>
+            <a:xfrm>
+              <a:off x="4910601" y="3918908"/>
+              <a:ext cx="1295770" cy="0"/>
+            </a:xfrm>
+            <a:custGeom>
+              <a:avLst/>
+              <a:pathLst>
+                <a:path w="1295770" h="0">
+                  <a:moveTo>
+                    <a:pt x="0" y="0"/>
+                  </a:moveTo>
+                  <a:lnTo>
+                    <a:pt x="1295770" y="0"/>
+                  </a:lnTo>
+                  <a:lnTo>
+                    <a:pt x="1295770" y="0"/>
+                  </a:lnTo>
+                </a:path>
+              </a:pathLst>
+            </a:custGeom>
+            <a:ln w="13550" cap="flat">
+              <a:solidFill>
+                <a:srgbClr val="EBEBEB">
+                  <a:alpha val="100000"/>
+                </a:srgbClr>
+              </a:solidFill>
+              <a:prstDash val="solid"/>
+              <a:round/>
+            </a:ln>
+          </p:spPr>
+          <p:txBody>
+            <a:bodyPr/>
+            <a:lstStyle/>
+            <a:p/>
+          </p:txBody>
+        </p:sp>
+        <p:sp>
+          <p:nvSpPr>
+            <p:cNvPr id="43" name="pl43"/>
+            <p:cNvSpPr/>
+            <p:nvPr/>
+          </p:nvSpPr>
+          <p:spPr>
+            <a:xfrm>
+              <a:off x="4910601" y="2721215"/>
+              <a:ext cx="1295770" cy="0"/>
+            </a:xfrm>
+            <a:custGeom>
+              <a:avLst/>
+              <a:pathLst>
+                <a:path w="1295770" h="0">
+                  <a:moveTo>
+                    <a:pt x="0" y="0"/>
+                  </a:moveTo>
+                  <a:lnTo>
+                    <a:pt x="1295770" y="0"/>
+                  </a:lnTo>
+                  <a:lnTo>
+                    <a:pt x="1295770" y="0"/>
+                  </a:lnTo>
+                </a:path>
+              </a:pathLst>
+            </a:custGeom>
+            <a:ln w="13550" cap="flat">
+              <a:solidFill>
+                <a:srgbClr val="EBEBEB">
+                  <a:alpha val="100000"/>
+                </a:srgbClr>
+              </a:solidFill>
+              <a:prstDash val="solid"/>
+              <a:round/>
+            </a:ln>
+          </p:spPr>
+          <p:txBody>
+            <a:bodyPr/>
+            <a:lstStyle/>
+            <a:p/>
+          </p:txBody>
+        </p:sp>
+        <p:sp>
+          <p:nvSpPr>
+            <p:cNvPr id="44" name="pl44"/>
+            <p:cNvSpPr/>
+            <p:nvPr/>
+          </p:nvSpPr>
+          <p:spPr>
+            <a:xfrm>
+              <a:off x="5095711" y="1809173"/>
+              <a:ext cx="0" cy="3464924"/>
+            </a:xfrm>
+            <a:custGeom>
+              <a:avLst/>
+              <a:pathLst>
+                <a:path w="0" h="3464924">
+                  <a:moveTo>
+                    <a:pt x="0" y="3464924"/>
+                  </a:moveTo>
+                  <a:lnTo>
+                    <a:pt x="0" y="0"/>
+                  </a:lnTo>
+                  <a:lnTo>
+                    <a:pt x="0" y="0"/>
+                  </a:lnTo>
+                </a:path>
+              </a:pathLst>
+            </a:custGeom>
+            <a:ln w="13550" cap="flat">
+              <a:solidFill>
+                <a:srgbClr val="EBEBEB">
+                  <a:alpha val="100000"/>
+                </a:srgbClr>
+              </a:solidFill>
+              <a:prstDash val="solid"/>
+              <a:round/>
+            </a:ln>
+          </p:spPr>
+          <p:txBody>
+            <a:bodyPr/>
+            <a:lstStyle/>
+            <a:p/>
+          </p:txBody>
+        </p:sp>
+        <p:sp>
+          <p:nvSpPr>
+            <p:cNvPr id="45" name="pl45"/>
+            <p:cNvSpPr/>
+            <p:nvPr/>
+          </p:nvSpPr>
+          <p:spPr>
+            <a:xfrm>
+              <a:off x="5404228" y="1809173"/>
+              <a:ext cx="0" cy="3464924"/>
+            </a:xfrm>
+            <a:custGeom>
+              <a:avLst/>
+              <a:pathLst>
+                <a:path w="0" h="3464924">
+                  <a:moveTo>
+                    <a:pt x="0" y="3464924"/>
+                  </a:moveTo>
+                  <a:lnTo>
+                    <a:pt x="0" y="0"/>
+                  </a:lnTo>
+                  <a:lnTo>
+                    <a:pt x="0" y="0"/>
+                  </a:lnTo>
+                </a:path>
+              </a:pathLst>
+            </a:custGeom>
+            <a:ln w="13550" cap="flat">
+              <a:solidFill>
+                <a:srgbClr val="EBEBEB">
+                  <a:alpha val="100000"/>
+                </a:srgbClr>
+              </a:solidFill>
+              <a:prstDash val="solid"/>
+              <a:round/>
+            </a:ln>
+          </p:spPr>
+          <p:txBody>
+            <a:bodyPr/>
+            <a:lstStyle/>
+            <a:p/>
+          </p:txBody>
+        </p:sp>
+        <p:sp>
+          <p:nvSpPr>
+            <p:cNvPr id="46" name="pl46"/>
+            <p:cNvSpPr/>
+            <p:nvPr/>
+          </p:nvSpPr>
+          <p:spPr>
+            <a:xfrm>
+              <a:off x="5712745" y="1809173"/>
+              <a:ext cx="0" cy="3464924"/>
+            </a:xfrm>
+            <a:custGeom>
+              <a:avLst/>
+              <a:pathLst>
+                <a:path w="0" h="3464924">
+                  <a:moveTo>
+                    <a:pt x="0" y="3464924"/>
+                  </a:moveTo>
+                  <a:lnTo>
+                    <a:pt x="0" y="0"/>
+                  </a:lnTo>
+                  <a:lnTo>
+                    <a:pt x="0" y="0"/>
+                  </a:lnTo>
+                </a:path>
+              </a:pathLst>
+            </a:custGeom>
+            <a:ln w="13550" cap="flat">
+              <a:solidFill>
+                <a:srgbClr val="EBEBEB">
+                  <a:alpha val="100000"/>
+                </a:srgbClr>
+              </a:solidFill>
+              <a:prstDash val="solid"/>
+              <a:round/>
+            </a:ln>
+          </p:spPr>
+          <p:txBody>
+            <a:bodyPr/>
+            <a:lstStyle/>
+            <a:p/>
+          </p:txBody>
+        </p:sp>
+        <p:sp>
+          <p:nvSpPr>
+            <p:cNvPr id="47" name="pl47"/>
+            <p:cNvSpPr/>
+            <p:nvPr/>
+          </p:nvSpPr>
+          <p:spPr>
+            <a:xfrm>
+              <a:off x="6021262" y="1809173"/>
+              <a:ext cx="0" cy="3464924"/>
+            </a:xfrm>
+            <a:custGeom>
+              <a:avLst/>
+              <a:pathLst>
+                <a:path w="0" h="3464924">
+                  <a:moveTo>
+                    <a:pt x="0" y="3464924"/>
+                  </a:moveTo>
+                  <a:lnTo>
+                    <a:pt x="0" y="0"/>
+                  </a:lnTo>
+                  <a:lnTo>
+                    <a:pt x="0" y="0"/>
+                  </a:lnTo>
+                </a:path>
+              </a:pathLst>
+            </a:custGeom>
+            <a:ln w="13550" cap="flat">
+              <a:solidFill>
+                <a:srgbClr val="EBEBEB">
+                  <a:alpha val="100000"/>
+                </a:srgbClr>
+              </a:solidFill>
+              <a:prstDash val="solid"/>
+              <a:round/>
+            </a:ln>
+          </p:spPr>
+          <p:txBody>
+            <a:bodyPr/>
+            <a:lstStyle/>
+            <a:p/>
+          </p:txBody>
+        </p:sp>
+        <p:sp>
+          <p:nvSpPr>
+            <p:cNvPr id="48" name="rc48"/>
+            <p:cNvSpPr/>
+            <p:nvPr/>
+          </p:nvSpPr>
+          <p:spPr>
+            <a:xfrm>
+              <a:off x="4956879" y="5068693"/>
+              <a:ext cx="277665" cy="47907"/>
+            </a:xfrm>
+            <a:prstGeom prst="rect">
+              <a:avLst/>
+            </a:prstGeom>
+            <a:solidFill>
+              <a:srgbClr val="FEE5D9">
+                <a:alpha val="100000"/>
+              </a:srgbClr>
+            </a:solidFill>
+          </p:spPr>
+          <p:txBody>
+            <a:bodyPr/>
+            <a:lstStyle/>
+            <a:p/>
+          </p:txBody>
+        </p:sp>
+        <p:sp>
+          <p:nvSpPr>
+            <p:cNvPr id="49" name="rc49"/>
+            <p:cNvSpPr/>
+            <p:nvPr/>
+          </p:nvSpPr>
+          <p:spPr>
+            <a:xfrm>
+              <a:off x="5265396" y="4685431"/>
+              <a:ext cx="277665" cy="431169"/>
+            </a:xfrm>
+            <a:prstGeom prst="rect">
+              <a:avLst/>
+            </a:prstGeom>
+            <a:solidFill>
+              <a:srgbClr val="FCAE91">
+                <a:alpha val="100000"/>
+              </a:srgbClr>
+            </a:solidFill>
+          </p:spPr>
+          <p:txBody>
+            <a:bodyPr/>
+            <a:lstStyle/>
+            <a:p/>
+          </p:txBody>
+        </p:sp>
+        <p:sp>
+          <p:nvSpPr>
+            <p:cNvPr id="50" name="rc50"/>
+            <p:cNvSpPr/>
+            <p:nvPr/>
+          </p:nvSpPr>
+          <p:spPr>
+            <a:xfrm>
+              <a:off x="5573912" y="4901016"/>
+              <a:ext cx="277665" cy="215584"/>
+            </a:xfrm>
+            <a:prstGeom prst="rect">
+              <a:avLst/>
+            </a:prstGeom>
+            <a:solidFill>
+              <a:srgbClr val="FB6A4A">
+                <a:alpha val="100000"/>
+              </a:srgbClr>
+            </a:solidFill>
+          </p:spPr>
+          <p:txBody>
+            <a:bodyPr/>
+            <a:lstStyle/>
+            <a:p/>
+          </p:txBody>
+        </p:sp>
+        <p:sp>
+          <p:nvSpPr>
+            <p:cNvPr id="51" name="rc51"/>
+            <p:cNvSpPr/>
+            <p:nvPr/>
+          </p:nvSpPr>
+          <p:spPr>
+            <a:xfrm>
+              <a:off x="5882429" y="4781246"/>
+              <a:ext cx="277665" cy="335353"/>
+            </a:xfrm>
+            <a:prstGeom prst="rect">
+              <a:avLst/>
+            </a:prstGeom>
+            <a:solidFill>
+              <a:srgbClr val="CB181D">
+                <a:alpha val="100000"/>
+              </a:srgbClr>
+            </a:solidFill>
+          </p:spPr>
+          <p:txBody>
+            <a:bodyPr/>
+            <a:lstStyle/>
+            <a:p/>
+          </p:txBody>
+        </p:sp>
+        <p:sp>
+          <p:nvSpPr>
+            <p:cNvPr id="52" name="rc52"/>
+            <p:cNvSpPr/>
+            <p:nvPr/>
+          </p:nvSpPr>
+          <p:spPr>
+            <a:xfrm>
+              <a:off x="4910601" y="1809173"/>
+              <a:ext cx="1295770" cy="3464924"/>
+            </a:xfrm>
+            <a:prstGeom prst="rect">
+              <a:avLst/>
+            </a:prstGeom>
+            <a:ln w="13550" cap="rnd">
+              <a:solidFill>
+                <a:srgbClr val="333333">
+                  <a:alpha val="100000"/>
+                </a:srgbClr>
+              </a:solidFill>
+              <a:prstDash val="solid"/>
+              <a:round/>
+            </a:ln>
+          </p:spPr>
+          <p:txBody>
+            <a:bodyPr/>
+            <a:lstStyle/>
+            <a:p/>
+          </p:txBody>
+        </p:sp>
+        <p:sp>
+          <p:nvSpPr>
+            <p:cNvPr id="53" name="rc53"/>
+            <p:cNvSpPr/>
+            <p:nvPr/>
+          </p:nvSpPr>
+          <p:spPr>
+            <a:xfrm>
+              <a:off x="6275961" y="1809173"/>
+              <a:ext cx="1295770" cy="3464924"/>
+            </a:xfrm>
+            <a:prstGeom prst="rect">
+              <a:avLst/>
+            </a:prstGeom>
+            <a:solidFill>
+              <a:srgbClr val="FFFFFF">
+                <a:alpha val="100000"/>
+              </a:srgbClr>
+            </a:solidFill>
+          </p:spPr>
+          <p:txBody>
+            <a:bodyPr/>
+            <a:lstStyle/>
+            <a:p/>
+          </p:txBody>
+        </p:sp>
+        <p:sp>
+          <p:nvSpPr>
+            <p:cNvPr id="54" name="pl54"/>
+            <p:cNvSpPr/>
+            <p:nvPr/>
+          </p:nvSpPr>
+          <p:spPr>
+            <a:xfrm>
+              <a:off x="6275961" y="4517754"/>
+              <a:ext cx="1295770" cy="0"/>
+            </a:xfrm>
+            <a:custGeom>
+              <a:avLst/>
+              <a:pathLst>
+                <a:path w="1295770" h="0">
+                  <a:moveTo>
+                    <a:pt x="0" y="0"/>
+                  </a:moveTo>
+                  <a:lnTo>
+                    <a:pt x="1295770" y="0"/>
+                  </a:lnTo>
+                  <a:lnTo>
+                    <a:pt x="1295770" y="0"/>
                   </a:lnTo>
                 </a:path>
               </a:pathLst>
             </a:custGeom>
             <a:ln w="6775" cap="flat">
               <a:solidFill>
-                <a:srgbClr val="DEDEDE">
-                  <a:alpha val="100000"/>
-                </a:srgbClr>
-              </a:solidFill>
-              <a:prstDash val="solid"/>
-              <a:round/>
-            </a:ln>
-          </p:spPr>
-          <p:txBody>
-            <a:bodyPr/>
-            <a:lstStyle/>
-            <a:p/>
-          </p:txBody>
-        </p:sp>
-        <p:sp>
-          <p:nvSpPr>
-            <p:cNvPr id="20" name="pl20"/>
-            <p:cNvSpPr/>
-            <p:nvPr/>
-          </p:nvSpPr>
-          <p:spPr>
-            <a:xfrm>
-              <a:off x="6970982" y="1590617"/>
-              <a:ext cx="0" cy="4048310"/>
+                <a:srgbClr val="EBEBEB">
+                  <a:alpha val="100000"/>
+                </a:srgbClr>
+              </a:solidFill>
+              <a:prstDash val="solid"/>
+              <a:round/>
+            </a:ln>
+          </p:spPr>
+          <p:txBody>
+            <a:bodyPr/>
+            <a:lstStyle/>
+            <a:p/>
+          </p:txBody>
+        </p:sp>
+        <p:sp>
+          <p:nvSpPr>
+            <p:cNvPr id="55" name="pl55"/>
+            <p:cNvSpPr/>
+            <p:nvPr/>
+          </p:nvSpPr>
+          <p:spPr>
+            <a:xfrm>
+              <a:off x="6275961" y="3320062"/>
+              <a:ext cx="1295770" cy="0"/>
             </a:xfrm>
             <a:custGeom>
               <a:avLst/>
               <a:pathLst>
-                <a:path w="0" h="4048310">
+                <a:path w="1295770" h="0">
                   <a:moveTo>
-                    <a:pt x="0" y="4048310"/>
+                    <a:pt x="0" y="0"/>
                   </a:moveTo>
                   <a:lnTo>
-                    <a:pt x="0" y="0"/>
-                  </a:lnTo>
-                  <a:lnTo>
-                    <a:pt x="0" y="0"/>
+                    <a:pt x="1295770" y="0"/>
+                  </a:lnTo>
+                  <a:lnTo>
+                    <a:pt x="1295770" y="0"/>
                   </a:lnTo>
                 </a:path>
               </a:pathLst>
             </a:custGeom>
             <a:ln w="6775" cap="flat">
               <a:solidFill>
-                <a:srgbClr val="DEDEDE">
-                  <a:alpha val="100000"/>
-                </a:srgbClr>
-              </a:solidFill>
-              <a:prstDash val="solid"/>
-              <a:round/>
-            </a:ln>
-          </p:spPr>
-          <p:txBody>
-            <a:bodyPr/>
-            <a:lstStyle/>
-            <a:p/>
-          </p:txBody>
-        </p:sp>
-        <p:sp>
-          <p:nvSpPr>
-            <p:cNvPr id="21" name="pl21"/>
-            <p:cNvSpPr/>
-            <p:nvPr/>
-          </p:nvSpPr>
-          <p:spPr>
-            <a:xfrm>
-              <a:off x="8620126" y="1590617"/>
-              <a:ext cx="0" cy="4048310"/>
+                <a:srgbClr val="EBEBEB">
+                  <a:alpha val="100000"/>
+                </a:srgbClr>
+              </a:solidFill>
+              <a:prstDash val="solid"/>
+              <a:round/>
+            </a:ln>
+          </p:spPr>
+          <p:txBody>
+            <a:bodyPr/>
+            <a:lstStyle/>
+            <a:p/>
+          </p:txBody>
+        </p:sp>
+        <p:sp>
+          <p:nvSpPr>
+            <p:cNvPr id="56" name="pl56"/>
+            <p:cNvSpPr/>
+            <p:nvPr/>
+          </p:nvSpPr>
+          <p:spPr>
+            <a:xfrm>
+              <a:off x="6275961" y="2122369"/>
+              <a:ext cx="1295770" cy="0"/>
             </a:xfrm>
             <a:custGeom>
               <a:avLst/>
               <a:pathLst>
-                <a:path w="0" h="4048310">
+                <a:path w="1295770" h="0">
                   <a:moveTo>
-                    <a:pt x="0" y="4048310"/>
+                    <a:pt x="0" y="0"/>
                   </a:moveTo>
                   <a:lnTo>
-                    <a:pt x="0" y="0"/>
-                  </a:lnTo>
-                  <a:lnTo>
-                    <a:pt x="0" y="0"/>
+                    <a:pt x="1295770" y="0"/>
+                  </a:lnTo>
+                  <a:lnTo>
+                    <a:pt x="1295770" y="0"/>
                   </a:lnTo>
                 </a:path>
               </a:pathLst>
             </a:custGeom>
             <a:ln w="6775" cap="flat">
               <a:solidFill>
-                <a:srgbClr val="DEDEDE">
-                  <a:alpha val="100000"/>
-                </a:srgbClr>
-              </a:solidFill>
-              <a:prstDash val="solid"/>
-              <a:round/>
-            </a:ln>
-          </p:spPr>
-          <p:txBody>
-            <a:bodyPr/>
-            <a:lstStyle/>
-            <a:p/>
-          </p:txBody>
-        </p:sp>
-        <p:sp>
-          <p:nvSpPr>
-            <p:cNvPr id="22" name="rc22"/>
-            <p:cNvSpPr/>
-            <p:nvPr/>
-          </p:nvSpPr>
-          <p:spPr>
-            <a:xfrm>
-              <a:off x="2023549" y="1674957"/>
-              <a:ext cx="6777983" cy="506038"/>
+                <a:srgbClr val="EBEBEB">
+                  <a:alpha val="100000"/>
+                </a:srgbClr>
+              </a:solidFill>
+              <a:prstDash val="solid"/>
+              <a:round/>
+            </a:ln>
+          </p:spPr>
+          <p:txBody>
+            <a:bodyPr/>
+            <a:lstStyle/>
+            <a:p/>
+          </p:txBody>
+        </p:sp>
+        <p:sp>
+          <p:nvSpPr>
+            <p:cNvPr id="57" name="pl57"/>
+            <p:cNvSpPr/>
+            <p:nvPr/>
+          </p:nvSpPr>
+          <p:spPr>
+            <a:xfrm>
+              <a:off x="6275961" y="5116600"/>
+              <a:ext cx="1295770" cy="0"/>
+            </a:xfrm>
+            <a:custGeom>
+              <a:avLst/>
+              <a:pathLst>
+                <a:path w="1295770" h="0">
+                  <a:moveTo>
+                    <a:pt x="0" y="0"/>
+                  </a:moveTo>
+                  <a:lnTo>
+                    <a:pt x="1295770" y="0"/>
+                  </a:lnTo>
+                  <a:lnTo>
+                    <a:pt x="1295770" y="0"/>
+                  </a:lnTo>
+                </a:path>
+              </a:pathLst>
+            </a:custGeom>
+            <a:ln w="13550" cap="flat">
+              <a:solidFill>
+                <a:srgbClr val="EBEBEB">
+                  <a:alpha val="100000"/>
+                </a:srgbClr>
+              </a:solidFill>
+              <a:prstDash val="solid"/>
+              <a:round/>
+            </a:ln>
+          </p:spPr>
+          <p:txBody>
+            <a:bodyPr/>
+            <a:lstStyle/>
+            <a:p/>
+          </p:txBody>
+        </p:sp>
+        <p:sp>
+          <p:nvSpPr>
+            <p:cNvPr id="58" name="pl58"/>
+            <p:cNvSpPr/>
+            <p:nvPr/>
+          </p:nvSpPr>
+          <p:spPr>
+            <a:xfrm>
+              <a:off x="6275961" y="3918908"/>
+              <a:ext cx="1295770" cy="0"/>
+            </a:xfrm>
+            <a:custGeom>
+              <a:avLst/>
+              <a:pathLst>
+                <a:path w="1295770" h="0">
+                  <a:moveTo>
+                    <a:pt x="0" y="0"/>
+                  </a:moveTo>
+                  <a:lnTo>
+                    <a:pt x="1295770" y="0"/>
+                  </a:lnTo>
+                  <a:lnTo>
+                    <a:pt x="1295770" y="0"/>
+                  </a:lnTo>
+                </a:path>
+              </a:pathLst>
+            </a:custGeom>
+            <a:ln w="13550" cap="flat">
+              <a:solidFill>
+                <a:srgbClr val="EBEBEB">
+                  <a:alpha val="100000"/>
+                </a:srgbClr>
+              </a:solidFill>
+              <a:prstDash val="solid"/>
+              <a:round/>
+            </a:ln>
+          </p:spPr>
+          <p:txBody>
+            <a:bodyPr/>
+            <a:lstStyle/>
+            <a:p/>
+          </p:txBody>
+        </p:sp>
+        <p:sp>
+          <p:nvSpPr>
+            <p:cNvPr id="59" name="pl59"/>
+            <p:cNvSpPr/>
+            <p:nvPr/>
+          </p:nvSpPr>
+          <p:spPr>
+            <a:xfrm>
+              <a:off x="6275961" y="2721215"/>
+              <a:ext cx="1295770" cy="0"/>
+            </a:xfrm>
+            <a:custGeom>
+              <a:avLst/>
+              <a:pathLst>
+                <a:path w="1295770" h="0">
+                  <a:moveTo>
+                    <a:pt x="0" y="0"/>
+                  </a:moveTo>
+                  <a:lnTo>
+                    <a:pt x="1295770" y="0"/>
+                  </a:lnTo>
+                  <a:lnTo>
+                    <a:pt x="1295770" y="0"/>
+                  </a:lnTo>
+                </a:path>
+              </a:pathLst>
+            </a:custGeom>
+            <a:ln w="13550" cap="flat">
+              <a:solidFill>
+                <a:srgbClr val="EBEBEB">
+                  <a:alpha val="100000"/>
+                </a:srgbClr>
+              </a:solidFill>
+              <a:prstDash val="solid"/>
+              <a:round/>
+            </a:ln>
+          </p:spPr>
+          <p:txBody>
+            <a:bodyPr/>
+            <a:lstStyle/>
+            <a:p/>
+          </p:txBody>
+        </p:sp>
+        <p:sp>
+          <p:nvSpPr>
+            <p:cNvPr id="60" name="pl60"/>
+            <p:cNvSpPr/>
+            <p:nvPr/>
+          </p:nvSpPr>
+          <p:spPr>
+            <a:xfrm>
+              <a:off x="6461071" y="1809173"/>
+              <a:ext cx="0" cy="3464924"/>
+            </a:xfrm>
+            <a:custGeom>
+              <a:avLst/>
+              <a:pathLst>
+                <a:path w="0" h="3464924">
+                  <a:moveTo>
+                    <a:pt x="0" y="3464924"/>
+                  </a:moveTo>
+                  <a:lnTo>
+                    <a:pt x="0" y="0"/>
+                  </a:lnTo>
+                  <a:lnTo>
+                    <a:pt x="0" y="0"/>
+                  </a:lnTo>
+                </a:path>
+              </a:pathLst>
+            </a:custGeom>
+            <a:ln w="13550" cap="flat">
+              <a:solidFill>
+                <a:srgbClr val="EBEBEB">
+                  <a:alpha val="100000"/>
+                </a:srgbClr>
+              </a:solidFill>
+              <a:prstDash val="solid"/>
+              <a:round/>
+            </a:ln>
+          </p:spPr>
+          <p:txBody>
+            <a:bodyPr/>
+            <a:lstStyle/>
+            <a:p/>
+          </p:txBody>
+        </p:sp>
+        <p:sp>
+          <p:nvSpPr>
+            <p:cNvPr id="61" name="pl61"/>
+            <p:cNvSpPr/>
+            <p:nvPr/>
+          </p:nvSpPr>
+          <p:spPr>
+            <a:xfrm>
+              <a:off x="6769588" y="1809173"/>
+              <a:ext cx="0" cy="3464924"/>
+            </a:xfrm>
+            <a:custGeom>
+              <a:avLst/>
+              <a:pathLst>
+                <a:path w="0" h="3464924">
+                  <a:moveTo>
+                    <a:pt x="0" y="3464924"/>
+                  </a:moveTo>
+                  <a:lnTo>
+                    <a:pt x="0" y="0"/>
+                  </a:lnTo>
+                  <a:lnTo>
+                    <a:pt x="0" y="0"/>
+                  </a:lnTo>
+                </a:path>
+              </a:pathLst>
+            </a:custGeom>
+            <a:ln w="13550" cap="flat">
+              <a:solidFill>
+                <a:srgbClr val="EBEBEB">
+                  <a:alpha val="100000"/>
+                </a:srgbClr>
+              </a:solidFill>
+              <a:prstDash val="solid"/>
+              <a:round/>
+            </a:ln>
+          </p:spPr>
+          <p:txBody>
+            <a:bodyPr/>
+            <a:lstStyle/>
+            <a:p/>
+          </p:txBody>
+        </p:sp>
+        <p:sp>
+          <p:nvSpPr>
+            <p:cNvPr id="62" name="pl62"/>
+            <p:cNvSpPr/>
+            <p:nvPr/>
+          </p:nvSpPr>
+          <p:spPr>
+            <a:xfrm>
+              <a:off x="7078105" y="1809173"/>
+              <a:ext cx="0" cy="3464924"/>
+            </a:xfrm>
+            <a:custGeom>
+              <a:avLst/>
+              <a:pathLst>
+                <a:path w="0" h="3464924">
+                  <a:moveTo>
+                    <a:pt x="0" y="3464924"/>
+                  </a:moveTo>
+                  <a:lnTo>
+                    <a:pt x="0" y="0"/>
+                  </a:lnTo>
+                  <a:lnTo>
+                    <a:pt x="0" y="0"/>
+                  </a:lnTo>
+                </a:path>
+              </a:pathLst>
+            </a:custGeom>
+            <a:ln w="13550" cap="flat">
+              <a:solidFill>
+                <a:srgbClr val="EBEBEB">
+                  <a:alpha val="100000"/>
+                </a:srgbClr>
+              </a:solidFill>
+              <a:prstDash val="solid"/>
+              <a:round/>
+            </a:ln>
+          </p:spPr>
+          <p:txBody>
+            <a:bodyPr/>
+            <a:lstStyle/>
+            <a:p/>
+          </p:txBody>
+        </p:sp>
+        <p:sp>
+          <p:nvSpPr>
+            <p:cNvPr id="63" name="pl63"/>
+            <p:cNvSpPr/>
+            <p:nvPr/>
+          </p:nvSpPr>
+          <p:spPr>
+            <a:xfrm>
+              <a:off x="7386622" y="1809173"/>
+              <a:ext cx="0" cy="3464924"/>
+            </a:xfrm>
+            <a:custGeom>
+              <a:avLst/>
+              <a:pathLst>
+                <a:path w="0" h="3464924">
+                  <a:moveTo>
+                    <a:pt x="0" y="3464924"/>
+                  </a:moveTo>
+                  <a:lnTo>
+                    <a:pt x="0" y="0"/>
+                  </a:lnTo>
+                  <a:lnTo>
+                    <a:pt x="0" y="0"/>
+                  </a:lnTo>
+                </a:path>
+              </a:pathLst>
+            </a:custGeom>
+            <a:ln w="13550" cap="flat">
+              <a:solidFill>
+                <a:srgbClr val="EBEBEB">
+                  <a:alpha val="100000"/>
+                </a:srgbClr>
+              </a:solidFill>
+              <a:prstDash val="solid"/>
+              <a:round/>
+            </a:ln>
+          </p:spPr>
+          <p:txBody>
+            <a:bodyPr/>
+            <a:lstStyle/>
+            <a:p/>
+          </p:txBody>
+        </p:sp>
+        <p:sp>
+          <p:nvSpPr>
+            <p:cNvPr id="64" name="rc64"/>
+            <p:cNvSpPr/>
+            <p:nvPr/>
+          </p:nvSpPr>
+          <p:spPr>
+            <a:xfrm>
+              <a:off x="6322239" y="5044739"/>
+              <a:ext cx="277665" cy="71861"/>
             </a:xfrm>
             <a:prstGeom prst="rect">
               <a:avLst/>
             </a:prstGeom>
             <a:solidFill>
-              <a:srgbClr val="595959">
+              <a:srgbClr val="FEE5D9">
                 <a:alpha val="100000"/>
               </a:srgbClr>
             </a:solidFill>
@@ -3926,20 +5438,20 @@
         </p:sp>
         <p:sp>
           <p:nvSpPr>
-            <p:cNvPr id="23" name="rc23"/>
-            <p:cNvSpPr/>
-            <p:nvPr/>
-          </p:nvSpPr>
-          <p:spPr>
-            <a:xfrm>
-              <a:off x="2023549" y="2237222"/>
-              <a:ext cx="6352504" cy="506038"/>
+            <p:cNvPr id="65" name="rc65"/>
+            <p:cNvSpPr/>
+            <p:nvPr/>
+          </p:nvSpPr>
+          <p:spPr>
+            <a:xfrm>
+              <a:off x="6630755" y="4709385"/>
+              <a:ext cx="277665" cy="407215"/>
             </a:xfrm>
             <a:prstGeom prst="rect">
               <a:avLst/>
             </a:prstGeom>
             <a:solidFill>
-              <a:srgbClr val="595959">
+              <a:srgbClr val="FCAE91">
                 <a:alpha val="100000"/>
               </a:srgbClr>
             </a:solidFill>
@@ -3952,20 +5464,20 @@
         </p:sp>
         <p:sp>
           <p:nvSpPr>
-            <p:cNvPr id="24" name="rc24"/>
-            <p:cNvSpPr/>
-            <p:nvPr/>
-          </p:nvSpPr>
-          <p:spPr>
-            <a:xfrm>
-              <a:off x="2023549" y="2799487"/>
-              <a:ext cx="4241599" cy="506038"/>
+            <p:cNvPr id="66" name="rc66"/>
+            <p:cNvSpPr/>
+            <p:nvPr/>
+          </p:nvSpPr>
+          <p:spPr>
+            <a:xfrm>
+              <a:off x="6939272" y="4877062"/>
+              <a:ext cx="277665" cy="239538"/>
             </a:xfrm>
             <a:prstGeom prst="rect">
               <a:avLst/>
             </a:prstGeom>
             <a:solidFill>
-              <a:srgbClr val="595959">
+              <a:srgbClr val="FB6A4A">
                 <a:alpha val="100000"/>
               </a:srgbClr>
             </a:solidFill>
@@ -3978,20 +5490,20 @@
         </p:sp>
         <p:sp>
           <p:nvSpPr>
-            <p:cNvPr id="25" name="rc25"/>
-            <p:cNvSpPr/>
-            <p:nvPr/>
-          </p:nvSpPr>
-          <p:spPr>
-            <a:xfrm>
-              <a:off x="2023549" y="3361753"/>
-              <a:ext cx="3680890" cy="506038"/>
+            <p:cNvPr id="67" name="rc67"/>
+            <p:cNvSpPr/>
+            <p:nvPr/>
+          </p:nvSpPr>
+          <p:spPr>
+            <a:xfrm>
+              <a:off x="7247789" y="4996831"/>
+              <a:ext cx="277665" cy="119769"/>
             </a:xfrm>
             <a:prstGeom prst="rect">
               <a:avLst/>
             </a:prstGeom>
             <a:solidFill>
-              <a:srgbClr val="595959">
+              <a:srgbClr val="CB181D">
                 <a:alpha val="100000"/>
               </a:srgbClr>
             </a:solidFill>
@@ -4004,20 +5516,50 @@
         </p:sp>
         <p:sp>
           <p:nvSpPr>
-            <p:cNvPr id="26" name="rc26"/>
-            <p:cNvSpPr/>
-            <p:nvPr/>
-          </p:nvSpPr>
-          <p:spPr>
-            <a:xfrm>
-              <a:off x="2023549" y="3924018"/>
-              <a:ext cx="3387342" cy="506038"/>
+            <p:cNvPr id="68" name="rc68"/>
+            <p:cNvSpPr/>
+            <p:nvPr/>
+          </p:nvSpPr>
+          <p:spPr>
+            <a:xfrm>
+              <a:off x="6275961" y="1809173"/>
+              <a:ext cx="1295770" cy="3464924"/>
+            </a:xfrm>
+            <a:prstGeom prst="rect">
+              <a:avLst/>
+            </a:prstGeom>
+            <a:ln w="13550" cap="rnd">
+              <a:solidFill>
+                <a:srgbClr val="333333">
+                  <a:alpha val="100000"/>
+                </a:srgbClr>
+              </a:solidFill>
+              <a:prstDash val="solid"/>
+              <a:round/>
+            </a:ln>
+          </p:spPr>
+          <p:txBody>
+            <a:bodyPr/>
+            <a:lstStyle/>
+            <a:p/>
+          </p:txBody>
+        </p:sp>
+        <p:sp>
+          <p:nvSpPr>
+            <p:cNvPr id="69" name="rc69"/>
+            <p:cNvSpPr/>
+            <p:nvPr/>
+          </p:nvSpPr>
+          <p:spPr>
+            <a:xfrm>
+              <a:off x="7641321" y="1809173"/>
+              <a:ext cx="1295770" cy="3464924"/>
             </a:xfrm>
             <a:prstGeom prst="rect">
               <a:avLst/>
             </a:prstGeom>
             <a:solidFill>
-              <a:srgbClr val="595959">
+              <a:srgbClr val="FFFFFF">
                 <a:alpha val="100000"/>
               </a:srgbClr>
             </a:solidFill>
@@ -4030,20 +5572,450 @@
         </p:sp>
         <p:sp>
           <p:nvSpPr>
-            <p:cNvPr id="27" name="rc27"/>
-            <p:cNvSpPr/>
-            <p:nvPr/>
-          </p:nvSpPr>
-          <p:spPr>
-            <a:xfrm>
-              <a:off x="2023549" y="4486283"/>
-              <a:ext cx="2849721" cy="506038"/>
+            <p:cNvPr id="70" name="pl70"/>
+            <p:cNvSpPr/>
+            <p:nvPr/>
+          </p:nvSpPr>
+          <p:spPr>
+            <a:xfrm>
+              <a:off x="7641321" y="4517754"/>
+              <a:ext cx="1295770" cy="0"/>
+            </a:xfrm>
+            <a:custGeom>
+              <a:avLst/>
+              <a:pathLst>
+                <a:path w="1295770" h="0">
+                  <a:moveTo>
+                    <a:pt x="0" y="0"/>
+                  </a:moveTo>
+                  <a:lnTo>
+                    <a:pt x="1295770" y="0"/>
+                  </a:lnTo>
+                  <a:lnTo>
+                    <a:pt x="1295770" y="0"/>
+                  </a:lnTo>
+                </a:path>
+              </a:pathLst>
+            </a:custGeom>
+            <a:ln w="6775" cap="flat">
+              <a:solidFill>
+                <a:srgbClr val="EBEBEB">
+                  <a:alpha val="100000"/>
+                </a:srgbClr>
+              </a:solidFill>
+              <a:prstDash val="solid"/>
+              <a:round/>
+            </a:ln>
+          </p:spPr>
+          <p:txBody>
+            <a:bodyPr/>
+            <a:lstStyle/>
+            <a:p/>
+          </p:txBody>
+        </p:sp>
+        <p:sp>
+          <p:nvSpPr>
+            <p:cNvPr id="71" name="pl71"/>
+            <p:cNvSpPr/>
+            <p:nvPr/>
+          </p:nvSpPr>
+          <p:spPr>
+            <a:xfrm>
+              <a:off x="7641321" y="3320062"/>
+              <a:ext cx="1295770" cy="0"/>
+            </a:xfrm>
+            <a:custGeom>
+              <a:avLst/>
+              <a:pathLst>
+                <a:path w="1295770" h="0">
+                  <a:moveTo>
+                    <a:pt x="0" y="0"/>
+                  </a:moveTo>
+                  <a:lnTo>
+                    <a:pt x="1295770" y="0"/>
+                  </a:lnTo>
+                  <a:lnTo>
+                    <a:pt x="1295770" y="0"/>
+                  </a:lnTo>
+                </a:path>
+              </a:pathLst>
+            </a:custGeom>
+            <a:ln w="6775" cap="flat">
+              <a:solidFill>
+                <a:srgbClr val="EBEBEB">
+                  <a:alpha val="100000"/>
+                </a:srgbClr>
+              </a:solidFill>
+              <a:prstDash val="solid"/>
+              <a:round/>
+            </a:ln>
+          </p:spPr>
+          <p:txBody>
+            <a:bodyPr/>
+            <a:lstStyle/>
+            <a:p/>
+          </p:txBody>
+        </p:sp>
+        <p:sp>
+          <p:nvSpPr>
+            <p:cNvPr id="72" name="pl72"/>
+            <p:cNvSpPr/>
+            <p:nvPr/>
+          </p:nvSpPr>
+          <p:spPr>
+            <a:xfrm>
+              <a:off x="7641321" y="2122369"/>
+              <a:ext cx="1295770" cy="0"/>
+            </a:xfrm>
+            <a:custGeom>
+              <a:avLst/>
+              <a:pathLst>
+                <a:path w="1295770" h="0">
+                  <a:moveTo>
+                    <a:pt x="0" y="0"/>
+                  </a:moveTo>
+                  <a:lnTo>
+                    <a:pt x="1295770" y="0"/>
+                  </a:lnTo>
+                  <a:lnTo>
+                    <a:pt x="1295770" y="0"/>
+                  </a:lnTo>
+                </a:path>
+              </a:pathLst>
+            </a:custGeom>
+            <a:ln w="6775" cap="flat">
+              <a:solidFill>
+                <a:srgbClr val="EBEBEB">
+                  <a:alpha val="100000"/>
+                </a:srgbClr>
+              </a:solidFill>
+              <a:prstDash val="solid"/>
+              <a:round/>
+            </a:ln>
+          </p:spPr>
+          <p:txBody>
+            <a:bodyPr/>
+            <a:lstStyle/>
+            <a:p/>
+          </p:txBody>
+        </p:sp>
+        <p:sp>
+          <p:nvSpPr>
+            <p:cNvPr id="73" name="pl73"/>
+            <p:cNvSpPr/>
+            <p:nvPr/>
+          </p:nvSpPr>
+          <p:spPr>
+            <a:xfrm>
+              <a:off x="7641321" y="5116600"/>
+              <a:ext cx="1295770" cy="0"/>
+            </a:xfrm>
+            <a:custGeom>
+              <a:avLst/>
+              <a:pathLst>
+                <a:path w="1295770" h="0">
+                  <a:moveTo>
+                    <a:pt x="0" y="0"/>
+                  </a:moveTo>
+                  <a:lnTo>
+                    <a:pt x="1295770" y="0"/>
+                  </a:lnTo>
+                  <a:lnTo>
+                    <a:pt x="1295770" y="0"/>
+                  </a:lnTo>
+                </a:path>
+              </a:pathLst>
+            </a:custGeom>
+            <a:ln w="13550" cap="flat">
+              <a:solidFill>
+                <a:srgbClr val="EBEBEB">
+                  <a:alpha val="100000"/>
+                </a:srgbClr>
+              </a:solidFill>
+              <a:prstDash val="solid"/>
+              <a:round/>
+            </a:ln>
+          </p:spPr>
+          <p:txBody>
+            <a:bodyPr/>
+            <a:lstStyle/>
+            <a:p/>
+          </p:txBody>
+        </p:sp>
+        <p:sp>
+          <p:nvSpPr>
+            <p:cNvPr id="74" name="pl74"/>
+            <p:cNvSpPr/>
+            <p:nvPr/>
+          </p:nvSpPr>
+          <p:spPr>
+            <a:xfrm>
+              <a:off x="7641321" y="3918908"/>
+              <a:ext cx="1295770" cy="0"/>
+            </a:xfrm>
+            <a:custGeom>
+              <a:avLst/>
+              <a:pathLst>
+                <a:path w="1295770" h="0">
+                  <a:moveTo>
+                    <a:pt x="0" y="0"/>
+                  </a:moveTo>
+                  <a:lnTo>
+                    <a:pt x="1295770" y="0"/>
+                  </a:lnTo>
+                  <a:lnTo>
+                    <a:pt x="1295770" y="0"/>
+                  </a:lnTo>
+                </a:path>
+              </a:pathLst>
+            </a:custGeom>
+            <a:ln w="13550" cap="flat">
+              <a:solidFill>
+                <a:srgbClr val="EBEBEB">
+                  <a:alpha val="100000"/>
+                </a:srgbClr>
+              </a:solidFill>
+              <a:prstDash val="solid"/>
+              <a:round/>
+            </a:ln>
+          </p:spPr>
+          <p:txBody>
+            <a:bodyPr/>
+            <a:lstStyle/>
+            <a:p/>
+          </p:txBody>
+        </p:sp>
+        <p:sp>
+          <p:nvSpPr>
+            <p:cNvPr id="75" name="pl75"/>
+            <p:cNvSpPr/>
+            <p:nvPr/>
+          </p:nvSpPr>
+          <p:spPr>
+            <a:xfrm>
+              <a:off x="7641321" y="2721215"/>
+              <a:ext cx="1295770" cy="0"/>
+            </a:xfrm>
+            <a:custGeom>
+              <a:avLst/>
+              <a:pathLst>
+                <a:path w="1295770" h="0">
+                  <a:moveTo>
+                    <a:pt x="0" y="0"/>
+                  </a:moveTo>
+                  <a:lnTo>
+                    <a:pt x="1295770" y="0"/>
+                  </a:lnTo>
+                  <a:lnTo>
+                    <a:pt x="1295770" y="0"/>
+                  </a:lnTo>
+                </a:path>
+              </a:pathLst>
+            </a:custGeom>
+            <a:ln w="13550" cap="flat">
+              <a:solidFill>
+                <a:srgbClr val="EBEBEB">
+                  <a:alpha val="100000"/>
+                </a:srgbClr>
+              </a:solidFill>
+              <a:prstDash val="solid"/>
+              <a:round/>
+            </a:ln>
+          </p:spPr>
+          <p:txBody>
+            <a:bodyPr/>
+            <a:lstStyle/>
+            <a:p/>
+          </p:txBody>
+        </p:sp>
+        <p:sp>
+          <p:nvSpPr>
+            <p:cNvPr id="76" name="pl76"/>
+            <p:cNvSpPr/>
+            <p:nvPr/>
+          </p:nvSpPr>
+          <p:spPr>
+            <a:xfrm>
+              <a:off x="7826431" y="1809173"/>
+              <a:ext cx="0" cy="3464924"/>
+            </a:xfrm>
+            <a:custGeom>
+              <a:avLst/>
+              <a:pathLst>
+                <a:path w="0" h="3464924">
+                  <a:moveTo>
+                    <a:pt x="0" y="3464924"/>
+                  </a:moveTo>
+                  <a:lnTo>
+                    <a:pt x="0" y="0"/>
+                  </a:lnTo>
+                  <a:lnTo>
+                    <a:pt x="0" y="0"/>
+                  </a:lnTo>
+                </a:path>
+              </a:pathLst>
+            </a:custGeom>
+            <a:ln w="13550" cap="flat">
+              <a:solidFill>
+                <a:srgbClr val="EBEBEB">
+                  <a:alpha val="100000"/>
+                </a:srgbClr>
+              </a:solidFill>
+              <a:prstDash val="solid"/>
+              <a:round/>
+            </a:ln>
+          </p:spPr>
+          <p:txBody>
+            <a:bodyPr/>
+            <a:lstStyle/>
+            <a:p/>
+          </p:txBody>
+        </p:sp>
+        <p:sp>
+          <p:nvSpPr>
+            <p:cNvPr id="77" name="pl77"/>
+            <p:cNvSpPr/>
+            <p:nvPr/>
+          </p:nvSpPr>
+          <p:spPr>
+            <a:xfrm>
+              <a:off x="8134948" y="1809173"/>
+              <a:ext cx="0" cy="3464924"/>
+            </a:xfrm>
+            <a:custGeom>
+              <a:avLst/>
+              <a:pathLst>
+                <a:path w="0" h="3464924">
+                  <a:moveTo>
+                    <a:pt x="0" y="3464924"/>
+                  </a:moveTo>
+                  <a:lnTo>
+                    <a:pt x="0" y="0"/>
+                  </a:lnTo>
+                  <a:lnTo>
+                    <a:pt x="0" y="0"/>
+                  </a:lnTo>
+                </a:path>
+              </a:pathLst>
+            </a:custGeom>
+            <a:ln w="13550" cap="flat">
+              <a:solidFill>
+                <a:srgbClr val="EBEBEB">
+                  <a:alpha val="100000"/>
+                </a:srgbClr>
+              </a:solidFill>
+              <a:prstDash val="solid"/>
+              <a:round/>
+            </a:ln>
+          </p:spPr>
+          <p:txBody>
+            <a:bodyPr/>
+            <a:lstStyle/>
+            <a:p/>
+          </p:txBody>
+        </p:sp>
+        <p:sp>
+          <p:nvSpPr>
+            <p:cNvPr id="78" name="pl78"/>
+            <p:cNvSpPr/>
+            <p:nvPr/>
+          </p:nvSpPr>
+          <p:spPr>
+            <a:xfrm>
+              <a:off x="8443465" y="1809173"/>
+              <a:ext cx="0" cy="3464924"/>
+            </a:xfrm>
+            <a:custGeom>
+              <a:avLst/>
+              <a:pathLst>
+                <a:path w="0" h="3464924">
+                  <a:moveTo>
+                    <a:pt x="0" y="3464924"/>
+                  </a:moveTo>
+                  <a:lnTo>
+                    <a:pt x="0" y="0"/>
+                  </a:lnTo>
+                  <a:lnTo>
+                    <a:pt x="0" y="0"/>
+                  </a:lnTo>
+                </a:path>
+              </a:pathLst>
+            </a:custGeom>
+            <a:ln w="13550" cap="flat">
+              <a:solidFill>
+                <a:srgbClr val="EBEBEB">
+                  <a:alpha val="100000"/>
+                </a:srgbClr>
+              </a:solidFill>
+              <a:prstDash val="solid"/>
+              <a:round/>
+            </a:ln>
+          </p:spPr>
+          <p:txBody>
+            <a:bodyPr/>
+            <a:lstStyle/>
+            <a:p/>
+          </p:txBody>
+        </p:sp>
+        <p:sp>
+          <p:nvSpPr>
+            <p:cNvPr id="79" name="pl79"/>
+            <p:cNvSpPr/>
+            <p:nvPr/>
+          </p:nvSpPr>
+          <p:spPr>
+            <a:xfrm>
+              <a:off x="8751982" y="1809173"/>
+              <a:ext cx="0" cy="3464924"/>
+            </a:xfrm>
+            <a:custGeom>
+              <a:avLst/>
+              <a:pathLst>
+                <a:path w="0" h="3464924">
+                  <a:moveTo>
+                    <a:pt x="0" y="3464924"/>
+                  </a:moveTo>
+                  <a:lnTo>
+                    <a:pt x="0" y="0"/>
+                  </a:lnTo>
+                  <a:lnTo>
+                    <a:pt x="0" y="0"/>
+                  </a:lnTo>
+                </a:path>
+              </a:pathLst>
+            </a:custGeom>
+            <a:ln w="13550" cap="flat">
+              <a:solidFill>
+                <a:srgbClr val="EBEBEB">
+                  <a:alpha val="100000"/>
+                </a:srgbClr>
+              </a:solidFill>
+              <a:prstDash val="solid"/>
+              <a:round/>
+            </a:ln>
+          </p:spPr>
+          <p:txBody>
+            <a:bodyPr/>
+            <a:lstStyle/>
+            <a:p/>
+          </p:txBody>
+        </p:sp>
+        <p:sp>
+          <p:nvSpPr>
+            <p:cNvPr id="80" name="rc80"/>
+            <p:cNvSpPr/>
+            <p:nvPr/>
+          </p:nvSpPr>
+          <p:spPr>
+            <a:xfrm>
+              <a:off x="7687599" y="4960900"/>
+              <a:ext cx="277665" cy="155700"/>
             </a:xfrm>
             <a:prstGeom prst="rect">
               <a:avLst/>
             </a:prstGeom>
             <a:solidFill>
-              <a:srgbClr val="595959">
+              <a:srgbClr val="FEE5D9">
                 <a:alpha val="100000"/>
               </a:srgbClr>
             </a:solidFill>
@@ -4056,20 +6028,20 @@
         </p:sp>
         <p:sp>
           <p:nvSpPr>
-            <p:cNvPr id="28" name="rc28"/>
-            <p:cNvSpPr/>
-            <p:nvPr/>
-          </p:nvSpPr>
-          <p:spPr>
-            <a:xfrm>
-              <a:off x="2023549" y="5048549"/>
-              <a:ext cx="2519892" cy="506038"/>
+            <p:cNvPr id="81" name="rc81"/>
+            <p:cNvSpPr/>
+            <p:nvPr/>
+          </p:nvSpPr>
+          <p:spPr>
+            <a:xfrm>
+              <a:off x="7996115" y="4481823"/>
+              <a:ext cx="277665" cy="634777"/>
             </a:xfrm>
             <a:prstGeom prst="rect">
               <a:avLst/>
             </a:prstGeom>
             <a:solidFill>
-              <a:srgbClr val="595959">
+              <a:srgbClr val="FCAE91">
                 <a:alpha val="100000"/>
               </a:srgbClr>
             </a:solidFill>
@@ -4082,366 +6054,131 @@
         </p:sp>
         <p:sp>
           <p:nvSpPr>
-            <p:cNvPr id="29" name="tx29"/>
-            <p:cNvSpPr/>
-            <p:nvPr/>
-          </p:nvSpPr>
-          <p:spPr>
-            <a:xfrm>
-              <a:off x="8369865" y="1883502"/>
-              <a:ext cx="325215" cy="67753"/>
+            <p:cNvPr id="82" name="rc82"/>
+            <p:cNvSpPr/>
+            <p:nvPr/>
+          </p:nvSpPr>
+          <p:spPr>
+            <a:xfrm>
+              <a:off x="8304632" y="4924970"/>
+              <a:ext cx="277665" cy="191630"/>
             </a:xfrm>
             <a:prstGeom prst="rect">
               <a:avLst/>
             </a:prstGeom>
-            <a:noFill/>
-          </p:spPr>
-          <p:txBody>
-            <a:bodyPr lIns="0" rIns="0" tIns="0" bIns="0" anchorCtr="1" anchor="ctr" wrap="none"/>
-            <a:lstStyle/>
-            <a:p>
-              <a:pPr algn="l" marL="0" marR="0" indent="0">
-                <a:lnSpc>
-                  <a:spcPts val="853"/>
-                </a:lnSpc>
-                <a:spcBef>
-                  <a:spcPts val="0"/>
-                </a:spcBef>
-                <a:spcAft>
-                  <a:spcPts val="0"/>
-                </a:spcAft>
-              </a:pPr>
-              <a:r>
-                <a:rPr sz="853" b="1">
-                  <a:solidFill>
-                    <a:srgbClr val="FFFFFF">
-                      <a:alpha val="100000"/>
-                    </a:srgbClr>
-                  </a:solidFill>
-                  <a:latin typeface="Arial"/>
-                  <a:cs typeface="Arial"/>
-                </a:rPr>
-                <a:t>不好保存</a:t>
-              </a:r>
-            </a:p>
-          </p:txBody>
-        </p:sp>
-        <p:sp>
-          <p:nvSpPr>
-            <p:cNvPr id="30" name="tx30"/>
-            <p:cNvSpPr/>
-            <p:nvPr/>
-          </p:nvSpPr>
-          <p:spPr>
-            <a:xfrm>
-              <a:off x="7700475" y="2445768"/>
-              <a:ext cx="569126" cy="67753"/>
+            <a:solidFill>
+              <a:srgbClr val="FB6A4A">
+                <a:alpha val="100000"/>
+              </a:srgbClr>
+            </a:solidFill>
+          </p:spPr>
+          <p:txBody>
+            <a:bodyPr/>
+            <a:lstStyle/>
+            <a:p/>
+          </p:txBody>
+        </p:sp>
+        <p:sp>
+          <p:nvSpPr>
+            <p:cNvPr id="83" name="rc83"/>
+            <p:cNvSpPr/>
+            <p:nvPr/>
+          </p:nvSpPr>
+          <p:spPr>
+            <a:xfrm>
+              <a:off x="8613149" y="4924970"/>
+              <a:ext cx="277665" cy="191630"/>
             </a:xfrm>
             <a:prstGeom prst="rect">
               <a:avLst/>
             </a:prstGeom>
-            <a:noFill/>
-          </p:spPr>
-          <p:txBody>
-            <a:bodyPr lIns="0" rIns="0" tIns="0" bIns="0" anchorCtr="1" anchor="ctr" wrap="none"/>
-            <a:lstStyle/>
-            <a:p>
-              <a:pPr algn="l" marL="0" marR="0" indent="0">
-                <a:lnSpc>
-                  <a:spcPts val="853"/>
-                </a:lnSpc>
-                <a:spcBef>
-                  <a:spcPts val="0"/>
-                </a:spcBef>
-                <a:spcAft>
-                  <a:spcPts val="0"/>
-                </a:spcAft>
-              </a:pPr>
-              <a:r>
-                <a:rPr sz="853" b="1">
-                  <a:solidFill>
-                    <a:srgbClr val="FFFFFF">
-                      <a:alpha val="100000"/>
-                    </a:srgbClr>
-                  </a:solidFill>
-                  <a:latin typeface="Arial"/>
-                  <a:cs typeface="Arial"/>
-                </a:rPr>
-                <a:t>携带和食用不便</a:t>
-              </a:r>
-            </a:p>
-          </p:txBody>
-        </p:sp>
-        <p:sp>
-          <p:nvSpPr>
-            <p:cNvPr id="31" name="tx31"/>
-            <p:cNvSpPr/>
-            <p:nvPr/>
-          </p:nvSpPr>
-          <p:spPr>
-            <a:xfrm>
-              <a:off x="5914785" y="3008033"/>
-              <a:ext cx="243911" cy="67753"/>
-            </a:xfrm>
-            <a:prstGeom prst="rect">
-              <a:avLst/>
-            </a:prstGeom>
-            <a:noFill/>
-          </p:spPr>
-          <p:txBody>
-            <a:bodyPr lIns="0" rIns="0" tIns="0" bIns="0" anchorCtr="1" anchor="ctr" wrap="none"/>
-            <a:lstStyle/>
-            <a:p>
-              <a:pPr algn="l" marL="0" marR="0" indent="0">
-                <a:lnSpc>
-                  <a:spcPts val="853"/>
-                </a:lnSpc>
-                <a:spcBef>
-                  <a:spcPts val="0"/>
-                </a:spcBef>
-                <a:spcAft>
-                  <a:spcPts val="0"/>
-                </a:spcAft>
-              </a:pPr>
-              <a:r>
-                <a:rPr sz="853" b="1">
-                  <a:solidFill>
-                    <a:srgbClr val="FFFFFF">
-                      <a:alpha val="100000"/>
-                    </a:srgbClr>
-                  </a:solidFill>
-                  <a:latin typeface="Arial"/>
-                  <a:cs typeface="Arial"/>
-                </a:rPr>
-                <a:t>价格贵</a:t>
-              </a:r>
-            </a:p>
-          </p:txBody>
-        </p:sp>
-        <p:sp>
-          <p:nvSpPr>
-            <p:cNvPr id="32" name="tx32"/>
-            <p:cNvSpPr/>
-            <p:nvPr/>
-          </p:nvSpPr>
-          <p:spPr>
-            <a:xfrm>
-              <a:off x="4866253" y="3570299"/>
-              <a:ext cx="731733" cy="67753"/>
-            </a:xfrm>
-            <a:prstGeom prst="rect">
-              <a:avLst/>
-            </a:prstGeom>
-            <a:noFill/>
-          </p:spPr>
-          <p:txBody>
-            <a:bodyPr lIns="0" rIns="0" tIns="0" bIns="0" anchorCtr="1" anchor="ctr" wrap="none"/>
-            <a:lstStyle/>
-            <a:p>
-              <a:pPr algn="l" marL="0" marR="0" indent="0">
-                <a:lnSpc>
-                  <a:spcPts val="853"/>
-                </a:lnSpc>
-                <a:spcBef>
-                  <a:spcPts val="0"/>
-                </a:spcBef>
-                <a:spcAft>
-                  <a:spcPts val="0"/>
-                </a:spcAft>
-              </a:pPr>
-              <a:r>
-                <a:rPr sz="853" b="1">
-                  <a:solidFill>
-                    <a:srgbClr val="FFFFFF">
-                      <a:alpha val="100000"/>
-                    </a:srgbClr>
-                  </a:solidFill>
-                  <a:latin typeface="Arial"/>
-                  <a:cs typeface="Arial"/>
-                </a:rPr>
-                <a:t>出现拉肚子等副作用</a:t>
-              </a:r>
-            </a:p>
-          </p:txBody>
-        </p:sp>
-        <p:sp>
-          <p:nvSpPr>
-            <p:cNvPr id="33" name="tx33"/>
-            <p:cNvSpPr/>
-            <p:nvPr/>
-          </p:nvSpPr>
-          <p:spPr>
-            <a:xfrm>
-              <a:off x="5517344" y="4148084"/>
-              <a:ext cx="650430" cy="67753"/>
-            </a:xfrm>
-            <a:prstGeom prst="rect">
-              <a:avLst/>
-            </a:prstGeom>
-            <a:noFill/>
-          </p:spPr>
-          <p:txBody>
-            <a:bodyPr lIns="0" rIns="0" tIns="0" bIns="0" anchorCtr="1" anchor="ctr" wrap="none"/>
-            <a:lstStyle/>
-            <a:p>
-              <a:pPr algn="l" marL="0" marR="0" indent="0">
-                <a:lnSpc>
-                  <a:spcPts val="853"/>
-                </a:lnSpc>
-                <a:spcBef>
-                  <a:spcPts val="0"/>
-                </a:spcBef>
-                <a:spcAft>
-                  <a:spcPts val="0"/>
-                </a:spcAft>
-              </a:pPr>
-              <a:r>
-                <a:rPr sz="853">
-                  <a:solidFill>
-                    <a:srgbClr val="000000">
-                      <a:alpha val="100000"/>
-                    </a:srgbClr>
-                  </a:solidFill>
-                  <a:latin typeface="Arial"/>
-                  <a:cs typeface="Arial"/>
-                </a:rPr>
-                <a:t>没有不满意的地方</a:t>
-              </a:r>
-            </a:p>
-          </p:txBody>
-        </p:sp>
-        <p:sp>
-          <p:nvSpPr>
-            <p:cNvPr id="34" name="tx34"/>
-            <p:cNvSpPr/>
-            <p:nvPr/>
-          </p:nvSpPr>
-          <p:spPr>
-            <a:xfrm>
-              <a:off x="4979723" y="4710349"/>
-              <a:ext cx="243911" cy="67753"/>
-            </a:xfrm>
-            <a:prstGeom prst="rect">
-              <a:avLst/>
-            </a:prstGeom>
-            <a:noFill/>
-          </p:spPr>
-          <p:txBody>
-            <a:bodyPr lIns="0" rIns="0" tIns="0" bIns="0" anchorCtr="1" anchor="ctr" wrap="none"/>
-            <a:lstStyle/>
-            <a:p>
-              <a:pPr algn="l" marL="0" marR="0" indent="0">
-                <a:lnSpc>
-                  <a:spcPts val="853"/>
-                </a:lnSpc>
-                <a:spcBef>
-                  <a:spcPts val="0"/>
-                </a:spcBef>
-                <a:spcAft>
-                  <a:spcPts val="0"/>
-                </a:spcAft>
-              </a:pPr>
-              <a:r>
-                <a:rPr sz="853">
-                  <a:solidFill>
-                    <a:srgbClr val="000000">
-                      <a:alpha val="100000"/>
-                    </a:srgbClr>
-                  </a:solidFill>
-                  <a:latin typeface="Arial"/>
-                  <a:cs typeface="Arial"/>
-                </a:rPr>
-                <a:t>不好吃</a:t>
-              </a:r>
-            </a:p>
-          </p:txBody>
-        </p:sp>
-        <p:sp>
-          <p:nvSpPr>
-            <p:cNvPr id="35" name="tx35"/>
-            <p:cNvSpPr/>
-            <p:nvPr/>
-          </p:nvSpPr>
-          <p:spPr>
-            <a:xfrm>
-              <a:off x="4649894" y="5272614"/>
-              <a:ext cx="487822" cy="67753"/>
-            </a:xfrm>
-            <a:prstGeom prst="rect">
-              <a:avLst/>
-            </a:prstGeom>
-            <a:noFill/>
-          </p:spPr>
-          <p:txBody>
-            <a:bodyPr lIns="0" rIns="0" tIns="0" bIns="0" anchorCtr="1" anchor="ctr" wrap="none"/>
-            <a:lstStyle/>
-            <a:p>
-              <a:pPr algn="l" marL="0" marR="0" indent="0">
-                <a:lnSpc>
-                  <a:spcPts val="853"/>
-                </a:lnSpc>
-                <a:spcBef>
-                  <a:spcPts val="0"/>
-                </a:spcBef>
-                <a:spcAft>
-                  <a:spcPts val="0"/>
-                </a:spcAft>
-              </a:pPr>
-              <a:r>
-                <a:rPr sz="853">
-                  <a:solidFill>
-                    <a:srgbClr val="000000">
-                      <a:alpha val="100000"/>
-                    </a:srgbClr>
-                  </a:solidFill>
-                  <a:latin typeface="Arial"/>
-                  <a:cs typeface="Arial"/>
-                </a:rPr>
-                <a:t>吃了没啥效果</a:t>
-              </a:r>
-            </a:p>
-          </p:txBody>
-        </p:sp>
-        <p:sp>
-          <p:nvSpPr>
-            <p:cNvPr id="36" name="rc36"/>
-            <p:cNvSpPr/>
-            <p:nvPr/>
-          </p:nvSpPr>
-          <p:spPr>
-            <a:xfrm>
-              <a:off x="2023549" y="1590617"/>
-              <a:ext cx="6913543" cy="4048310"/>
+            <a:solidFill>
+              <a:srgbClr val="CB181D">
+                <a:alpha val="100000"/>
+              </a:srgbClr>
+            </a:solidFill>
+          </p:spPr>
+          <p:txBody>
+            <a:bodyPr/>
+            <a:lstStyle/>
+            <a:p/>
+          </p:txBody>
+        </p:sp>
+        <p:sp>
+          <p:nvSpPr>
+            <p:cNvPr id="84" name="rc84"/>
+            <p:cNvSpPr/>
+            <p:nvPr/>
+          </p:nvSpPr>
+          <p:spPr>
+            <a:xfrm>
+              <a:off x="7641321" y="1809173"/>
+              <a:ext cx="1295770" cy="3464924"/>
             </a:xfrm>
             <a:prstGeom prst="rect">
               <a:avLst/>
             </a:prstGeom>
             <a:ln w="13550" cap="rnd">
               <a:solidFill>
-                <a:srgbClr val="B3B3B3">
-                  <a:alpha val="100000"/>
-                </a:srgbClr>
-              </a:solidFill>
-              <a:prstDash val="solid"/>
-              <a:round/>
-            </a:ln>
-          </p:spPr>
-          <p:txBody>
-            <a:bodyPr/>
-            <a:lstStyle/>
-            <a:p/>
-          </p:txBody>
-        </p:sp>
-        <p:sp>
-          <p:nvSpPr>
-            <p:cNvPr id="37" name="tx37"/>
-            <p:cNvSpPr/>
-            <p:nvPr/>
-          </p:nvSpPr>
-          <p:spPr>
-            <a:xfrm>
-              <a:off x="1926599" y="5262660"/>
-              <a:ext cx="62155" cy="78908"/>
+                <a:srgbClr val="333333">
+                  <a:alpha val="100000"/>
+                </a:srgbClr>
+              </a:solidFill>
+              <a:prstDash val="solid"/>
+              <a:round/>
+            </a:ln>
+          </p:spPr>
+          <p:txBody>
+            <a:bodyPr/>
+            <a:lstStyle/>
+            <a:p/>
+          </p:txBody>
+        </p:sp>
+        <p:sp>
+          <p:nvSpPr>
+            <p:cNvPr id="85" name="rc85"/>
+            <p:cNvSpPr/>
+            <p:nvPr/>
+          </p:nvSpPr>
+          <p:spPr>
+            <a:xfrm>
+              <a:off x="2179881" y="1590617"/>
+              <a:ext cx="1295770" cy="218555"/>
+            </a:xfrm>
+            <a:prstGeom prst="rect">
+              <a:avLst/>
+            </a:prstGeom>
+            <a:solidFill>
+              <a:srgbClr val="D9D9D9">
+                <a:alpha val="100000"/>
+              </a:srgbClr>
+            </a:solidFill>
+            <a:ln w="13550" cap="rnd">
+              <a:solidFill>
+                <a:srgbClr val="333333">
+                  <a:alpha val="100000"/>
+                </a:srgbClr>
+              </a:solidFill>
+              <a:prstDash val="solid"/>
+              <a:round/>
+            </a:ln>
+          </p:spPr>
+          <p:txBody>
+            <a:bodyPr/>
+            <a:lstStyle/>
+            <a:p/>
+          </p:txBody>
+        </p:sp>
+        <p:sp>
+          <p:nvSpPr>
+            <p:cNvPr id="86" name="tx86"/>
+            <p:cNvSpPr/>
+            <p:nvPr/>
+          </p:nvSpPr>
+          <p:spPr>
+            <a:xfrm>
+              <a:off x="2618217" y="1670045"/>
+              <a:ext cx="419100" cy="69850"/>
             </a:xfrm>
             <a:prstGeom prst="rect">
               <a:avLst/>
@@ -4464,30 +6201,65 @@
                 </a:spcAft>
               </a:pPr>
               <a:r>
-                <a:rPr sz="880" b="1">
+                <a:rPr sz="880">
                   <a:solidFill>
-                    <a:srgbClr val="4D4D4D">
+                    <a:srgbClr val="1A1A1A">
                       <a:alpha val="100000"/>
                     </a:srgbClr>
                   </a:solidFill>
                   <a:latin typeface="Arial"/>
                   <a:cs typeface="Arial"/>
                 </a:rPr>
-                <a:t>7</a:t>
+                <a:t>基础研究者</a:t>
               </a:r>
             </a:p>
           </p:txBody>
         </p:sp>
         <p:sp>
           <p:nvSpPr>
-            <p:cNvPr id="38" name="tx38"/>
-            <p:cNvSpPr/>
-            <p:nvPr/>
-          </p:nvSpPr>
-          <p:spPr>
-            <a:xfrm>
-              <a:off x="1926599" y="4697611"/>
-              <a:ext cx="62155" cy="81691"/>
+            <p:cNvPr id="87" name="rc87"/>
+            <p:cNvSpPr/>
+            <p:nvPr/>
+          </p:nvSpPr>
+          <p:spPr>
+            <a:xfrm>
+              <a:off x="3545241" y="1590617"/>
+              <a:ext cx="1295770" cy="218555"/>
+            </a:xfrm>
+            <a:prstGeom prst="rect">
+              <a:avLst/>
+            </a:prstGeom>
+            <a:solidFill>
+              <a:srgbClr val="D9D9D9">
+                <a:alpha val="100000"/>
+              </a:srgbClr>
+            </a:solidFill>
+            <a:ln w="13550" cap="rnd">
+              <a:solidFill>
+                <a:srgbClr val="333333">
+                  <a:alpha val="100000"/>
+                </a:srgbClr>
+              </a:solidFill>
+              <a:prstDash val="solid"/>
+              <a:round/>
+            </a:ln>
+          </p:spPr>
+          <p:txBody>
+            <a:bodyPr/>
+            <a:lstStyle/>
+            <a:p/>
+          </p:txBody>
+        </p:sp>
+        <p:sp>
+          <p:nvSpPr>
+            <p:cNvPr id="88" name="tx88"/>
+            <p:cNvSpPr/>
+            <p:nvPr/>
+          </p:nvSpPr>
+          <p:spPr>
+            <a:xfrm>
+              <a:off x="4025487" y="1670045"/>
+              <a:ext cx="335280" cy="69850"/>
             </a:xfrm>
             <a:prstGeom prst="rect">
               <a:avLst/>
@@ -4510,30 +6282,65 @@
                 </a:spcAft>
               </a:pPr>
               <a:r>
-                <a:rPr sz="880" b="1">
+                <a:rPr sz="880">
                   <a:solidFill>
-                    <a:srgbClr val="4D4D4D">
+                    <a:srgbClr val="1A1A1A">
                       <a:alpha val="100000"/>
                     </a:srgbClr>
                   </a:solidFill>
                   <a:latin typeface="Arial"/>
                   <a:cs typeface="Arial"/>
                 </a:rPr>
-                <a:t>6</a:t>
+                <a:t>临床医生</a:t>
               </a:r>
             </a:p>
           </p:txBody>
         </p:sp>
         <p:sp>
           <p:nvSpPr>
-            <p:cNvPr id="39" name="tx39"/>
-            <p:cNvSpPr/>
-            <p:nvPr/>
-          </p:nvSpPr>
-          <p:spPr>
-            <a:xfrm>
-              <a:off x="1926599" y="4136765"/>
-              <a:ext cx="62155" cy="80272"/>
+            <p:cNvPr id="89" name="rc89"/>
+            <p:cNvSpPr/>
+            <p:nvPr/>
+          </p:nvSpPr>
+          <p:spPr>
+            <a:xfrm>
+              <a:off x="4910601" y="1590617"/>
+              <a:ext cx="1295770" cy="218555"/>
+            </a:xfrm>
+            <a:prstGeom prst="rect">
+              <a:avLst/>
+            </a:prstGeom>
+            <a:solidFill>
+              <a:srgbClr val="D9D9D9">
+                <a:alpha val="100000"/>
+              </a:srgbClr>
+            </a:solidFill>
+            <a:ln w="13550" cap="rnd">
+              <a:solidFill>
+                <a:srgbClr val="333333">
+                  <a:alpha val="100000"/>
+                </a:srgbClr>
+              </a:solidFill>
+              <a:prstDash val="solid"/>
+              <a:round/>
+            </a:ln>
+          </p:spPr>
+          <p:txBody>
+            <a:bodyPr/>
+            <a:lstStyle/>
+            <a:p/>
+          </p:txBody>
+        </p:sp>
+        <p:sp>
+          <p:nvSpPr>
+            <p:cNvPr id="90" name="tx90"/>
+            <p:cNvSpPr/>
+            <p:nvPr/>
+          </p:nvSpPr>
+          <p:spPr>
+            <a:xfrm>
+              <a:off x="5348937" y="1670045"/>
+              <a:ext cx="419100" cy="69850"/>
             </a:xfrm>
             <a:prstGeom prst="rect">
               <a:avLst/>
@@ -4556,30 +6363,65 @@
                 </a:spcAft>
               </a:pPr>
               <a:r>
-                <a:rPr sz="880" b="1">
+                <a:rPr sz="880">
                   <a:solidFill>
-                    <a:srgbClr val="4D4D4D">
+                    <a:srgbClr val="1A1A1A">
                       <a:alpha val="100000"/>
                     </a:srgbClr>
                   </a:solidFill>
                   <a:latin typeface="Arial"/>
                   <a:cs typeface="Arial"/>
                 </a:rPr>
-                <a:t>5</a:t>
+                <a:t>企业管理者</a:t>
               </a:r>
             </a:p>
           </p:txBody>
         </p:sp>
         <p:sp>
           <p:nvSpPr>
-            <p:cNvPr id="40" name="tx40"/>
-            <p:cNvSpPr/>
-            <p:nvPr/>
-          </p:nvSpPr>
-          <p:spPr>
-            <a:xfrm>
-              <a:off x="1926599" y="3574445"/>
-              <a:ext cx="62155" cy="80327"/>
+            <p:cNvPr id="91" name="rc91"/>
+            <p:cNvSpPr/>
+            <p:nvPr/>
+          </p:nvSpPr>
+          <p:spPr>
+            <a:xfrm>
+              <a:off x="6275961" y="1590617"/>
+              <a:ext cx="1295770" cy="218555"/>
+            </a:xfrm>
+            <a:prstGeom prst="rect">
+              <a:avLst/>
+            </a:prstGeom>
+            <a:solidFill>
+              <a:srgbClr val="D9D9D9">
+                <a:alpha val="100000"/>
+              </a:srgbClr>
+            </a:solidFill>
+            <a:ln w="13550" cap="rnd">
+              <a:solidFill>
+                <a:srgbClr val="333333">
+                  <a:alpha val="100000"/>
+                </a:srgbClr>
+              </a:solidFill>
+              <a:prstDash val="solid"/>
+              <a:round/>
+            </a:ln>
+          </p:spPr>
+          <p:txBody>
+            <a:bodyPr/>
+            <a:lstStyle/>
+            <a:p/>
+          </p:txBody>
+        </p:sp>
+        <p:sp>
+          <p:nvSpPr>
+            <p:cNvPr id="92" name="tx92"/>
+            <p:cNvSpPr/>
+            <p:nvPr/>
+          </p:nvSpPr>
+          <p:spPr>
+            <a:xfrm>
+              <a:off x="6672387" y="1670045"/>
+              <a:ext cx="502920" cy="69850"/>
             </a:xfrm>
             <a:prstGeom prst="rect">
               <a:avLst/>
@@ -4602,30 +6444,65 @@
                 </a:spcAft>
               </a:pPr>
               <a:r>
-                <a:rPr sz="880" b="1">
+                <a:rPr sz="880">
                   <a:solidFill>
-                    <a:srgbClr val="4D4D4D">
+                    <a:srgbClr val="1A1A1A">
                       <a:alpha val="100000"/>
                     </a:srgbClr>
                   </a:solidFill>
                   <a:latin typeface="Arial"/>
                   <a:cs typeface="Arial"/>
                 </a:rPr>
-                <a:t>4</a:t>
+                <a:t>企业研发人员</a:t>
               </a:r>
             </a:p>
           </p:txBody>
         </p:sp>
         <p:sp>
           <p:nvSpPr>
-            <p:cNvPr id="41" name="tx41"/>
-            <p:cNvSpPr/>
-            <p:nvPr/>
-          </p:nvSpPr>
-          <p:spPr>
-            <a:xfrm>
-              <a:off x="1926599" y="3010815"/>
-              <a:ext cx="62155" cy="81691"/>
+            <p:cNvPr id="93" name="rc93"/>
+            <p:cNvSpPr/>
+            <p:nvPr/>
+          </p:nvSpPr>
+          <p:spPr>
+            <a:xfrm>
+              <a:off x="7641321" y="1590617"/>
+              <a:ext cx="1295770" cy="218555"/>
+            </a:xfrm>
+            <a:prstGeom prst="rect">
+              <a:avLst/>
+            </a:prstGeom>
+            <a:solidFill>
+              <a:srgbClr val="D9D9D9">
+                <a:alpha val="100000"/>
+              </a:srgbClr>
+            </a:solidFill>
+            <a:ln w="13550" cap="rnd">
+              <a:solidFill>
+                <a:srgbClr val="333333">
+                  <a:alpha val="100000"/>
+                </a:srgbClr>
+              </a:solidFill>
+              <a:prstDash val="solid"/>
+              <a:round/>
+            </a:ln>
+          </p:spPr>
+          <p:txBody>
+            <a:bodyPr/>
+            <a:lstStyle/>
+            <a:p/>
+          </p:txBody>
+        </p:sp>
+        <p:sp>
+          <p:nvSpPr>
+            <p:cNvPr id="94" name="tx94"/>
+            <p:cNvSpPr/>
+            <p:nvPr/>
+          </p:nvSpPr>
+          <p:spPr>
+            <a:xfrm>
+              <a:off x="8205386" y="1670045"/>
+              <a:ext cx="167640" cy="69850"/>
             </a:xfrm>
             <a:prstGeom prst="rect">
               <a:avLst/>
@@ -4648,401 +6525,29 @@
                 </a:spcAft>
               </a:pPr>
               <a:r>
-                <a:rPr sz="880" b="1">
+                <a:rPr sz="880">
                   <a:solidFill>
-                    <a:srgbClr val="4D4D4D">
+                    <a:srgbClr val="1A1A1A">
                       <a:alpha val="100000"/>
                     </a:srgbClr>
                   </a:solidFill>
                   <a:latin typeface="Arial"/>
                   <a:cs typeface="Arial"/>
                 </a:rPr>
-                <a:t>3</a:t>
+                <a:t>其他</a:t>
               </a:r>
             </a:p>
           </p:txBody>
         </p:sp>
         <p:sp>
           <p:nvSpPr>
-            <p:cNvPr id="42" name="tx42"/>
-            <p:cNvSpPr/>
-            <p:nvPr/>
-          </p:nvSpPr>
-          <p:spPr>
-            <a:xfrm>
-              <a:off x="1926599" y="2449914"/>
-              <a:ext cx="62155" cy="80327"/>
-            </a:xfrm>
-            <a:prstGeom prst="rect">
-              <a:avLst/>
-            </a:prstGeom>
-            <a:noFill/>
-          </p:spPr>
-          <p:txBody>
-            <a:bodyPr lIns="0" rIns="0" tIns="0" bIns="0" anchorCtr="1" anchor="ctr" wrap="none"/>
-            <a:lstStyle/>
-            <a:p>
-              <a:pPr algn="l" marL="0" marR="0" indent="0">
-                <a:lnSpc>
-                  <a:spcPts val="880"/>
-                </a:lnSpc>
-                <a:spcBef>
-                  <a:spcPts val="0"/>
-                </a:spcBef>
-                <a:spcAft>
-                  <a:spcPts val="0"/>
-                </a:spcAft>
-              </a:pPr>
-              <a:r>
-                <a:rPr sz="880" b="1">
-                  <a:solidFill>
-                    <a:srgbClr val="4D4D4D">
-                      <a:alpha val="100000"/>
-                    </a:srgbClr>
-                  </a:solidFill>
-                  <a:latin typeface="Arial"/>
-                  <a:cs typeface="Arial"/>
-                </a:rPr>
-                <a:t>2</a:t>
-              </a:r>
-            </a:p>
-          </p:txBody>
-        </p:sp>
-        <p:sp>
-          <p:nvSpPr>
-            <p:cNvPr id="43" name="tx43"/>
-            <p:cNvSpPr/>
-            <p:nvPr/>
-          </p:nvSpPr>
-          <p:spPr>
-            <a:xfrm>
-              <a:off x="1926599" y="1887649"/>
-              <a:ext cx="62155" cy="80327"/>
-            </a:xfrm>
-            <a:prstGeom prst="rect">
-              <a:avLst/>
-            </a:prstGeom>
-            <a:noFill/>
-          </p:spPr>
-          <p:txBody>
-            <a:bodyPr lIns="0" rIns="0" tIns="0" bIns="0" anchorCtr="1" anchor="ctr" wrap="none"/>
-            <a:lstStyle/>
-            <a:p>
-              <a:pPr algn="l" marL="0" marR="0" indent="0">
-                <a:lnSpc>
-                  <a:spcPts val="880"/>
-                </a:lnSpc>
-                <a:spcBef>
-                  <a:spcPts val="0"/>
-                </a:spcBef>
-                <a:spcAft>
-                  <a:spcPts val="0"/>
-                </a:spcAft>
-              </a:pPr>
-              <a:r>
-                <a:rPr sz="880" b="1">
-                  <a:solidFill>
-                    <a:srgbClr val="4D4D4D">
-                      <a:alpha val="100000"/>
-                    </a:srgbClr>
-                  </a:solidFill>
-                  <a:latin typeface="Arial"/>
-                  <a:cs typeface="Arial"/>
-                </a:rPr>
-                <a:t>1</a:t>
-              </a:r>
-            </a:p>
-          </p:txBody>
-        </p:sp>
-        <p:sp>
-          <p:nvSpPr>
-            <p:cNvPr id="44" name="pl44"/>
-            <p:cNvSpPr/>
-            <p:nvPr/>
-          </p:nvSpPr>
-          <p:spPr>
-            <a:xfrm>
-              <a:off x="1988754" y="5301568"/>
-              <a:ext cx="34794" cy="0"/>
-            </a:xfrm>
-            <a:custGeom>
-              <a:avLst/>
-              <a:pathLst>
-                <a:path w="34794" h="0">
-                  <a:moveTo>
-                    <a:pt x="0" y="0"/>
-                  </a:moveTo>
-                  <a:lnTo>
-                    <a:pt x="34794" y="0"/>
-                  </a:lnTo>
-                </a:path>
-              </a:pathLst>
-            </a:custGeom>
-            <a:ln w="6775" cap="flat">
-              <a:solidFill>
-                <a:srgbClr val="B3B3B3">
-                  <a:alpha val="100000"/>
-                </a:srgbClr>
-              </a:solidFill>
-              <a:prstDash val="solid"/>
-              <a:round/>
-            </a:ln>
-          </p:spPr>
-          <p:txBody>
-            <a:bodyPr/>
-            <a:lstStyle/>
-            <a:p/>
-          </p:txBody>
-        </p:sp>
-        <p:sp>
-          <p:nvSpPr>
-            <p:cNvPr id="45" name="pl45"/>
-            <p:cNvSpPr/>
-            <p:nvPr/>
-          </p:nvSpPr>
-          <p:spPr>
-            <a:xfrm>
-              <a:off x="1988754" y="4739303"/>
-              <a:ext cx="34794" cy="0"/>
-            </a:xfrm>
-            <a:custGeom>
-              <a:avLst/>
-              <a:pathLst>
-                <a:path w="34794" h="0">
-                  <a:moveTo>
-                    <a:pt x="0" y="0"/>
-                  </a:moveTo>
-                  <a:lnTo>
-                    <a:pt x="34794" y="0"/>
-                  </a:lnTo>
-                </a:path>
-              </a:pathLst>
-            </a:custGeom>
-            <a:ln w="6775" cap="flat">
-              <a:solidFill>
-                <a:srgbClr val="B3B3B3">
-                  <a:alpha val="100000"/>
-                </a:srgbClr>
-              </a:solidFill>
-              <a:prstDash val="solid"/>
-              <a:round/>
-            </a:ln>
-          </p:spPr>
-          <p:txBody>
-            <a:bodyPr/>
-            <a:lstStyle/>
-            <a:p/>
-          </p:txBody>
-        </p:sp>
-        <p:sp>
-          <p:nvSpPr>
-            <p:cNvPr id="46" name="pl46"/>
-            <p:cNvSpPr/>
-            <p:nvPr/>
-          </p:nvSpPr>
-          <p:spPr>
-            <a:xfrm>
-              <a:off x="1988754" y="4177037"/>
-              <a:ext cx="34794" cy="0"/>
-            </a:xfrm>
-            <a:custGeom>
-              <a:avLst/>
-              <a:pathLst>
-                <a:path w="34794" h="0">
-                  <a:moveTo>
-                    <a:pt x="0" y="0"/>
-                  </a:moveTo>
-                  <a:lnTo>
-                    <a:pt x="34794" y="0"/>
-                  </a:lnTo>
-                </a:path>
-              </a:pathLst>
-            </a:custGeom>
-            <a:ln w="6775" cap="flat">
-              <a:solidFill>
-                <a:srgbClr val="B3B3B3">
-                  <a:alpha val="100000"/>
-                </a:srgbClr>
-              </a:solidFill>
-              <a:prstDash val="solid"/>
-              <a:round/>
-            </a:ln>
-          </p:spPr>
-          <p:txBody>
-            <a:bodyPr/>
-            <a:lstStyle/>
-            <a:p/>
-          </p:txBody>
-        </p:sp>
-        <p:sp>
-          <p:nvSpPr>
-            <p:cNvPr id="47" name="pl47"/>
-            <p:cNvSpPr/>
-            <p:nvPr/>
-          </p:nvSpPr>
-          <p:spPr>
-            <a:xfrm>
-              <a:off x="1988754" y="3614772"/>
-              <a:ext cx="34794" cy="0"/>
-            </a:xfrm>
-            <a:custGeom>
-              <a:avLst/>
-              <a:pathLst>
-                <a:path w="34794" h="0">
-                  <a:moveTo>
-                    <a:pt x="0" y="0"/>
-                  </a:moveTo>
-                  <a:lnTo>
-                    <a:pt x="34794" y="0"/>
-                  </a:lnTo>
-                </a:path>
-              </a:pathLst>
-            </a:custGeom>
-            <a:ln w="6775" cap="flat">
-              <a:solidFill>
-                <a:srgbClr val="B3B3B3">
-                  <a:alpha val="100000"/>
-                </a:srgbClr>
-              </a:solidFill>
-              <a:prstDash val="solid"/>
-              <a:round/>
-            </a:ln>
-          </p:spPr>
-          <p:txBody>
-            <a:bodyPr/>
-            <a:lstStyle/>
-            <a:p/>
-          </p:txBody>
-        </p:sp>
-        <p:sp>
-          <p:nvSpPr>
-            <p:cNvPr id="48" name="pl48"/>
-            <p:cNvSpPr/>
-            <p:nvPr/>
-          </p:nvSpPr>
-          <p:spPr>
-            <a:xfrm>
-              <a:off x="1988754" y="3052507"/>
-              <a:ext cx="34794" cy="0"/>
-            </a:xfrm>
-            <a:custGeom>
-              <a:avLst/>
-              <a:pathLst>
-                <a:path w="34794" h="0">
-                  <a:moveTo>
-                    <a:pt x="0" y="0"/>
-                  </a:moveTo>
-                  <a:lnTo>
-                    <a:pt x="34794" y="0"/>
-                  </a:lnTo>
-                </a:path>
-              </a:pathLst>
-            </a:custGeom>
-            <a:ln w="6775" cap="flat">
-              <a:solidFill>
-                <a:srgbClr val="B3B3B3">
-                  <a:alpha val="100000"/>
-                </a:srgbClr>
-              </a:solidFill>
-              <a:prstDash val="solid"/>
-              <a:round/>
-            </a:ln>
-          </p:spPr>
-          <p:txBody>
-            <a:bodyPr/>
-            <a:lstStyle/>
-            <a:p/>
-          </p:txBody>
-        </p:sp>
-        <p:sp>
-          <p:nvSpPr>
-            <p:cNvPr id="49" name="pl49"/>
-            <p:cNvSpPr/>
-            <p:nvPr/>
-          </p:nvSpPr>
-          <p:spPr>
-            <a:xfrm>
-              <a:off x="1988754" y="2490241"/>
-              <a:ext cx="34794" cy="0"/>
-            </a:xfrm>
-            <a:custGeom>
-              <a:avLst/>
-              <a:pathLst>
-                <a:path w="34794" h="0">
-                  <a:moveTo>
-                    <a:pt x="0" y="0"/>
-                  </a:moveTo>
-                  <a:lnTo>
-                    <a:pt x="34794" y="0"/>
-                  </a:lnTo>
-                </a:path>
-              </a:pathLst>
-            </a:custGeom>
-            <a:ln w="6775" cap="flat">
-              <a:solidFill>
-                <a:srgbClr val="B3B3B3">
-                  <a:alpha val="100000"/>
-                </a:srgbClr>
-              </a:solidFill>
-              <a:prstDash val="solid"/>
-              <a:round/>
-            </a:ln>
-          </p:spPr>
-          <p:txBody>
-            <a:bodyPr/>
-            <a:lstStyle/>
-            <a:p/>
-          </p:txBody>
-        </p:sp>
-        <p:sp>
-          <p:nvSpPr>
-            <p:cNvPr id="50" name="pl50"/>
-            <p:cNvSpPr/>
-            <p:nvPr/>
-          </p:nvSpPr>
-          <p:spPr>
-            <a:xfrm>
-              <a:off x="1988754" y="1927976"/>
-              <a:ext cx="34794" cy="0"/>
-            </a:xfrm>
-            <a:custGeom>
-              <a:avLst/>
-              <a:pathLst>
-                <a:path w="34794" h="0">
-                  <a:moveTo>
-                    <a:pt x="0" y="0"/>
-                  </a:moveTo>
-                  <a:lnTo>
-                    <a:pt x="34794" y="0"/>
-                  </a:lnTo>
-                </a:path>
-              </a:pathLst>
-            </a:custGeom>
-            <a:ln w="6775" cap="flat">
-              <a:solidFill>
-                <a:srgbClr val="B3B3B3">
-                  <a:alpha val="100000"/>
-                </a:srgbClr>
-              </a:solidFill>
-              <a:prstDash val="solid"/>
-              <a:round/>
-            </a:ln>
-          </p:spPr>
-          <p:txBody>
-            <a:bodyPr/>
-            <a:lstStyle/>
-            <a:p/>
-          </p:txBody>
-        </p:sp>
-        <p:sp>
-          <p:nvSpPr>
-            <p:cNvPr id="51" name="pl51"/>
-            <p:cNvSpPr/>
-            <p:nvPr/>
-          </p:nvSpPr>
-          <p:spPr>
-            <a:xfrm>
-              <a:off x="2023549" y="5638927"/>
+            <p:cNvPr id="95" name="pl95"/>
+            <p:cNvSpPr/>
+            <p:nvPr/>
+          </p:nvSpPr>
+          <p:spPr>
+            <a:xfrm>
+              <a:off x="2364991" y="5274097"/>
               <a:ext cx="0" cy="34794"/>
             </a:xfrm>
             <a:custGeom>
@@ -5058,31 +6563,31 @@
                 </a:path>
               </a:pathLst>
             </a:custGeom>
-            <a:ln w="6775" cap="flat">
-              <a:solidFill>
-                <a:srgbClr val="B3B3B3">
-                  <a:alpha val="100000"/>
-                </a:srgbClr>
-              </a:solidFill>
-              <a:prstDash val="solid"/>
-              <a:round/>
-            </a:ln>
-          </p:spPr>
-          <p:txBody>
-            <a:bodyPr/>
-            <a:lstStyle/>
-            <a:p/>
-          </p:txBody>
-        </p:sp>
-        <p:sp>
-          <p:nvSpPr>
-            <p:cNvPr id="52" name="pl52"/>
-            <p:cNvSpPr/>
-            <p:nvPr/>
-          </p:nvSpPr>
-          <p:spPr>
-            <a:xfrm>
-              <a:off x="3672693" y="5638927"/>
+            <a:ln w="13550" cap="flat">
+              <a:solidFill>
+                <a:srgbClr val="333333">
+                  <a:alpha val="100000"/>
+                </a:srgbClr>
+              </a:solidFill>
+              <a:prstDash val="solid"/>
+              <a:round/>
+            </a:ln>
+          </p:spPr>
+          <p:txBody>
+            <a:bodyPr/>
+            <a:lstStyle/>
+            <a:p/>
+          </p:txBody>
+        </p:sp>
+        <p:sp>
+          <p:nvSpPr>
+            <p:cNvPr id="96" name="pl96"/>
+            <p:cNvSpPr/>
+            <p:nvPr/>
+          </p:nvSpPr>
+          <p:spPr>
+            <a:xfrm>
+              <a:off x="2673508" y="5274097"/>
               <a:ext cx="0" cy="34794"/>
             </a:xfrm>
             <a:custGeom>
@@ -5098,31 +6603,31 @@
                 </a:path>
               </a:pathLst>
             </a:custGeom>
-            <a:ln w="6775" cap="flat">
-              <a:solidFill>
-                <a:srgbClr val="B3B3B3">
-                  <a:alpha val="100000"/>
-                </a:srgbClr>
-              </a:solidFill>
-              <a:prstDash val="solid"/>
-              <a:round/>
-            </a:ln>
-          </p:spPr>
-          <p:txBody>
-            <a:bodyPr/>
-            <a:lstStyle/>
-            <a:p/>
-          </p:txBody>
-        </p:sp>
-        <p:sp>
-          <p:nvSpPr>
-            <p:cNvPr id="53" name="pl53"/>
-            <p:cNvSpPr/>
-            <p:nvPr/>
-          </p:nvSpPr>
-          <p:spPr>
-            <a:xfrm>
-              <a:off x="5321838" y="5638927"/>
+            <a:ln w="13550" cap="flat">
+              <a:solidFill>
+                <a:srgbClr val="333333">
+                  <a:alpha val="100000"/>
+                </a:srgbClr>
+              </a:solidFill>
+              <a:prstDash val="solid"/>
+              <a:round/>
+            </a:ln>
+          </p:spPr>
+          <p:txBody>
+            <a:bodyPr/>
+            <a:lstStyle/>
+            <a:p/>
+          </p:txBody>
+        </p:sp>
+        <p:sp>
+          <p:nvSpPr>
+            <p:cNvPr id="97" name="pl97"/>
+            <p:cNvSpPr/>
+            <p:nvPr/>
+          </p:nvSpPr>
+          <p:spPr>
+            <a:xfrm>
+              <a:off x="2982025" y="5274097"/>
               <a:ext cx="0" cy="34794"/>
             </a:xfrm>
             <a:custGeom>
@@ -5138,31 +6643,31 @@
                 </a:path>
               </a:pathLst>
             </a:custGeom>
-            <a:ln w="6775" cap="flat">
-              <a:solidFill>
-                <a:srgbClr val="B3B3B3">
-                  <a:alpha val="100000"/>
-                </a:srgbClr>
-              </a:solidFill>
-              <a:prstDash val="solid"/>
-              <a:round/>
-            </a:ln>
-          </p:spPr>
-          <p:txBody>
-            <a:bodyPr/>
-            <a:lstStyle/>
-            <a:p/>
-          </p:txBody>
-        </p:sp>
-        <p:sp>
-          <p:nvSpPr>
-            <p:cNvPr id="54" name="pl54"/>
-            <p:cNvSpPr/>
-            <p:nvPr/>
-          </p:nvSpPr>
-          <p:spPr>
-            <a:xfrm>
-              <a:off x="6970982" y="5638927"/>
+            <a:ln w="13550" cap="flat">
+              <a:solidFill>
+                <a:srgbClr val="333333">
+                  <a:alpha val="100000"/>
+                </a:srgbClr>
+              </a:solidFill>
+              <a:prstDash val="solid"/>
+              <a:round/>
+            </a:ln>
+          </p:spPr>
+          <p:txBody>
+            <a:bodyPr/>
+            <a:lstStyle/>
+            <a:p/>
+          </p:txBody>
+        </p:sp>
+        <p:sp>
+          <p:nvSpPr>
+            <p:cNvPr id="98" name="pl98"/>
+            <p:cNvSpPr/>
+            <p:nvPr/>
+          </p:nvSpPr>
+          <p:spPr>
+            <a:xfrm>
+              <a:off x="3290542" y="5274097"/>
               <a:ext cx="0" cy="34794"/>
             </a:xfrm>
             <a:custGeom>
@@ -5178,31 +6683,31 @@
                 </a:path>
               </a:pathLst>
             </a:custGeom>
-            <a:ln w="6775" cap="flat">
-              <a:solidFill>
-                <a:srgbClr val="B3B3B3">
-                  <a:alpha val="100000"/>
-                </a:srgbClr>
-              </a:solidFill>
-              <a:prstDash val="solid"/>
-              <a:round/>
-            </a:ln>
-          </p:spPr>
-          <p:txBody>
-            <a:bodyPr/>
-            <a:lstStyle/>
-            <a:p/>
-          </p:txBody>
-        </p:sp>
-        <p:sp>
-          <p:nvSpPr>
-            <p:cNvPr id="55" name="pl55"/>
-            <p:cNvSpPr/>
-            <p:nvPr/>
-          </p:nvSpPr>
-          <p:spPr>
-            <a:xfrm>
-              <a:off x="8620126" y="5638927"/>
+            <a:ln w="13550" cap="flat">
+              <a:solidFill>
+                <a:srgbClr val="333333">
+                  <a:alpha val="100000"/>
+                </a:srgbClr>
+              </a:solidFill>
+              <a:prstDash val="solid"/>
+              <a:round/>
+            </a:ln>
+          </p:spPr>
+          <p:txBody>
+            <a:bodyPr/>
+            <a:lstStyle/>
+            <a:p/>
+          </p:txBody>
+        </p:sp>
+        <p:sp>
+          <p:nvSpPr>
+            <p:cNvPr id="99" name="pl99"/>
+            <p:cNvSpPr/>
+            <p:nvPr/>
+          </p:nvSpPr>
+          <p:spPr>
+            <a:xfrm>
+              <a:off x="3730351" y="5274097"/>
               <a:ext cx="0" cy="34794"/>
             </a:xfrm>
             <a:custGeom>
@@ -5218,31 +6723,631 @@
                 </a:path>
               </a:pathLst>
             </a:custGeom>
-            <a:ln w="6775" cap="flat">
-              <a:solidFill>
-                <a:srgbClr val="B3B3B3">
-                  <a:alpha val="100000"/>
-                </a:srgbClr>
-              </a:solidFill>
-              <a:prstDash val="solid"/>
-              <a:round/>
-            </a:ln>
-          </p:spPr>
-          <p:txBody>
-            <a:bodyPr/>
-            <a:lstStyle/>
-            <a:p/>
-          </p:txBody>
-        </p:sp>
-        <p:sp>
-          <p:nvSpPr>
-            <p:cNvPr id="56" name="tx56"/>
-            <p:cNvSpPr/>
-            <p:nvPr/>
-          </p:nvSpPr>
-          <p:spPr>
-            <a:xfrm>
-              <a:off x="1992471" y="5699866"/>
+            <a:ln w="13550" cap="flat">
+              <a:solidFill>
+                <a:srgbClr val="333333">
+                  <a:alpha val="100000"/>
+                </a:srgbClr>
+              </a:solidFill>
+              <a:prstDash val="solid"/>
+              <a:round/>
+            </a:ln>
+          </p:spPr>
+          <p:txBody>
+            <a:bodyPr/>
+            <a:lstStyle/>
+            <a:p/>
+          </p:txBody>
+        </p:sp>
+        <p:sp>
+          <p:nvSpPr>
+            <p:cNvPr id="100" name="pl100"/>
+            <p:cNvSpPr/>
+            <p:nvPr/>
+          </p:nvSpPr>
+          <p:spPr>
+            <a:xfrm>
+              <a:off x="4038868" y="5274097"/>
+              <a:ext cx="0" cy="34794"/>
+            </a:xfrm>
+            <a:custGeom>
+              <a:avLst/>
+              <a:pathLst>
+                <a:path w="0" h="34794">
+                  <a:moveTo>
+                    <a:pt x="0" y="34794"/>
+                  </a:moveTo>
+                  <a:lnTo>
+                    <a:pt x="0" y="0"/>
+                  </a:lnTo>
+                </a:path>
+              </a:pathLst>
+            </a:custGeom>
+            <a:ln w="13550" cap="flat">
+              <a:solidFill>
+                <a:srgbClr val="333333">
+                  <a:alpha val="100000"/>
+                </a:srgbClr>
+              </a:solidFill>
+              <a:prstDash val="solid"/>
+              <a:round/>
+            </a:ln>
+          </p:spPr>
+          <p:txBody>
+            <a:bodyPr/>
+            <a:lstStyle/>
+            <a:p/>
+          </p:txBody>
+        </p:sp>
+        <p:sp>
+          <p:nvSpPr>
+            <p:cNvPr id="101" name="pl101"/>
+            <p:cNvSpPr/>
+            <p:nvPr/>
+          </p:nvSpPr>
+          <p:spPr>
+            <a:xfrm>
+              <a:off x="4347385" y="5274097"/>
+              <a:ext cx="0" cy="34794"/>
+            </a:xfrm>
+            <a:custGeom>
+              <a:avLst/>
+              <a:pathLst>
+                <a:path w="0" h="34794">
+                  <a:moveTo>
+                    <a:pt x="0" y="34794"/>
+                  </a:moveTo>
+                  <a:lnTo>
+                    <a:pt x="0" y="0"/>
+                  </a:lnTo>
+                </a:path>
+              </a:pathLst>
+            </a:custGeom>
+            <a:ln w="13550" cap="flat">
+              <a:solidFill>
+                <a:srgbClr val="333333">
+                  <a:alpha val="100000"/>
+                </a:srgbClr>
+              </a:solidFill>
+              <a:prstDash val="solid"/>
+              <a:round/>
+            </a:ln>
+          </p:spPr>
+          <p:txBody>
+            <a:bodyPr/>
+            <a:lstStyle/>
+            <a:p/>
+          </p:txBody>
+        </p:sp>
+        <p:sp>
+          <p:nvSpPr>
+            <p:cNvPr id="102" name="pl102"/>
+            <p:cNvSpPr/>
+            <p:nvPr/>
+          </p:nvSpPr>
+          <p:spPr>
+            <a:xfrm>
+              <a:off x="4655902" y="5274097"/>
+              <a:ext cx="0" cy="34794"/>
+            </a:xfrm>
+            <a:custGeom>
+              <a:avLst/>
+              <a:pathLst>
+                <a:path w="0" h="34794">
+                  <a:moveTo>
+                    <a:pt x="0" y="34794"/>
+                  </a:moveTo>
+                  <a:lnTo>
+                    <a:pt x="0" y="0"/>
+                  </a:lnTo>
+                </a:path>
+              </a:pathLst>
+            </a:custGeom>
+            <a:ln w="13550" cap="flat">
+              <a:solidFill>
+                <a:srgbClr val="333333">
+                  <a:alpha val="100000"/>
+                </a:srgbClr>
+              </a:solidFill>
+              <a:prstDash val="solid"/>
+              <a:round/>
+            </a:ln>
+          </p:spPr>
+          <p:txBody>
+            <a:bodyPr/>
+            <a:lstStyle/>
+            <a:p/>
+          </p:txBody>
+        </p:sp>
+        <p:sp>
+          <p:nvSpPr>
+            <p:cNvPr id="103" name="pl103"/>
+            <p:cNvSpPr/>
+            <p:nvPr/>
+          </p:nvSpPr>
+          <p:spPr>
+            <a:xfrm>
+              <a:off x="5095711" y="5274097"/>
+              <a:ext cx="0" cy="34794"/>
+            </a:xfrm>
+            <a:custGeom>
+              <a:avLst/>
+              <a:pathLst>
+                <a:path w="0" h="34794">
+                  <a:moveTo>
+                    <a:pt x="0" y="34794"/>
+                  </a:moveTo>
+                  <a:lnTo>
+                    <a:pt x="0" y="0"/>
+                  </a:lnTo>
+                </a:path>
+              </a:pathLst>
+            </a:custGeom>
+            <a:ln w="13550" cap="flat">
+              <a:solidFill>
+                <a:srgbClr val="333333">
+                  <a:alpha val="100000"/>
+                </a:srgbClr>
+              </a:solidFill>
+              <a:prstDash val="solid"/>
+              <a:round/>
+            </a:ln>
+          </p:spPr>
+          <p:txBody>
+            <a:bodyPr/>
+            <a:lstStyle/>
+            <a:p/>
+          </p:txBody>
+        </p:sp>
+        <p:sp>
+          <p:nvSpPr>
+            <p:cNvPr id="104" name="pl104"/>
+            <p:cNvSpPr/>
+            <p:nvPr/>
+          </p:nvSpPr>
+          <p:spPr>
+            <a:xfrm>
+              <a:off x="5404228" y="5274097"/>
+              <a:ext cx="0" cy="34794"/>
+            </a:xfrm>
+            <a:custGeom>
+              <a:avLst/>
+              <a:pathLst>
+                <a:path w="0" h="34794">
+                  <a:moveTo>
+                    <a:pt x="0" y="34794"/>
+                  </a:moveTo>
+                  <a:lnTo>
+                    <a:pt x="0" y="0"/>
+                  </a:lnTo>
+                </a:path>
+              </a:pathLst>
+            </a:custGeom>
+            <a:ln w="13550" cap="flat">
+              <a:solidFill>
+                <a:srgbClr val="333333">
+                  <a:alpha val="100000"/>
+                </a:srgbClr>
+              </a:solidFill>
+              <a:prstDash val="solid"/>
+              <a:round/>
+            </a:ln>
+          </p:spPr>
+          <p:txBody>
+            <a:bodyPr/>
+            <a:lstStyle/>
+            <a:p/>
+          </p:txBody>
+        </p:sp>
+        <p:sp>
+          <p:nvSpPr>
+            <p:cNvPr id="105" name="pl105"/>
+            <p:cNvSpPr/>
+            <p:nvPr/>
+          </p:nvSpPr>
+          <p:spPr>
+            <a:xfrm>
+              <a:off x="5712745" y="5274097"/>
+              <a:ext cx="0" cy="34794"/>
+            </a:xfrm>
+            <a:custGeom>
+              <a:avLst/>
+              <a:pathLst>
+                <a:path w="0" h="34794">
+                  <a:moveTo>
+                    <a:pt x="0" y="34794"/>
+                  </a:moveTo>
+                  <a:lnTo>
+                    <a:pt x="0" y="0"/>
+                  </a:lnTo>
+                </a:path>
+              </a:pathLst>
+            </a:custGeom>
+            <a:ln w="13550" cap="flat">
+              <a:solidFill>
+                <a:srgbClr val="333333">
+                  <a:alpha val="100000"/>
+                </a:srgbClr>
+              </a:solidFill>
+              <a:prstDash val="solid"/>
+              <a:round/>
+            </a:ln>
+          </p:spPr>
+          <p:txBody>
+            <a:bodyPr/>
+            <a:lstStyle/>
+            <a:p/>
+          </p:txBody>
+        </p:sp>
+        <p:sp>
+          <p:nvSpPr>
+            <p:cNvPr id="106" name="pl106"/>
+            <p:cNvSpPr/>
+            <p:nvPr/>
+          </p:nvSpPr>
+          <p:spPr>
+            <a:xfrm>
+              <a:off x="6021262" y="5274097"/>
+              <a:ext cx="0" cy="34794"/>
+            </a:xfrm>
+            <a:custGeom>
+              <a:avLst/>
+              <a:pathLst>
+                <a:path w="0" h="34794">
+                  <a:moveTo>
+                    <a:pt x="0" y="34794"/>
+                  </a:moveTo>
+                  <a:lnTo>
+                    <a:pt x="0" y="0"/>
+                  </a:lnTo>
+                </a:path>
+              </a:pathLst>
+            </a:custGeom>
+            <a:ln w="13550" cap="flat">
+              <a:solidFill>
+                <a:srgbClr val="333333">
+                  <a:alpha val="100000"/>
+                </a:srgbClr>
+              </a:solidFill>
+              <a:prstDash val="solid"/>
+              <a:round/>
+            </a:ln>
+          </p:spPr>
+          <p:txBody>
+            <a:bodyPr/>
+            <a:lstStyle/>
+            <a:p/>
+          </p:txBody>
+        </p:sp>
+        <p:sp>
+          <p:nvSpPr>
+            <p:cNvPr id="107" name="pl107"/>
+            <p:cNvSpPr/>
+            <p:nvPr/>
+          </p:nvSpPr>
+          <p:spPr>
+            <a:xfrm>
+              <a:off x="6461071" y="5274097"/>
+              <a:ext cx="0" cy="34794"/>
+            </a:xfrm>
+            <a:custGeom>
+              <a:avLst/>
+              <a:pathLst>
+                <a:path w="0" h="34794">
+                  <a:moveTo>
+                    <a:pt x="0" y="34794"/>
+                  </a:moveTo>
+                  <a:lnTo>
+                    <a:pt x="0" y="0"/>
+                  </a:lnTo>
+                </a:path>
+              </a:pathLst>
+            </a:custGeom>
+            <a:ln w="13550" cap="flat">
+              <a:solidFill>
+                <a:srgbClr val="333333">
+                  <a:alpha val="100000"/>
+                </a:srgbClr>
+              </a:solidFill>
+              <a:prstDash val="solid"/>
+              <a:round/>
+            </a:ln>
+          </p:spPr>
+          <p:txBody>
+            <a:bodyPr/>
+            <a:lstStyle/>
+            <a:p/>
+          </p:txBody>
+        </p:sp>
+        <p:sp>
+          <p:nvSpPr>
+            <p:cNvPr id="108" name="pl108"/>
+            <p:cNvSpPr/>
+            <p:nvPr/>
+          </p:nvSpPr>
+          <p:spPr>
+            <a:xfrm>
+              <a:off x="6769588" y="5274097"/>
+              <a:ext cx="0" cy="34794"/>
+            </a:xfrm>
+            <a:custGeom>
+              <a:avLst/>
+              <a:pathLst>
+                <a:path w="0" h="34794">
+                  <a:moveTo>
+                    <a:pt x="0" y="34794"/>
+                  </a:moveTo>
+                  <a:lnTo>
+                    <a:pt x="0" y="0"/>
+                  </a:lnTo>
+                </a:path>
+              </a:pathLst>
+            </a:custGeom>
+            <a:ln w="13550" cap="flat">
+              <a:solidFill>
+                <a:srgbClr val="333333">
+                  <a:alpha val="100000"/>
+                </a:srgbClr>
+              </a:solidFill>
+              <a:prstDash val="solid"/>
+              <a:round/>
+            </a:ln>
+          </p:spPr>
+          <p:txBody>
+            <a:bodyPr/>
+            <a:lstStyle/>
+            <a:p/>
+          </p:txBody>
+        </p:sp>
+        <p:sp>
+          <p:nvSpPr>
+            <p:cNvPr id="109" name="pl109"/>
+            <p:cNvSpPr/>
+            <p:nvPr/>
+          </p:nvSpPr>
+          <p:spPr>
+            <a:xfrm>
+              <a:off x="7078105" y="5274097"/>
+              <a:ext cx="0" cy="34794"/>
+            </a:xfrm>
+            <a:custGeom>
+              <a:avLst/>
+              <a:pathLst>
+                <a:path w="0" h="34794">
+                  <a:moveTo>
+                    <a:pt x="0" y="34794"/>
+                  </a:moveTo>
+                  <a:lnTo>
+                    <a:pt x="0" y="0"/>
+                  </a:lnTo>
+                </a:path>
+              </a:pathLst>
+            </a:custGeom>
+            <a:ln w="13550" cap="flat">
+              <a:solidFill>
+                <a:srgbClr val="333333">
+                  <a:alpha val="100000"/>
+                </a:srgbClr>
+              </a:solidFill>
+              <a:prstDash val="solid"/>
+              <a:round/>
+            </a:ln>
+          </p:spPr>
+          <p:txBody>
+            <a:bodyPr/>
+            <a:lstStyle/>
+            <a:p/>
+          </p:txBody>
+        </p:sp>
+        <p:sp>
+          <p:nvSpPr>
+            <p:cNvPr id="110" name="pl110"/>
+            <p:cNvSpPr/>
+            <p:nvPr/>
+          </p:nvSpPr>
+          <p:spPr>
+            <a:xfrm>
+              <a:off x="7386622" y="5274097"/>
+              <a:ext cx="0" cy="34794"/>
+            </a:xfrm>
+            <a:custGeom>
+              <a:avLst/>
+              <a:pathLst>
+                <a:path w="0" h="34794">
+                  <a:moveTo>
+                    <a:pt x="0" y="34794"/>
+                  </a:moveTo>
+                  <a:lnTo>
+                    <a:pt x="0" y="0"/>
+                  </a:lnTo>
+                </a:path>
+              </a:pathLst>
+            </a:custGeom>
+            <a:ln w="13550" cap="flat">
+              <a:solidFill>
+                <a:srgbClr val="333333">
+                  <a:alpha val="100000"/>
+                </a:srgbClr>
+              </a:solidFill>
+              <a:prstDash val="solid"/>
+              <a:round/>
+            </a:ln>
+          </p:spPr>
+          <p:txBody>
+            <a:bodyPr/>
+            <a:lstStyle/>
+            <a:p/>
+          </p:txBody>
+        </p:sp>
+        <p:sp>
+          <p:nvSpPr>
+            <p:cNvPr id="111" name="pl111"/>
+            <p:cNvSpPr/>
+            <p:nvPr/>
+          </p:nvSpPr>
+          <p:spPr>
+            <a:xfrm>
+              <a:off x="7826431" y="5274097"/>
+              <a:ext cx="0" cy="34794"/>
+            </a:xfrm>
+            <a:custGeom>
+              <a:avLst/>
+              <a:pathLst>
+                <a:path w="0" h="34794">
+                  <a:moveTo>
+                    <a:pt x="0" y="34794"/>
+                  </a:moveTo>
+                  <a:lnTo>
+                    <a:pt x="0" y="0"/>
+                  </a:lnTo>
+                </a:path>
+              </a:pathLst>
+            </a:custGeom>
+            <a:ln w="13550" cap="flat">
+              <a:solidFill>
+                <a:srgbClr val="333333">
+                  <a:alpha val="100000"/>
+                </a:srgbClr>
+              </a:solidFill>
+              <a:prstDash val="solid"/>
+              <a:round/>
+            </a:ln>
+          </p:spPr>
+          <p:txBody>
+            <a:bodyPr/>
+            <a:lstStyle/>
+            <a:p/>
+          </p:txBody>
+        </p:sp>
+        <p:sp>
+          <p:nvSpPr>
+            <p:cNvPr id="112" name="pl112"/>
+            <p:cNvSpPr/>
+            <p:nvPr/>
+          </p:nvSpPr>
+          <p:spPr>
+            <a:xfrm>
+              <a:off x="8134948" y="5274097"/>
+              <a:ext cx="0" cy="34794"/>
+            </a:xfrm>
+            <a:custGeom>
+              <a:avLst/>
+              <a:pathLst>
+                <a:path w="0" h="34794">
+                  <a:moveTo>
+                    <a:pt x="0" y="34794"/>
+                  </a:moveTo>
+                  <a:lnTo>
+                    <a:pt x="0" y="0"/>
+                  </a:lnTo>
+                </a:path>
+              </a:pathLst>
+            </a:custGeom>
+            <a:ln w="13550" cap="flat">
+              <a:solidFill>
+                <a:srgbClr val="333333">
+                  <a:alpha val="100000"/>
+                </a:srgbClr>
+              </a:solidFill>
+              <a:prstDash val="solid"/>
+              <a:round/>
+            </a:ln>
+          </p:spPr>
+          <p:txBody>
+            <a:bodyPr/>
+            <a:lstStyle/>
+            <a:p/>
+          </p:txBody>
+        </p:sp>
+        <p:sp>
+          <p:nvSpPr>
+            <p:cNvPr id="113" name="pl113"/>
+            <p:cNvSpPr/>
+            <p:nvPr/>
+          </p:nvSpPr>
+          <p:spPr>
+            <a:xfrm>
+              <a:off x="8443465" y="5274097"/>
+              <a:ext cx="0" cy="34794"/>
+            </a:xfrm>
+            <a:custGeom>
+              <a:avLst/>
+              <a:pathLst>
+                <a:path w="0" h="34794">
+                  <a:moveTo>
+                    <a:pt x="0" y="34794"/>
+                  </a:moveTo>
+                  <a:lnTo>
+                    <a:pt x="0" y="0"/>
+                  </a:lnTo>
+                </a:path>
+              </a:pathLst>
+            </a:custGeom>
+            <a:ln w="13550" cap="flat">
+              <a:solidFill>
+                <a:srgbClr val="333333">
+                  <a:alpha val="100000"/>
+                </a:srgbClr>
+              </a:solidFill>
+              <a:prstDash val="solid"/>
+              <a:round/>
+            </a:ln>
+          </p:spPr>
+          <p:txBody>
+            <a:bodyPr/>
+            <a:lstStyle/>
+            <a:p/>
+          </p:txBody>
+        </p:sp>
+        <p:sp>
+          <p:nvSpPr>
+            <p:cNvPr id="114" name="pl114"/>
+            <p:cNvSpPr/>
+            <p:nvPr/>
+          </p:nvSpPr>
+          <p:spPr>
+            <a:xfrm>
+              <a:off x="8751982" y="5274097"/>
+              <a:ext cx="0" cy="34794"/>
+            </a:xfrm>
+            <a:custGeom>
+              <a:avLst/>
+              <a:pathLst>
+                <a:path w="0" h="34794">
+                  <a:moveTo>
+                    <a:pt x="0" y="34794"/>
+                  </a:moveTo>
+                  <a:lnTo>
+                    <a:pt x="0" y="0"/>
+                  </a:lnTo>
+                </a:path>
+              </a:pathLst>
+            </a:custGeom>
+            <a:ln w="13550" cap="flat">
+              <a:solidFill>
+                <a:srgbClr val="333333">
+                  <a:alpha val="100000"/>
+                </a:srgbClr>
+              </a:solidFill>
+              <a:prstDash val="solid"/>
+              <a:round/>
+            </a:ln>
+          </p:spPr>
+          <p:txBody>
+            <a:bodyPr/>
+            <a:lstStyle/>
+            <a:p/>
+          </p:txBody>
+        </p:sp>
+        <p:sp>
+          <p:nvSpPr>
+            <p:cNvPr id="115" name="tx115"/>
+            <p:cNvSpPr/>
+            <p:nvPr/>
+          </p:nvSpPr>
+          <p:spPr>
+            <a:xfrm>
+              <a:off x="2055095" y="5074909"/>
               <a:ext cx="62155" cy="81691"/>
             </a:xfrm>
             <a:prstGeom prst="rect">
@@ -5282,13 +7387,13 @@
         </p:sp>
         <p:sp>
           <p:nvSpPr>
-            <p:cNvPr id="57" name="tx57"/>
-            <p:cNvSpPr/>
-            <p:nvPr/>
-          </p:nvSpPr>
-          <p:spPr>
-            <a:xfrm>
-              <a:off x="3579460" y="5699866"/>
+            <p:cNvPr id="116" name="tx116"/>
+            <p:cNvSpPr/>
+            <p:nvPr/>
+          </p:nvSpPr>
+          <p:spPr>
+            <a:xfrm>
+              <a:off x="1930784" y="3877216"/>
               <a:ext cx="186466" cy="81691"/>
             </a:xfrm>
             <a:prstGeom prst="rect">
@@ -5321,21 +7426,21 @@
                   <a:latin typeface="Arial"/>
                   <a:cs typeface="Arial"/>
                 </a:rPr>
-                <a:t>500</a:t>
+                <a:t>100</a:t>
               </a:r>
             </a:p>
           </p:txBody>
         </p:sp>
         <p:sp>
           <p:nvSpPr>
-            <p:cNvPr id="58" name="tx58"/>
-            <p:cNvSpPr/>
-            <p:nvPr/>
-          </p:nvSpPr>
-          <p:spPr>
-            <a:xfrm>
-              <a:off x="5197526" y="5699866"/>
-              <a:ext cx="248622" cy="81691"/>
+            <p:cNvPr id="117" name="tx117"/>
+            <p:cNvSpPr/>
+            <p:nvPr/>
+          </p:nvSpPr>
+          <p:spPr>
+            <a:xfrm>
+              <a:off x="1930784" y="2679524"/>
+              <a:ext cx="186466" cy="81691"/>
             </a:xfrm>
             <a:prstGeom prst="rect">
               <a:avLst/>
@@ -5367,21 +7472,375 @@
                   <a:latin typeface="Arial"/>
                   <a:cs typeface="Arial"/>
                 </a:rPr>
-                <a:t>1000</a:t>
+                <a:t>200</a:t>
               </a:r>
             </a:p>
           </p:txBody>
         </p:sp>
         <p:sp>
           <p:nvSpPr>
-            <p:cNvPr id="59" name="tx59"/>
-            <p:cNvSpPr/>
-            <p:nvPr/>
-          </p:nvSpPr>
-          <p:spPr>
-            <a:xfrm>
-              <a:off x="6846671" y="5699866"/>
-              <a:ext cx="248622" cy="81691"/>
+            <p:cNvPr id="118" name="pl118"/>
+            <p:cNvSpPr/>
+            <p:nvPr/>
+          </p:nvSpPr>
+          <p:spPr>
+            <a:xfrm>
+              <a:off x="2145087" y="5116600"/>
+              <a:ext cx="34794" cy="0"/>
+            </a:xfrm>
+            <a:custGeom>
+              <a:avLst/>
+              <a:pathLst>
+                <a:path w="34794" h="0">
+                  <a:moveTo>
+                    <a:pt x="0" y="0"/>
+                  </a:moveTo>
+                  <a:lnTo>
+                    <a:pt x="34794" y="0"/>
+                  </a:lnTo>
+                </a:path>
+              </a:pathLst>
+            </a:custGeom>
+            <a:ln w="13550" cap="flat">
+              <a:solidFill>
+                <a:srgbClr val="333333">
+                  <a:alpha val="100000"/>
+                </a:srgbClr>
+              </a:solidFill>
+              <a:prstDash val="solid"/>
+              <a:round/>
+            </a:ln>
+          </p:spPr>
+          <p:txBody>
+            <a:bodyPr/>
+            <a:lstStyle/>
+            <a:p/>
+          </p:txBody>
+        </p:sp>
+        <p:sp>
+          <p:nvSpPr>
+            <p:cNvPr id="119" name="pl119"/>
+            <p:cNvSpPr/>
+            <p:nvPr/>
+          </p:nvSpPr>
+          <p:spPr>
+            <a:xfrm>
+              <a:off x="2145087" y="3918908"/>
+              <a:ext cx="34794" cy="0"/>
+            </a:xfrm>
+            <a:custGeom>
+              <a:avLst/>
+              <a:pathLst>
+                <a:path w="34794" h="0">
+                  <a:moveTo>
+                    <a:pt x="0" y="0"/>
+                  </a:moveTo>
+                  <a:lnTo>
+                    <a:pt x="34794" y="0"/>
+                  </a:lnTo>
+                </a:path>
+              </a:pathLst>
+            </a:custGeom>
+            <a:ln w="13550" cap="flat">
+              <a:solidFill>
+                <a:srgbClr val="333333">
+                  <a:alpha val="100000"/>
+                </a:srgbClr>
+              </a:solidFill>
+              <a:prstDash val="solid"/>
+              <a:round/>
+            </a:ln>
+          </p:spPr>
+          <p:txBody>
+            <a:bodyPr/>
+            <a:lstStyle/>
+            <a:p/>
+          </p:txBody>
+        </p:sp>
+        <p:sp>
+          <p:nvSpPr>
+            <p:cNvPr id="120" name="pl120"/>
+            <p:cNvSpPr/>
+            <p:nvPr/>
+          </p:nvSpPr>
+          <p:spPr>
+            <a:xfrm>
+              <a:off x="2145087" y="2721215"/>
+              <a:ext cx="34794" cy="0"/>
+            </a:xfrm>
+            <a:custGeom>
+              <a:avLst/>
+              <a:pathLst>
+                <a:path w="34794" h="0">
+                  <a:moveTo>
+                    <a:pt x="0" y="0"/>
+                  </a:moveTo>
+                  <a:lnTo>
+                    <a:pt x="34794" y="0"/>
+                  </a:lnTo>
+                </a:path>
+              </a:pathLst>
+            </a:custGeom>
+            <a:ln w="13550" cap="flat">
+              <a:solidFill>
+                <a:srgbClr val="333333">
+                  <a:alpha val="100000"/>
+                </a:srgbClr>
+              </a:solidFill>
+              <a:prstDash val="solid"/>
+              <a:round/>
+            </a:ln>
+          </p:spPr>
+          <p:txBody>
+            <a:bodyPr/>
+            <a:lstStyle/>
+            <a:p/>
+          </p:txBody>
+        </p:sp>
+        <p:sp>
+          <p:nvSpPr>
+            <p:cNvPr id="121" name="rc121"/>
+            <p:cNvSpPr/>
+            <p:nvPr/>
+          </p:nvSpPr>
+          <p:spPr>
+            <a:xfrm>
+              <a:off x="4104346" y="5613598"/>
+              <a:ext cx="2908281" cy="358634"/>
+            </a:xfrm>
+            <a:prstGeom prst="rect">
+              <a:avLst/>
+            </a:prstGeom>
+            <a:solidFill>
+              <a:srgbClr val="FFFFFF">
+                <a:alpha val="100000"/>
+              </a:srgbClr>
+            </a:solidFill>
+          </p:spPr>
+          <p:txBody>
+            <a:bodyPr/>
+            <a:lstStyle/>
+            <a:p/>
+          </p:txBody>
+        </p:sp>
+        <p:sp>
+          <p:nvSpPr>
+            <p:cNvPr id="122" name="rc122"/>
+            <p:cNvSpPr/>
+            <p:nvPr/>
+          </p:nvSpPr>
+          <p:spPr>
+            <a:xfrm>
+              <a:off x="4243524" y="5683187"/>
+              <a:ext cx="219455" cy="219455"/>
+            </a:xfrm>
+            <a:prstGeom prst="rect">
+              <a:avLst/>
+            </a:prstGeom>
+            <a:solidFill>
+              <a:srgbClr val="FFFFFF">
+                <a:alpha val="100000"/>
+              </a:srgbClr>
+            </a:solidFill>
+          </p:spPr>
+          <p:txBody>
+            <a:bodyPr/>
+            <a:lstStyle/>
+            <a:p/>
+          </p:txBody>
+        </p:sp>
+        <p:sp>
+          <p:nvSpPr>
+            <p:cNvPr id="123" name="rc123"/>
+            <p:cNvSpPr/>
+            <p:nvPr/>
+          </p:nvSpPr>
+          <p:spPr>
+            <a:xfrm>
+              <a:off x="4252524" y="5692187"/>
+              <a:ext cx="201456" cy="201456"/>
+            </a:xfrm>
+            <a:prstGeom prst="rect">
+              <a:avLst/>
+            </a:prstGeom>
+            <a:solidFill>
+              <a:srgbClr val="FEE5D9">
+                <a:alpha val="100000"/>
+              </a:srgbClr>
+            </a:solidFill>
+          </p:spPr>
+          <p:txBody>
+            <a:bodyPr/>
+            <a:lstStyle/>
+            <a:p/>
+          </p:txBody>
+        </p:sp>
+        <p:sp>
+          <p:nvSpPr>
+            <p:cNvPr id="124" name="rc124"/>
+            <p:cNvSpPr/>
+            <p:nvPr/>
+          </p:nvSpPr>
+          <p:spPr>
+            <a:xfrm>
+              <a:off x="4888137" y="5683187"/>
+              <a:ext cx="219455" cy="219455"/>
+            </a:xfrm>
+            <a:prstGeom prst="rect">
+              <a:avLst/>
+            </a:prstGeom>
+            <a:solidFill>
+              <a:srgbClr val="FFFFFF">
+                <a:alpha val="100000"/>
+              </a:srgbClr>
+            </a:solidFill>
+          </p:spPr>
+          <p:txBody>
+            <a:bodyPr/>
+            <a:lstStyle/>
+            <a:p/>
+          </p:txBody>
+        </p:sp>
+        <p:sp>
+          <p:nvSpPr>
+            <p:cNvPr id="125" name="rc125"/>
+            <p:cNvSpPr/>
+            <p:nvPr/>
+          </p:nvSpPr>
+          <p:spPr>
+            <a:xfrm>
+              <a:off x="4897137" y="5692187"/>
+              <a:ext cx="201455" cy="201456"/>
+            </a:xfrm>
+            <a:prstGeom prst="rect">
+              <a:avLst/>
+            </a:prstGeom>
+            <a:solidFill>
+              <a:srgbClr val="FCAE91">
+                <a:alpha val="100000"/>
+              </a:srgbClr>
+            </a:solidFill>
+          </p:spPr>
+          <p:txBody>
+            <a:bodyPr/>
+            <a:lstStyle/>
+            <a:p/>
+          </p:txBody>
+        </p:sp>
+        <p:sp>
+          <p:nvSpPr>
+            <p:cNvPr id="126" name="rc126"/>
+            <p:cNvSpPr/>
+            <p:nvPr/>
+          </p:nvSpPr>
+          <p:spPr>
+            <a:xfrm>
+              <a:off x="5723402" y="5683187"/>
+              <a:ext cx="219455" cy="219455"/>
+            </a:xfrm>
+            <a:prstGeom prst="rect">
+              <a:avLst/>
+            </a:prstGeom>
+            <a:solidFill>
+              <a:srgbClr val="FFFFFF">
+                <a:alpha val="100000"/>
+              </a:srgbClr>
+            </a:solidFill>
+          </p:spPr>
+          <p:txBody>
+            <a:bodyPr/>
+            <a:lstStyle/>
+            <a:p/>
+          </p:txBody>
+        </p:sp>
+        <p:sp>
+          <p:nvSpPr>
+            <p:cNvPr id="127" name="rc127"/>
+            <p:cNvSpPr/>
+            <p:nvPr/>
+          </p:nvSpPr>
+          <p:spPr>
+            <a:xfrm>
+              <a:off x="5732402" y="5692187"/>
+              <a:ext cx="201456" cy="201456"/>
+            </a:xfrm>
+            <a:prstGeom prst="rect">
+              <a:avLst/>
+            </a:prstGeom>
+            <a:solidFill>
+              <a:srgbClr val="FB6A4A">
+                <a:alpha val="100000"/>
+              </a:srgbClr>
+            </a:solidFill>
+          </p:spPr>
+          <p:txBody>
+            <a:bodyPr/>
+            <a:lstStyle/>
+            <a:p/>
+          </p:txBody>
+        </p:sp>
+        <p:sp>
+          <p:nvSpPr>
+            <p:cNvPr id="128" name="rc128"/>
+            <p:cNvSpPr/>
+            <p:nvPr/>
+          </p:nvSpPr>
+          <p:spPr>
+            <a:xfrm>
+              <a:off x="6272688" y="5683187"/>
+              <a:ext cx="219455" cy="219455"/>
+            </a:xfrm>
+            <a:prstGeom prst="rect">
+              <a:avLst/>
+            </a:prstGeom>
+            <a:solidFill>
+              <a:srgbClr val="FFFFFF">
+                <a:alpha val="100000"/>
+              </a:srgbClr>
+            </a:solidFill>
+          </p:spPr>
+          <p:txBody>
+            <a:bodyPr/>
+            <a:lstStyle/>
+            <a:p/>
+          </p:txBody>
+        </p:sp>
+        <p:sp>
+          <p:nvSpPr>
+            <p:cNvPr id="129" name="rc129"/>
+            <p:cNvSpPr/>
+            <p:nvPr/>
+          </p:nvSpPr>
+          <p:spPr>
+            <a:xfrm>
+              <a:off x="6281688" y="5692187"/>
+              <a:ext cx="201456" cy="201456"/>
+            </a:xfrm>
+            <a:prstGeom prst="rect">
+              <a:avLst/>
+            </a:prstGeom>
+            <a:solidFill>
+              <a:srgbClr val="CB181D">
+                <a:alpha val="100000"/>
+              </a:srgbClr>
+            </a:solidFill>
+          </p:spPr>
+          <p:txBody>
+            <a:bodyPr/>
+            <a:lstStyle/>
+            <a:p/>
+          </p:txBody>
+        </p:sp>
+        <p:sp>
+          <p:nvSpPr>
+            <p:cNvPr id="130" name="tx130"/>
+            <p:cNvSpPr/>
+            <p:nvPr/>
+          </p:nvSpPr>
+          <p:spPr>
+            <a:xfrm>
+              <a:off x="4532569" y="5763065"/>
+              <a:ext cx="251460" cy="69850"/>
             </a:xfrm>
             <a:prstGeom prst="rect">
               <a:avLst/>
@@ -5406,28 +7865,28 @@
               <a:r>
                 <a:rPr sz="880">
                   <a:solidFill>
-                    <a:srgbClr val="4D4D4D">
+                    <a:srgbClr val="000000">
                       <a:alpha val="100000"/>
                     </a:srgbClr>
                   </a:solidFill>
                   <a:latin typeface="Arial"/>
                   <a:cs typeface="Arial"/>
                 </a:rPr>
-                <a:t>1500</a:t>
+                <a:t>不必要</a:t>
               </a:r>
             </a:p>
           </p:txBody>
         </p:sp>
         <p:sp>
           <p:nvSpPr>
-            <p:cNvPr id="60" name="tx60"/>
-            <p:cNvSpPr/>
-            <p:nvPr/>
-          </p:nvSpPr>
-          <p:spPr>
-            <a:xfrm>
-              <a:off x="8495815" y="5699866"/>
-              <a:ext cx="248622" cy="81691"/>
+            <p:cNvPr id="131" name="tx131"/>
+            <p:cNvSpPr/>
+            <p:nvPr/>
+          </p:nvSpPr>
+          <p:spPr>
+            <a:xfrm>
+              <a:off x="5177182" y="5763065"/>
+              <a:ext cx="419100" cy="69850"/>
             </a:xfrm>
             <a:prstGeom prst="rect">
               <a:avLst/>
@@ -5452,14 +7911,106 @@
               <a:r>
                 <a:rPr sz="880">
                   <a:solidFill>
-                    <a:srgbClr val="4D4D4D">
+                    <a:srgbClr val="000000">
                       <a:alpha val="100000"/>
                     </a:srgbClr>
                   </a:solidFill>
                   <a:latin typeface="Arial"/>
                   <a:cs typeface="Arial"/>
                 </a:rPr>
-                <a:t>2000</a:t>
+                <a:t>可适度摄入</a:t>
+              </a:r>
+            </a:p>
+          </p:txBody>
+        </p:sp>
+        <p:sp>
+          <p:nvSpPr>
+            <p:cNvPr id="132" name="tx132"/>
+            <p:cNvSpPr/>
+            <p:nvPr/>
+          </p:nvSpPr>
+          <p:spPr>
+            <a:xfrm>
+              <a:off x="6012447" y="5763065"/>
+              <a:ext cx="167640" cy="69850"/>
+            </a:xfrm>
+            <a:prstGeom prst="rect">
+              <a:avLst/>
+            </a:prstGeom>
+            <a:noFill/>
+          </p:spPr>
+          <p:txBody>
+            <a:bodyPr lIns="0" rIns="0" tIns="0" bIns="0" anchorCtr="1" anchor="ctr" wrap="none"/>
+            <a:lstStyle/>
+            <a:p>
+              <a:pPr algn="l" marL="0" marR="0" indent="0">
+                <a:lnSpc>
+                  <a:spcPts val="880"/>
+                </a:lnSpc>
+                <a:spcBef>
+                  <a:spcPts val="0"/>
+                </a:spcBef>
+                <a:spcAft>
+                  <a:spcPts val="0"/>
+                </a:spcAft>
+              </a:pPr>
+              <a:r>
+                <a:rPr sz="880">
+                  <a:solidFill>
+                    <a:srgbClr val="000000">
+                      <a:alpha val="100000"/>
+                    </a:srgbClr>
+                  </a:solidFill>
+                  <a:latin typeface="Arial"/>
+                  <a:cs typeface="Arial"/>
+                </a:rPr>
+                <a:t>必要</a:t>
+              </a:r>
+            </a:p>
+          </p:txBody>
+        </p:sp>
+        <p:sp>
+          <p:nvSpPr>
+            <p:cNvPr id="133" name="tx133"/>
+            <p:cNvSpPr/>
+            <p:nvPr/>
+          </p:nvSpPr>
+          <p:spPr>
+            <a:xfrm>
+              <a:off x="6561733" y="5763065"/>
+              <a:ext cx="335280" cy="69850"/>
+            </a:xfrm>
+            <a:prstGeom prst="rect">
+              <a:avLst/>
+            </a:prstGeom>
+            <a:noFill/>
+          </p:spPr>
+          <p:txBody>
+            <a:bodyPr lIns="0" rIns="0" tIns="0" bIns="0" anchorCtr="1" anchor="ctr" wrap="none"/>
+            <a:lstStyle/>
+            <a:p>
+              <a:pPr algn="l" marL="0" marR="0" indent="0">
+                <a:lnSpc>
+                  <a:spcPts val="880"/>
+                </a:lnSpc>
+                <a:spcBef>
+                  <a:spcPts val="0"/>
+                </a:spcBef>
+                <a:spcAft>
+                  <a:spcPts val="0"/>
+                </a:spcAft>
+              </a:pPr>
+              <a:r>
+                <a:rPr sz="880">
+                  <a:solidFill>
+                    <a:srgbClr val="000000">
+                      <a:alpha val="100000"/>
+                    </a:srgbClr>
+                  </a:solidFill>
+                  <a:latin typeface="Arial"/>
+                  <a:cs typeface="Arial"/>
+                </a:rPr>
+                <a:t>非常必要</a:t>
               </a:r>
             </a:p>
           </p:txBody>

--- a/_book/plot/unnamed-chunk-41-1.pptx
+++ b/_book/plot/unnamed-chunk-41-1.pptx
@@ -3218,7 +3218,7 @@
           </p:nvSpPr>
           <p:spPr>
             <a:xfrm>
-              <a:off x="2179881" y="4517754"/>
+              <a:off x="2179881" y="4666610"/>
               <a:ext cx="1295770" cy="0"/>
             </a:xfrm>
             <a:custGeom>
@@ -3261,7 +3261,7 @@
           </p:nvSpPr>
           <p:spPr>
             <a:xfrm>
-              <a:off x="2179881" y="3320062"/>
+              <a:off x="2179881" y="3766630"/>
               <a:ext cx="1295770" cy="0"/>
             </a:xfrm>
             <a:custGeom>
@@ -3304,7 +3304,7 @@
           </p:nvSpPr>
           <p:spPr>
             <a:xfrm>
-              <a:off x="2179881" y="2122369"/>
+              <a:off x="2179881" y="2866650"/>
               <a:ext cx="1295770" cy="0"/>
             </a:xfrm>
             <a:custGeom>
@@ -3347,6 +3347,49 @@
           </p:nvSpPr>
           <p:spPr>
             <a:xfrm>
+              <a:off x="2179881" y="1966669"/>
+              <a:ext cx="1295770" cy="0"/>
+            </a:xfrm>
+            <a:custGeom>
+              <a:avLst/>
+              <a:pathLst>
+                <a:path w="1295770" h="0">
+                  <a:moveTo>
+                    <a:pt x="0" y="0"/>
+                  </a:moveTo>
+                  <a:lnTo>
+                    <a:pt x="1295770" y="0"/>
+                  </a:lnTo>
+                  <a:lnTo>
+                    <a:pt x="1295770" y="0"/>
+                  </a:lnTo>
+                </a:path>
+              </a:pathLst>
+            </a:custGeom>
+            <a:ln w="6775" cap="flat">
+              <a:solidFill>
+                <a:srgbClr val="EBEBEB">
+                  <a:alpha val="100000"/>
+                </a:srgbClr>
+              </a:solidFill>
+              <a:prstDash val="solid"/>
+              <a:round/>
+            </a:ln>
+          </p:spPr>
+          <p:txBody>
+            <a:bodyPr/>
+            <a:lstStyle/>
+            <a:p/>
+          </p:txBody>
+        </p:sp>
+        <p:sp>
+          <p:nvSpPr>
+            <p:cNvPr id="10" name="pl10"/>
+            <p:cNvSpPr/>
+            <p:nvPr/>
+          </p:nvSpPr>
+          <p:spPr>
+            <a:xfrm>
               <a:off x="2179881" y="5116600"/>
               <a:ext cx="1295770" cy="0"/>
             </a:xfrm>
@@ -3384,13 +3427,13 @@
         </p:sp>
         <p:sp>
           <p:nvSpPr>
-            <p:cNvPr id="10" name="pl10"/>
-            <p:cNvSpPr/>
-            <p:nvPr/>
-          </p:nvSpPr>
-          <p:spPr>
-            <a:xfrm>
-              <a:off x="2179881" y="3918908"/>
+            <p:cNvPr id="11" name="pl11"/>
+            <p:cNvSpPr/>
+            <p:nvPr/>
+          </p:nvSpPr>
+          <p:spPr>
+            <a:xfrm>
+              <a:off x="2179881" y="4216620"/>
               <a:ext cx="1295770" cy="0"/>
             </a:xfrm>
             <a:custGeom>
@@ -3427,13 +3470,13 @@
         </p:sp>
         <p:sp>
           <p:nvSpPr>
-            <p:cNvPr id="11" name="pl11"/>
-            <p:cNvSpPr/>
-            <p:nvPr/>
-          </p:nvSpPr>
-          <p:spPr>
-            <a:xfrm>
-              <a:off x="2179881" y="2721215"/>
+            <p:cNvPr id="12" name="pl12"/>
+            <p:cNvSpPr/>
+            <p:nvPr/>
+          </p:nvSpPr>
+          <p:spPr>
+            <a:xfrm>
+              <a:off x="2179881" y="3316640"/>
               <a:ext cx="1295770" cy="0"/>
             </a:xfrm>
             <a:custGeom>
@@ -3470,13 +3513,56 @@
         </p:sp>
         <p:sp>
           <p:nvSpPr>
-            <p:cNvPr id="12" name="pl12"/>
-            <p:cNvSpPr/>
-            <p:nvPr/>
-          </p:nvSpPr>
-          <p:spPr>
-            <a:xfrm>
-              <a:off x="2364991" y="1809173"/>
+            <p:cNvPr id="13" name="pl13"/>
+            <p:cNvSpPr/>
+            <p:nvPr/>
+          </p:nvSpPr>
+          <p:spPr>
+            <a:xfrm>
+              <a:off x="2179881" y="2416659"/>
+              <a:ext cx="1295770" cy="0"/>
+            </a:xfrm>
+            <a:custGeom>
+              <a:avLst/>
+              <a:pathLst>
+                <a:path w="1295770" h="0">
+                  <a:moveTo>
+                    <a:pt x="0" y="0"/>
+                  </a:moveTo>
+                  <a:lnTo>
+                    <a:pt x="1295770" y="0"/>
+                  </a:lnTo>
+                  <a:lnTo>
+                    <a:pt x="1295770" y="0"/>
+                  </a:lnTo>
+                </a:path>
+              </a:pathLst>
+            </a:custGeom>
+            <a:ln w="13550" cap="flat">
+              <a:solidFill>
+                <a:srgbClr val="EBEBEB">
+                  <a:alpha val="100000"/>
+                </a:srgbClr>
+              </a:solidFill>
+              <a:prstDash val="solid"/>
+              <a:round/>
+            </a:ln>
+          </p:spPr>
+          <p:txBody>
+            <a:bodyPr/>
+            <a:lstStyle/>
+            <a:p/>
+          </p:txBody>
+        </p:sp>
+        <p:sp>
+          <p:nvSpPr>
+            <p:cNvPr id="14" name="pl14"/>
+            <p:cNvSpPr/>
+            <p:nvPr/>
+          </p:nvSpPr>
+          <p:spPr>
+            <a:xfrm>
+              <a:off x="2422838" y="1809173"/>
               <a:ext cx="0" cy="3464924"/>
             </a:xfrm>
             <a:custGeom>
@@ -3513,13 +3599,13 @@
         </p:sp>
         <p:sp>
           <p:nvSpPr>
-            <p:cNvPr id="13" name="pl13"/>
-            <p:cNvSpPr/>
-            <p:nvPr/>
-          </p:nvSpPr>
-          <p:spPr>
-            <a:xfrm>
-              <a:off x="2673508" y="1809173"/>
+            <p:cNvPr id="15" name="pl15"/>
+            <p:cNvSpPr/>
+            <p:nvPr/>
+          </p:nvSpPr>
+          <p:spPr>
+            <a:xfrm>
+              <a:off x="2827767" y="1809173"/>
               <a:ext cx="0" cy="3464924"/>
             </a:xfrm>
             <a:custGeom>
@@ -3556,13 +3642,13 @@
         </p:sp>
         <p:sp>
           <p:nvSpPr>
-            <p:cNvPr id="14" name="pl14"/>
-            <p:cNvSpPr/>
-            <p:nvPr/>
-          </p:nvSpPr>
-          <p:spPr>
-            <a:xfrm>
-              <a:off x="2982025" y="1809173"/>
+            <p:cNvPr id="16" name="pl16"/>
+            <p:cNvSpPr/>
+            <p:nvPr/>
+          </p:nvSpPr>
+          <p:spPr>
+            <a:xfrm>
+              <a:off x="3232695" y="1809173"/>
               <a:ext cx="0" cy="3464924"/>
             </a:xfrm>
             <a:custGeom>
@@ -3599,63 +3685,20 @@
         </p:sp>
         <p:sp>
           <p:nvSpPr>
-            <p:cNvPr id="15" name="pl15"/>
-            <p:cNvSpPr/>
-            <p:nvPr/>
-          </p:nvSpPr>
-          <p:spPr>
-            <a:xfrm>
-              <a:off x="3290542" y="1809173"/>
-              <a:ext cx="0" cy="3464924"/>
-            </a:xfrm>
-            <a:custGeom>
-              <a:avLst/>
-              <a:pathLst>
-                <a:path w="0" h="3464924">
-                  <a:moveTo>
-                    <a:pt x="0" y="3464924"/>
-                  </a:moveTo>
-                  <a:lnTo>
-                    <a:pt x="0" y="0"/>
-                  </a:lnTo>
-                  <a:lnTo>
-                    <a:pt x="0" y="0"/>
-                  </a:lnTo>
-                </a:path>
-              </a:pathLst>
-            </a:custGeom>
-            <a:ln w="13550" cap="flat">
-              <a:solidFill>
-                <a:srgbClr val="EBEBEB">
-                  <a:alpha val="100000"/>
-                </a:srgbClr>
-              </a:solidFill>
-              <a:prstDash val="solid"/>
-              <a:round/>
-            </a:ln>
-          </p:spPr>
-          <p:txBody>
-            <a:bodyPr/>
-            <a:lstStyle/>
-            <a:p/>
-          </p:txBody>
-        </p:sp>
-        <p:sp>
-          <p:nvSpPr>
-            <p:cNvPr id="16" name="rc16"/>
-            <p:cNvSpPr/>
-            <p:nvPr/>
-          </p:nvSpPr>
-          <p:spPr>
-            <a:xfrm>
-              <a:off x="2226159" y="4709385"/>
-              <a:ext cx="277665" cy="407215"/>
+            <p:cNvPr id="17" name="rc17"/>
+            <p:cNvSpPr/>
+            <p:nvPr/>
+          </p:nvSpPr>
+          <p:spPr>
+            <a:xfrm>
+              <a:off x="2240620" y="5035602"/>
+              <a:ext cx="364435" cy="80998"/>
             </a:xfrm>
             <a:prstGeom prst="rect">
               <a:avLst/>
             </a:prstGeom>
             <a:solidFill>
-              <a:srgbClr val="FEE5D9">
+              <a:srgbClr val="FEE0D2">
                 <a:alpha val="100000"/>
               </a:srgbClr>
             </a:solidFill>
@@ -3668,20 +3711,20 @@
         </p:sp>
         <p:sp>
           <p:nvSpPr>
-            <p:cNvPr id="17" name="rc17"/>
-            <p:cNvSpPr/>
-            <p:nvPr/>
-          </p:nvSpPr>
-          <p:spPr>
-            <a:xfrm>
-              <a:off x="2534676" y="1966669"/>
-              <a:ext cx="277665" cy="3149931"/>
+            <p:cNvPr id="18" name="rc18"/>
+            <p:cNvSpPr/>
+            <p:nvPr/>
+          </p:nvSpPr>
+          <p:spPr>
+            <a:xfrm>
+              <a:off x="2645549" y="4387616"/>
+              <a:ext cx="364435" cy="728984"/>
             </a:xfrm>
             <a:prstGeom prst="rect">
               <a:avLst/>
             </a:prstGeom>
             <a:solidFill>
-              <a:srgbClr val="FCAE91">
+              <a:srgbClr val="FC9272">
                 <a:alpha val="100000"/>
               </a:srgbClr>
             </a:solidFill>
@@ -3694,46 +3737,20 @@
         </p:sp>
         <p:sp>
           <p:nvSpPr>
-            <p:cNvPr id="18" name="rc18"/>
-            <p:cNvSpPr/>
-            <p:nvPr/>
-          </p:nvSpPr>
-          <p:spPr>
-            <a:xfrm>
-              <a:off x="2843193" y="4146469"/>
-              <a:ext cx="277665" cy="970130"/>
+            <p:cNvPr id="19" name="rc19"/>
+            <p:cNvSpPr/>
+            <p:nvPr/>
+          </p:nvSpPr>
+          <p:spPr>
+            <a:xfrm>
+              <a:off x="3050477" y="1966669"/>
+              <a:ext cx="364435" cy="3149931"/>
             </a:xfrm>
             <a:prstGeom prst="rect">
               <a:avLst/>
             </a:prstGeom>
             <a:solidFill>
-              <a:srgbClr val="FB6A4A">
-                <a:alpha val="100000"/>
-              </a:srgbClr>
-            </a:solidFill>
-          </p:spPr>
-          <p:txBody>
-            <a:bodyPr/>
-            <a:lstStyle/>
-            <a:p/>
-          </p:txBody>
-        </p:sp>
-        <p:sp>
-          <p:nvSpPr>
-            <p:cNvPr id="19" name="rc19"/>
-            <p:cNvSpPr/>
-            <p:nvPr/>
-          </p:nvSpPr>
-          <p:spPr>
-            <a:xfrm>
-              <a:off x="3151709" y="4374031"/>
-              <a:ext cx="277665" cy="742569"/>
-            </a:xfrm>
-            <a:prstGeom prst="rect">
-              <a:avLst/>
-            </a:prstGeom>
-            <a:solidFill>
-              <a:srgbClr val="CB181D">
+              <a:srgbClr val="DE2D26">
                 <a:alpha val="100000"/>
               </a:srgbClr>
             </a:solidFill>
@@ -3808,7 +3825,7 @@
           </p:nvSpPr>
           <p:spPr>
             <a:xfrm>
-              <a:off x="3545241" y="4517754"/>
+              <a:off x="3545241" y="4666610"/>
               <a:ext cx="1295770" cy="0"/>
             </a:xfrm>
             <a:custGeom>
@@ -3851,7 +3868,7 @@
           </p:nvSpPr>
           <p:spPr>
             <a:xfrm>
-              <a:off x="3545241" y="3320062"/>
+              <a:off x="3545241" y="3766630"/>
               <a:ext cx="1295770" cy="0"/>
             </a:xfrm>
             <a:custGeom>
@@ -3894,7 +3911,7 @@
           </p:nvSpPr>
           <p:spPr>
             <a:xfrm>
-              <a:off x="3545241" y="2122369"/>
+              <a:off x="3545241" y="2866650"/>
               <a:ext cx="1295770" cy="0"/>
             </a:xfrm>
             <a:custGeom>
@@ -3937,6 +3954,49 @@
           </p:nvSpPr>
           <p:spPr>
             <a:xfrm>
+              <a:off x="3545241" y="1966669"/>
+              <a:ext cx="1295770" cy="0"/>
+            </a:xfrm>
+            <a:custGeom>
+              <a:avLst/>
+              <a:pathLst>
+                <a:path w="1295770" h="0">
+                  <a:moveTo>
+                    <a:pt x="0" y="0"/>
+                  </a:moveTo>
+                  <a:lnTo>
+                    <a:pt x="1295770" y="0"/>
+                  </a:lnTo>
+                  <a:lnTo>
+                    <a:pt x="1295770" y="0"/>
+                  </a:lnTo>
+                </a:path>
+              </a:pathLst>
+            </a:custGeom>
+            <a:ln w="6775" cap="flat">
+              <a:solidFill>
+                <a:srgbClr val="EBEBEB">
+                  <a:alpha val="100000"/>
+                </a:srgbClr>
+              </a:solidFill>
+              <a:prstDash val="solid"/>
+              <a:round/>
+            </a:ln>
+          </p:spPr>
+          <p:txBody>
+            <a:bodyPr/>
+            <a:lstStyle/>
+            <a:p/>
+          </p:txBody>
+        </p:sp>
+        <p:sp>
+          <p:nvSpPr>
+            <p:cNvPr id="26" name="pl26"/>
+            <p:cNvSpPr/>
+            <p:nvPr/>
+          </p:nvSpPr>
+          <p:spPr>
+            <a:xfrm>
               <a:off x="3545241" y="5116600"/>
               <a:ext cx="1295770" cy="0"/>
             </a:xfrm>
@@ -3974,13 +4034,13 @@
         </p:sp>
         <p:sp>
           <p:nvSpPr>
-            <p:cNvPr id="26" name="pl26"/>
-            <p:cNvSpPr/>
-            <p:nvPr/>
-          </p:nvSpPr>
-          <p:spPr>
-            <a:xfrm>
-              <a:off x="3545241" y="3918908"/>
+            <p:cNvPr id="27" name="pl27"/>
+            <p:cNvSpPr/>
+            <p:nvPr/>
+          </p:nvSpPr>
+          <p:spPr>
+            <a:xfrm>
+              <a:off x="3545241" y="4216620"/>
               <a:ext cx="1295770" cy="0"/>
             </a:xfrm>
             <a:custGeom>
@@ -4017,13 +4077,13 @@
         </p:sp>
         <p:sp>
           <p:nvSpPr>
-            <p:cNvPr id="27" name="pl27"/>
-            <p:cNvSpPr/>
-            <p:nvPr/>
-          </p:nvSpPr>
-          <p:spPr>
-            <a:xfrm>
-              <a:off x="3545241" y="2721215"/>
+            <p:cNvPr id="28" name="pl28"/>
+            <p:cNvSpPr/>
+            <p:nvPr/>
+          </p:nvSpPr>
+          <p:spPr>
+            <a:xfrm>
+              <a:off x="3545241" y="3316640"/>
               <a:ext cx="1295770" cy="0"/>
             </a:xfrm>
             <a:custGeom>
@@ -4060,13 +4120,56 @@
         </p:sp>
         <p:sp>
           <p:nvSpPr>
-            <p:cNvPr id="28" name="pl28"/>
-            <p:cNvSpPr/>
-            <p:nvPr/>
-          </p:nvSpPr>
-          <p:spPr>
-            <a:xfrm>
-              <a:off x="3730351" y="1809173"/>
+            <p:cNvPr id="29" name="pl29"/>
+            <p:cNvSpPr/>
+            <p:nvPr/>
+          </p:nvSpPr>
+          <p:spPr>
+            <a:xfrm>
+              <a:off x="3545241" y="2416659"/>
+              <a:ext cx="1295770" cy="0"/>
+            </a:xfrm>
+            <a:custGeom>
+              <a:avLst/>
+              <a:pathLst>
+                <a:path w="1295770" h="0">
+                  <a:moveTo>
+                    <a:pt x="0" y="0"/>
+                  </a:moveTo>
+                  <a:lnTo>
+                    <a:pt x="1295770" y="0"/>
+                  </a:lnTo>
+                  <a:lnTo>
+                    <a:pt x="1295770" y="0"/>
+                  </a:lnTo>
+                </a:path>
+              </a:pathLst>
+            </a:custGeom>
+            <a:ln w="13550" cap="flat">
+              <a:solidFill>
+                <a:srgbClr val="EBEBEB">
+                  <a:alpha val="100000"/>
+                </a:srgbClr>
+              </a:solidFill>
+              <a:prstDash val="solid"/>
+              <a:round/>
+            </a:ln>
+          </p:spPr>
+          <p:txBody>
+            <a:bodyPr/>
+            <a:lstStyle/>
+            <a:p/>
+          </p:txBody>
+        </p:sp>
+        <p:sp>
+          <p:nvSpPr>
+            <p:cNvPr id="30" name="pl30"/>
+            <p:cNvSpPr/>
+            <p:nvPr/>
+          </p:nvSpPr>
+          <p:spPr>
+            <a:xfrm>
+              <a:off x="3788198" y="1809173"/>
               <a:ext cx="0" cy="3464924"/>
             </a:xfrm>
             <a:custGeom>
@@ -4103,13 +4206,13 @@
         </p:sp>
         <p:sp>
           <p:nvSpPr>
-            <p:cNvPr id="29" name="pl29"/>
-            <p:cNvSpPr/>
-            <p:nvPr/>
-          </p:nvSpPr>
-          <p:spPr>
-            <a:xfrm>
-              <a:off x="4038868" y="1809173"/>
+            <p:cNvPr id="31" name="pl31"/>
+            <p:cNvSpPr/>
+            <p:nvPr/>
+          </p:nvSpPr>
+          <p:spPr>
+            <a:xfrm>
+              <a:off x="4193127" y="1809173"/>
               <a:ext cx="0" cy="3464924"/>
             </a:xfrm>
             <a:custGeom>
@@ -4146,13 +4249,13 @@
         </p:sp>
         <p:sp>
           <p:nvSpPr>
-            <p:cNvPr id="30" name="pl30"/>
-            <p:cNvSpPr/>
-            <p:nvPr/>
-          </p:nvSpPr>
-          <p:spPr>
-            <a:xfrm>
-              <a:off x="4347385" y="1809173"/>
+            <p:cNvPr id="32" name="pl32"/>
+            <p:cNvSpPr/>
+            <p:nvPr/>
+          </p:nvSpPr>
+          <p:spPr>
+            <a:xfrm>
+              <a:off x="4598055" y="1809173"/>
               <a:ext cx="0" cy="3464924"/>
             </a:xfrm>
             <a:custGeom>
@@ -4189,63 +4292,20 @@
         </p:sp>
         <p:sp>
           <p:nvSpPr>
-            <p:cNvPr id="31" name="pl31"/>
-            <p:cNvSpPr/>
-            <p:nvPr/>
-          </p:nvSpPr>
-          <p:spPr>
-            <a:xfrm>
-              <a:off x="4655902" y="1809173"/>
-              <a:ext cx="0" cy="3464924"/>
-            </a:xfrm>
-            <a:custGeom>
-              <a:avLst/>
-              <a:pathLst>
-                <a:path w="0" h="3464924">
-                  <a:moveTo>
-                    <a:pt x="0" y="3464924"/>
-                  </a:moveTo>
-                  <a:lnTo>
-                    <a:pt x="0" y="0"/>
-                  </a:lnTo>
-                  <a:lnTo>
-                    <a:pt x="0" y="0"/>
-                  </a:lnTo>
-                </a:path>
-              </a:pathLst>
-            </a:custGeom>
-            <a:ln w="13550" cap="flat">
-              <a:solidFill>
-                <a:srgbClr val="EBEBEB">
-                  <a:alpha val="100000"/>
-                </a:srgbClr>
-              </a:solidFill>
-              <a:prstDash val="solid"/>
-              <a:round/>
-            </a:ln>
-          </p:spPr>
-          <p:txBody>
-            <a:bodyPr/>
-            <a:lstStyle/>
-            <a:p/>
-          </p:txBody>
-        </p:sp>
-        <p:sp>
-          <p:nvSpPr>
-            <p:cNvPr id="32" name="rc32"/>
-            <p:cNvSpPr/>
-            <p:nvPr/>
-          </p:nvSpPr>
-          <p:spPr>
-            <a:xfrm>
-              <a:off x="3591519" y="4793223"/>
-              <a:ext cx="277665" cy="323376"/>
+            <p:cNvPr id="33" name="rc33"/>
+            <p:cNvSpPr/>
+            <p:nvPr/>
+          </p:nvSpPr>
+          <p:spPr>
+            <a:xfrm>
+              <a:off x="3605980" y="5071601"/>
+              <a:ext cx="364435" cy="44999"/>
             </a:xfrm>
             <a:prstGeom prst="rect">
               <a:avLst/>
             </a:prstGeom>
             <a:solidFill>
-              <a:srgbClr val="FEE5D9">
+              <a:srgbClr val="FEE0D2">
                 <a:alpha val="100000"/>
               </a:srgbClr>
             </a:solidFill>
@@ -4258,20 +4318,20 @@
         </p:sp>
         <p:sp>
           <p:nvSpPr>
-            <p:cNvPr id="33" name="rc33"/>
-            <p:cNvSpPr/>
-            <p:nvPr/>
-          </p:nvSpPr>
-          <p:spPr>
-            <a:xfrm>
-              <a:off x="3900036" y="3547623"/>
-              <a:ext cx="277665" cy="1568977"/>
+            <p:cNvPr id="34" name="rc34"/>
+            <p:cNvSpPr/>
+            <p:nvPr/>
+          </p:nvSpPr>
+          <p:spPr>
+            <a:xfrm>
+              <a:off x="4010909" y="4747608"/>
+              <a:ext cx="364435" cy="368991"/>
             </a:xfrm>
             <a:prstGeom prst="rect">
               <a:avLst/>
             </a:prstGeom>
             <a:solidFill>
-              <a:srgbClr val="FCAE91">
+              <a:srgbClr val="FC9272">
                 <a:alpha val="100000"/>
               </a:srgbClr>
             </a:solidFill>
@@ -4284,46 +4344,20 @@
         </p:sp>
         <p:sp>
           <p:nvSpPr>
-            <p:cNvPr id="34" name="rc34"/>
-            <p:cNvSpPr/>
-            <p:nvPr/>
-          </p:nvSpPr>
-          <p:spPr>
-            <a:xfrm>
-              <a:off x="4208552" y="4565662"/>
-              <a:ext cx="277665" cy="550938"/>
+            <p:cNvPr id="35" name="rc35"/>
+            <p:cNvSpPr/>
+            <p:nvPr/>
+          </p:nvSpPr>
+          <p:spPr>
+            <a:xfrm>
+              <a:off x="4415837" y="3199642"/>
+              <a:ext cx="364435" cy="1916958"/>
             </a:xfrm>
             <a:prstGeom prst="rect">
               <a:avLst/>
             </a:prstGeom>
             <a:solidFill>
-              <a:srgbClr val="FB6A4A">
-                <a:alpha val="100000"/>
-              </a:srgbClr>
-            </a:solidFill>
-          </p:spPr>
-          <p:txBody>
-            <a:bodyPr/>
-            <a:lstStyle/>
-            <a:p/>
-          </p:txBody>
-        </p:sp>
-        <p:sp>
-          <p:nvSpPr>
-            <p:cNvPr id="35" name="rc35"/>
-            <p:cNvSpPr/>
-            <p:nvPr/>
-          </p:nvSpPr>
-          <p:spPr>
-            <a:xfrm>
-              <a:off x="4517069" y="4457870"/>
-              <a:ext cx="277665" cy="658730"/>
-            </a:xfrm>
-            <a:prstGeom prst="rect">
-              <a:avLst/>
-            </a:prstGeom>
-            <a:solidFill>
-              <a:srgbClr val="CB181D">
+              <a:srgbClr val="DE2D26">
                 <a:alpha val="100000"/>
               </a:srgbClr>
             </a:solidFill>
@@ -4398,7 +4432,7 @@
           </p:nvSpPr>
           <p:spPr>
             <a:xfrm>
-              <a:off x="4910601" y="4517754"/>
+              <a:off x="4910601" y="4666610"/>
               <a:ext cx="1295770" cy="0"/>
             </a:xfrm>
             <a:custGeom>
@@ -4441,7 +4475,7 @@
           </p:nvSpPr>
           <p:spPr>
             <a:xfrm>
-              <a:off x="4910601" y="3320062"/>
+              <a:off x="4910601" y="3766630"/>
               <a:ext cx="1295770" cy="0"/>
             </a:xfrm>
             <a:custGeom>
@@ -4484,7 +4518,7 @@
           </p:nvSpPr>
           <p:spPr>
             <a:xfrm>
-              <a:off x="4910601" y="2122369"/>
+              <a:off x="4910601" y="2866650"/>
               <a:ext cx="1295770" cy="0"/>
             </a:xfrm>
             <a:custGeom>
@@ -4527,6 +4561,49 @@
           </p:nvSpPr>
           <p:spPr>
             <a:xfrm>
+              <a:off x="4910601" y="1966669"/>
+              <a:ext cx="1295770" cy="0"/>
+            </a:xfrm>
+            <a:custGeom>
+              <a:avLst/>
+              <a:pathLst>
+                <a:path w="1295770" h="0">
+                  <a:moveTo>
+                    <a:pt x="0" y="0"/>
+                  </a:moveTo>
+                  <a:lnTo>
+                    <a:pt x="1295770" y="0"/>
+                  </a:lnTo>
+                  <a:lnTo>
+                    <a:pt x="1295770" y="0"/>
+                  </a:lnTo>
+                </a:path>
+              </a:pathLst>
+            </a:custGeom>
+            <a:ln w="6775" cap="flat">
+              <a:solidFill>
+                <a:srgbClr val="EBEBEB">
+                  <a:alpha val="100000"/>
+                </a:srgbClr>
+              </a:solidFill>
+              <a:prstDash val="solid"/>
+              <a:round/>
+            </a:ln>
+          </p:spPr>
+          <p:txBody>
+            <a:bodyPr/>
+            <a:lstStyle/>
+            <a:p/>
+          </p:txBody>
+        </p:sp>
+        <p:sp>
+          <p:nvSpPr>
+            <p:cNvPr id="42" name="pl42"/>
+            <p:cNvSpPr/>
+            <p:nvPr/>
+          </p:nvSpPr>
+          <p:spPr>
+            <a:xfrm>
               <a:off x="4910601" y="5116600"/>
               <a:ext cx="1295770" cy="0"/>
             </a:xfrm>
@@ -4564,13 +4641,13 @@
         </p:sp>
         <p:sp>
           <p:nvSpPr>
-            <p:cNvPr id="42" name="pl42"/>
-            <p:cNvSpPr/>
-            <p:nvPr/>
-          </p:nvSpPr>
-          <p:spPr>
-            <a:xfrm>
-              <a:off x="4910601" y="3918908"/>
+            <p:cNvPr id="43" name="pl43"/>
+            <p:cNvSpPr/>
+            <p:nvPr/>
+          </p:nvSpPr>
+          <p:spPr>
+            <a:xfrm>
+              <a:off x="4910601" y="4216620"/>
               <a:ext cx="1295770" cy="0"/>
             </a:xfrm>
             <a:custGeom>
@@ -4607,13 +4684,13 @@
         </p:sp>
         <p:sp>
           <p:nvSpPr>
-            <p:cNvPr id="43" name="pl43"/>
-            <p:cNvSpPr/>
-            <p:nvPr/>
-          </p:nvSpPr>
-          <p:spPr>
-            <a:xfrm>
-              <a:off x="4910601" y="2721215"/>
+            <p:cNvPr id="44" name="pl44"/>
+            <p:cNvSpPr/>
+            <p:nvPr/>
+          </p:nvSpPr>
+          <p:spPr>
+            <a:xfrm>
+              <a:off x="4910601" y="3316640"/>
               <a:ext cx="1295770" cy="0"/>
             </a:xfrm>
             <a:custGeom>
@@ -4650,13 +4727,56 @@
         </p:sp>
         <p:sp>
           <p:nvSpPr>
-            <p:cNvPr id="44" name="pl44"/>
-            <p:cNvSpPr/>
-            <p:nvPr/>
-          </p:nvSpPr>
-          <p:spPr>
-            <a:xfrm>
-              <a:off x="5095711" y="1809173"/>
+            <p:cNvPr id="45" name="pl45"/>
+            <p:cNvSpPr/>
+            <p:nvPr/>
+          </p:nvSpPr>
+          <p:spPr>
+            <a:xfrm>
+              <a:off x="4910601" y="2416659"/>
+              <a:ext cx="1295770" cy="0"/>
+            </a:xfrm>
+            <a:custGeom>
+              <a:avLst/>
+              <a:pathLst>
+                <a:path w="1295770" h="0">
+                  <a:moveTo>
+                    <a:pt x="0" y="0"/>
+                  </a:moveTo>
+                  <a:lnTo>
+                    <a:pt x="1295770" y="0"/>
+                  </a:lnTo>
+                  <a:lnTo>
+                    <a:pt x="1295770" y="0"/>
+                  </a:lnTo>
+                </a:path>
+              </a:pathLst>
+            </a:custGeom>
+            <a:ln w="13550" cap="flat">
+              <a:solidFill>
+                <a:srgbClr val="EBEBEB">
+                  <a:alpha val="100000"/>
+                </a:srgbClr>
+              </a:solidFill>
+              <a:prstDash val="solid"/>
+              <a:round/>
+            </a:ln>
+          </p:spPr>
+          <p:txBody>
+            <a:bodyPr/>
+            <a:lstStyle/>
+            <a:p/>
+          </p:txBody>
+        </p:sp>
+        <p:sp>
+          <p:nvSpPr>
+            <p:cNvPr id="46" name="pl46"/>
+            <p:cNvSpPr/>
+            <p:nvPr/>
+          </p:nvSpPr>
+          <p:spPr>
+            <a:xfrm>
+              <a:off x="5153558" y="1809173"/>
               <a:ext cx="0" cy="3464924"/>
             </a:xfrm>
             <a:custGeom>
@@ -4693,13 +4813,13 @@
         </p:sp>
         <p:sp>
           <p:nvSpPr>
-            <p:cNvPr id="45" name="pl45"/>
-            <p:cNvSpPr/>
-            <p:nvPr/>
-          </p:nvSpPr>
-          <p:spPr>
-            <a:xfrm>
-              <a:off x="5404228" y="1809173"/>
+            <p:cNvPr id="47" name="pl47"/>
+            <p:cNvSpPr/>
+            <p:nvPr/>
+          </p:nvSpPr>
+          <p:spPr>
+            <a:xfrm>
+              <a:off x="5558487" y="1809173"/>
               <a:ext cx="0" cy="3464924"/>
             </a:xfrm>
             <a:custGeom>
@@ -4736,13 +4856,13 @@
         </p:sp>
         <p:sp>
           <p:nvSpPr>
-            <p:cNvPr id="46" name="pl46"/>
-            <p:cNvSpPr/>
-            <p:nvPr/>
-          </p:nvSpPr>
-          <p:spPr>
-            <a:xfrm>
-              <a:off x="5712745" y="1809173"/>
+            <p:cNvPr id="48" name="pl48"/>
+            <p:cNvSpPr/>
+            <p:nvPr/>
+          </p:nvSpPr>
+          <p:spPr>
+            <a:xfrm>
+              <a:off x="5963415" y="1809173"/>
               <a:ext cx="0" cy="3464924"/>
             </a:xfrm>
             <a:custGeom>
@@ -4779,63 +4899,20 @@
         </p:sp>
         <p:sp>
           <p:nvSpPr>
-            <p:cNvPr id="47" name="pl47"/>
-            <p:cNvSpPr/>
-            <p:nvPr/>
-          </p:nvSpPr>
-          <p:spPr>
-            <a:xfrm>
-              <a:off x="6021262" y="1809173"/>
-              <a:ext cx="0" cy="3464924"/>
-            </a:xfrm>
-            <a:custGeom>
-              <a:avLst/>
-              <a:pathLst>
-                <a:path w="0" h="3464924">
-                  <a:moveTo>
-                    <a:pt x="0" y="3464924"/>
-                  </a:moveTo>
-                  <a:lnTo>
-                    <a:pt x="0" y="0"/>
-                  </a:lnTo>
-                  <a:lnTo>
-                    <a:pt x="0" y="0"/>
-                  </a:lnTo>
-                </a:path>
-              </a:pathLst>
-            </a:custGeom>
-            <a:ln w="13550" cap="flat">
-              <a:solidFill>
-                <a:srgbClr val="EBEBEB">
-                  <a:alpha val="100000"/>
-                </a:srgbClr>
-              </a:solidFill>
-              <a:prstDash val="solid"/>
-              <a:round/>
-            </a:ln>
-          </p:spPr>
-          <p:txBody>
-            <a:bodyPr/>
-            <a:lstStyle/>
-            <a:p/>
-          </p:txBody>
-        </p:sp>
-        <p:sp>
-          <p:nvSpPr>
-            <p:cNvPr id="48" name="rc48"/>
-            <p:cNvSpPr/>
-            <p:nvPr/>
-          </p:nvSpPr>
-          <p:spPr>
-            <a:xfrm>
-              <a:off x="4956879" y="5068693"/>
-              <a:ext cx="277665" cy="47907"/>
+            <p:cNvPr id="49" name="rc49"/>
+            <p:cNvSpPr/>
+            <p:nvPr/>
+          </p:nvSpPr>
+          <p:spPr>
+            <a:xfrm>
+              <a:off x="4971340" y="5107601"/>
+              <a:ext cx="364435" cy="8999"/>
             </a:xfrm>
             <a:prstGeom prst="rect">
               <a:avLst/>
             </a:prstGeom>
             <a:solidFill>
-              <a:srgbClr val="FEE5D9">
+              <a:srgbClr val="FEE0D2">
                 <a:alpha val="100000"/>
               </a:srgbClr>
             </a:solidFill>
@@ -4848,20 +4925,20 @@
         </p:sp>
         <p:sp>
           <p:nvSpPr>
-            <p:cNvPr id="49" name="rc49"/>
-            <p:cNvSpPr/>
-            <p:nvPr/>
-          </p:nvSpPr>
-          <p:spPr>
-            <a:xfrm>
-              <a:off x="5265396" y="4685431"/>
-              <a:ext cx="277665" cy="431169"/>
+            <p:cNvPr id="50" name="rc50"/>
+            <p:cNvSpPr/>
+            <p:nvPr/>
+          </p:nvSpPr>
+          <p:spPr>
+            <a:xfrm>
+              <a:off x="5376269" y="4936604"/>
+              <a:ext cx="364435" cy="179996"/>
             </a:xfrm>
             <a:prstGeom prst="rect">
               <a:avLst/>
             </a:prstGeom>
             <a:solidFill>
-              <a:srgbClr val="FCAE91">
+              <a:srgbClr val="FC9272">
                 <a:alpha val="100000"/>
               </a:srgbClr>
             </a:solidFill>
@@ -4874,46 +4951,20 @@
         </p:sp>
         <p:sp>
           <p:nvSpPr>
-            <p:cNvPr id="50" name="rc50"/>
-            <p:cNvSpPr/>
-            <p:nvPr/>
-          </p:nvSpPr>
-          <p:spPr>
-            <a:xfrm>
-              <a:off x="5573912" y="4901016"/>
-              <a:ext cx="277665" cy="215584"/>
+            <p:cNvPr id="51" name="rc51"/>
+            <p:cNvSpPr/>
+            <p:nvPr/>
+          </p:nvSpPr>
+          <p:spPr>
+            <a:xfrm>
+              <a:off x="5781197" y="4531613"/>
+              <a:ext cx="364435" cy="584987"/>
             </a:xfrm>
             <a:prstGeom prst="rect">
               <a:avLst/>
             </a:prstGeom>
             <a:solidFill>
-              <a:srgbClr val="FB6A4A">
-                <a:alpha val="100000"/>
-              </a:srgbClr>
-            </a:solidFill>
-          </p:spPr>
-          <p:txBody>
-            <a:bodyPr/>
-            <a:lstStyle/>
-            <a:p/>
-          </p:txBody>
-        </p:sp>
-        <p:sp>
-          <p:nvSpPr>
-            <p:cNvPr id="51" name="rc51"/>
-            <p:cNvSpPr/>
-            <p:nvPr/>
-          </p:nvSpPr>
-          <p:spPr>
-            <a:xfrm>
-              <a:off x="5882429" y="4781246"/>
-              <a:ext cx="277665" cy="335353"/>
-            </a:xfrm>
-            <a:prstGeom prst="rect">
-              <a:avLst/>
-            </a:prstGeom>
-            <a:solidFill>
-              <a:srgbClr val="CB181D">
+              <a:srgbClr val="DE2D26">
                 <a:alpha val="100000"/>
               </a:srgbClr>
             </a:solidFill>
@@ -4988,7 +5039,7 @@
           </p:nvSpPr>
           <p:spPr>
             <a:xfrm>
-              <a:off x="6275961" y="4517754"/>
+              <a:off x="6275961" y="4666610"/>
               <a:ext cx="1295770" cy="0"/>
             </a:xfrm>
             <a:custGeom>
@@ -5031,7 +5082,7 @@
           </p:nvSpPr>
           <p:spPr>
             <a:xfrm>
-              <a:off x="6275961" y="3320062"/>
+              <a:off x="6275961" y="3766630"/>
               <a:ext cx="1295770" cy="0"/>
             </a:xfrm>
             <a:custGeom>
@@ -5074,7 +5125,7 @@
           </p:nvSpPr>
           <p:spPr>
             <a:xfrm>
-              <a:off x="6275961" y="2122369"/>
+              <a:off x="6275961" y="2866650"/>
               <a:ext cx="1295770" cy="0"/>
             </a:xfrm>
             <a:custGeom>
@@ -5117,6 +5168,49 @@
           </p:nvSpPr>
           <p:spPr>
             <a:xfrm>
+              <a:off x="6275961" y="1966669"/>
+              <a:ext cx="1295770" cy="0"/>
+            </a:xfrm>
+            <a:custGeom>
+              <a:avLst/>
+              <a:pathLst>
+                <a:path w="1295770" h="0">
+                  <a:moveTo>
+                    <a:pt x="0" y="0"/>
+                  </a:moveTo>
+                  <a:lnTo>
+                    <a:pt x="1295770" y="0"/>
+                  </a:lnTo>
+                  <a:lnTo>
+                    <a:pt x="1295770" y="0"/>
+                  </a:lnTo>
+                </a:path>
+              </a:pathLst>
+            </a:custGeom>
+            <a:ln w="6775" cap="flat">
+              <a:solidFill>
+                <a:srgbClr val="EBEBEB">
+                  <a:alpha val="100000"/>
+                </a:srgbClr>
+              </a:solidFill>
+              <a:prstDash val="solid"/>
+              <a:round/>
+            </a:ln>
+          </p:spPr>
+          <p:txBody>
+            <a:bodyPr/>
+            <a:lstStyle/>
+            <a:p/>
+          </p:txBody>
+        </p:sp>
+        <p:sp>
+          <p:nvSpPr>
+            <p:cNvPr id="58" name="pl58"/>
+            <p:cNvSpPr/>
+            <p:nvPr/>
+          </p:nvSpPr>
+          <p:spPr>
+            <a:xfrm>
               <a:off x="6275961" y="5116600"/>
               <a:ext cx="1295770" cy="0"/>
             </a:xfrm>
@@ -5154,13 +5248,13 @@
         </p:sp>
         <p:sp>
           <p:nvSpPr>
-            <p:cNvPr id="58" name="pl58"/>
-            <p:cNvSpPr/>
-            <p:nvPr/>
-          </p:nvSpPr>
-          <p:spPr>
-            <a:xfrm>
-              <a:off x="6275961" y="3918908"/>
+            <p:cNvPr id="59" name="pl59"/>
+            <p:cNvSpPr/>
+            <p:nvPr/>
+          </p:nvSpPr>
+          <p:spPr>
+            <a:xfrm>
+              <a:off x="6275961" y="4216620"/>
               <a:ext cx="1295770" cy="0"/>
             </a:xfrm>
             <a:custGeom>
@@ -5197,13 +5291,13 @@
         </p:sp>
         <p:sp>
           <p:nvSpPr>
-            <p:cNvPr id="59" name="pl59"/>
-            <p:cNvSpPr/>
-            <p:nvPr/>
-          </p:nvSpPr>
-          <p:spPr>
-            <a:xfrm>
-              <a:off x="6275961" y="2721215"/>
+            <p:cNvPr id="60" name="pl60"/>
+            <p:cNvSpPr/>
+            <p:nvPr/>
+          </p:nvSpPr>
+          <p:spPr>
+            <a:xfrm>
+              <a:off x="6275961" y="3316640"/>
               <a:ext cx="1295770" cy="0"/>
             </a:xfrm>
             <a:custGeom>
@@ -5240,13 +5334,56 @@
         </p:sp>
         <p:sp>
           <p:nvSpPr>
-            <p:cNvPr id="60" name="pl60"/>
-            <p:cNvSpPr/>
-            <p:nvPr/>
-          </p:nvSpPr>
-          <p:spPr>
-            <a:xfrm>
-              <a:off x="6461071" y="1809173"/>
+            <p:cNvPr id="61" name="pl61"/>
+            <p:cNvSpPr/>
+            <p:nvPr/>
+          </p:nvSpPr>
+          <p:spPr>
+            <a:xfrm>
+              <a:off x="6275961" y="2416659"/>
+              <a:ext cx="1295770" cy="0"/>
+            </a:xfrm>
+            <a:custGeom>
+              <a:avLst/>
+              <a:pathLst>
+                <a:path w="1295770" h="0">
+                  <a:moveTo>
+                    <a:pt x="0" y="0"/>
+                  </a:moveTo>
+                  <a:lnTo>
+                    <a:pt x="1295770" y="0"/>
+                  </a:lnTo>
+                  <a:lnTo>
+                    <a:pt x="1295770" y="0"/>
+                  </a:lnTo>
+                </a:path>
+              </a:pathLst>
+            </a:custGeom>
+            <a:ln w="13550" cap="flat">
+              <a:solidFill>
+                <a:srgbClr val="EBEBEB">
+                  <a:alpha val="100000"/>
+                </a:srgbClr>
+              </a:solidFill>
+              <a:prstDash val="solid"/>
+              <a:round/>
+            </a:ln>
+          </p:spPr>
+          <p:txBody>
+            <a:bodyPr/>
+            <a:lstStyle/>
+            <a:p/>
+          </p:txBody>
+        </p:sp>
+        <p:sp>
+          <p:nvSpPr>
+            <p:cNvPr id="62" name="pl62"/>
+            <p:cNvSpPr/>
+            <p:nvPr/>
+          </p:nvSpPr>
+          <p:spPr>
+            <a:xfrm>
+              <a:off x="6518918" y="1809173"/>
               <a:ext cx="0" cy="3464924"/>
             </a:xfrm>
             <a:custGeom>
@@ -5283,13 +5420,13 @@
         </p:sp>
         <p:sp>
           <p:nvSpPr>
-            <p:cNvPr id="61" name="pl61"/>
-            <p:cNvSpPr/>
-            <p:nvPr/>
-          </p:nvSpPr>
-          <p:spPr>
-            <a:xfrm>
-              <a:off x="6769588" y="1809173"/>
+            <p:cNvPr id="63" name="pl63"/>
+            <p:cNvSpPr/>
+            <p:nvPr/>
+          </p:nvSpPr>
+          <p:spPr>
+            <a:xfrm>
+              <a:off x="6923847" y="1809173"/>
               <a:ext cx="0" cy="3464924"/>
             </a:xfrm>
             <a:custGeom>
@@ -5326,13 +5463,13 @@
         </p:sp>
         <p:sp>
           <p:nvSpPr>
-            <p:cNvPr id="62" name="pl62"/>
-            <p:cNvSpPr/>
-            <p:nvPr/>
-          </p:nvSpPr>
-          <p:spPr>
-            <a:xfrm>
-              <a:off x="7078105" y="1809173"/>
+            <p:cNvPr id="64" name="pl64"/>
+            <p:cNvSpPr/>
+            <p:nvPr/>
+          </p:nvSpPr>
+          <p:spPr>
+            <a:xfrm>
+              <a:off x="7328775" y="1809173"/>
               <a:ext cx="0" cy="3464924"/>
             </a:xfrm>
             <a:custGeom>
@@ -5369,63 +5506,20 @@
         </p:sp>
         <p:sp>
           <p:nvSpPr>
-            <p:cNvPr id="63" name="pl63"/>
-            <p:cNvSpPr/>
-            <p:nvPr/>
-          </p:nvSpPr>
-          <p:spPr>
-            <a:xfrm>
-              <a:off x="7386622" y="1809173"/>
-              <a:ext cx="0" cy="3464924"/>
-            </a:xfrm>
-            <a:custGeom>
-              <a:avLst/>
-              <a:pathLst>
-                <a:path w="0" h="3464924">
-                  <a:moveTo>
-                    <a:pt x="0" y="3464924"/>
-                  </a:moveTo>
-                  <a:lnTo>
-                    <a:pt x="0" y="0"/>
-                  </a:lnTo>
-                  <a:lnTo>
-                    <a:pt x="0" y="0"/>
-                  </a:lnTo>
-                </a:path>
-              </a:pathLst>
-            </a:custGeom>
-            <a:ln w="13550" cap="flat">
-              <a:solidFill>
-                <a:srgbClr val="EBEBEB">
-                  <a:alpha val="100000"/>
-                </a:srgbClr>
-              </a:solidFill>
-              <a:prstDash val="solid"/>
-              <a:round/>
-            </a:ln>
-          </p:spPr>
-          <p:txBody>
-            <a:bodyPr/>
-            <a:lstStyle/>
-            <a:p/>
-          </p:txBody>
-        </p:sp>
-        <p:sp>
-          <p:nvSpPr>
-            <p:cNvPr id="64" name="rc64"/>
-            <p:cNvSpPr/>
-            <p:nvPr/>
-          </p:nvSpPr>
-          <p:spPr>
-            <a:xfrm>
-              <a:off x="6322239" y="5044739"/>
-              <a:ext cx="277665" cy="71861"/>
+            <p:cNvPr id="65" name="rc65"/>
+            <p:cNvSpPr/>
+            <p:nvPr/>
+          </p:nvSpPr>
+          <p:spPr>
+            <a:xfrm>
+              <a:off x="6336700" y="5098601"/>
+              <a:ext cx="364435" cy="17999"/>
             </a:xfrm>
             <a:prstGeom prst="rect">
               <a:avLst/>
             </a:prstGeom>
             <a:solidFill>
-              <a:srgbClr val="FEE5D9">
+              <a:srgbClr val="FEE0D2">
                 <a:alpha val="100000"/>
               </a:srgbClr>
             </a:solidFill>
@@ -5438,20 +5532,20 @@
         </p:sp>
         <p:sp>
           <p:nvSpPr>
-            <p:cNvPr id="65" name="rc65"/>
-            <p:cNvSpPr/>
-            <p:nvPr/>
-          </p:nvSpPr>
-          <p:spPr>
-            <a:xfrm>
-              <a:off x="6630755" y="4709385"/>
-              <a:ext cx="277665" cy="407215"/>
+            <p:cNvPr id="66" name="rc66"/>
+            <p:cNvSpPr/>
+            <p:nvPr/>
+          </p:nvSpPr>
+          <p:spPr>
+            <a:xfrm>
+              <a:off x="6741629" y="5008603"/>
+              <a:ext cx="364435" cy="107997"/>
             </a:xfrm>
             <a:prstGeom prst="rect">
               <a:avLst/>
             </a:prstGeom>
             <a:solidFill>
-              <a:srgbClr val="FCAE91">
+              <a:srgbClr val="FC9272">
                 <a:alpha val="100000"/>
               </a:srgbClr>
             </a:solidFill>
@@ -5464,46 +5558,20 @@
         </p:sp>
         <p:sp>
           <p:nvSpPr>
-            <p:cNvPr id="66" name="rc66"/>
-            <p:cNvSpPr/>
-            <p:nvPr/>
-          </p:nvSpPr>
-          <p:spPr>
-            <a:xfrm>
-              <a:off x="6939272" y="4877062"/>
-              <a:ext cx="277665" cy="239538"/>
+            <p:cNvPr id="67" name="rc67"/>
+            <p:cNvSpPr/>
+            <p:nvPr/>
+          </p:nvSpPr>
+          <p:spPr>
+            <a:xfrm>
+              <a:off x="7146557" y="4612611"/>
+              <a:ext cx="364435" cy="503988"/>
             </a:xfrm>
             <a:prstGeom prst="rect">
               <a:avLst/>
             </a:prstGeom>
             <a:solidFill>
-              <a:srgbClr val="FB6A4A">
-                <a:alpha val="100000"/>
-              </a:srgbClr>
-            </a:solidFill>
-          </p:spPr>
-          <p:txBody>
-            <a:bodyPr/>
-            <a:lstStyle/>
-            <a:p/>
-          </p:txBody>
-        </p:sp>
-        <p:sp>
-          <p:nvSpPr>
-            <p:cNvPr id="67" name="rc67"/>
-            <p:cNvSpPr/>
-            <p:nvPr/>
-          </p:nvSpPr>
-          <p:spPr>
-            <a:xfrm>
-              <a:off x="7247789" y="4996831"/>
-              <a:ext cx="277665" cy="119769"/>
-            </a:xfrm>
-            <a:prstGeom prst="rect">
-              <a:avLst/>
-            </a:prstGeom>
-            <a:solidFill>
-              <a:srgbClr val="CB181D">
+              <a:srgbClr val="DE2D26">
                 <a:alpha val="100000"/>
               </a:srgbClr>
             </a:solidFill>
@@ -5578,7 +5646,7 @@
           </p:nvSpPr>
           <p:spPr>
             <a:xfrm>
-              <a:off x="7641321" y="4517754"/>
+              <a:off x="7641321" y="4666610"/>
               <a:ext cx="1295770" cy="0"/>
             </a:xfrm>
             <a:custGeom>
@@ -5621,7 +5689,7 @@
           </p:nvSpPr>
           <p:spPr>
             <a:xfrm>
-              <a:off x="7641321" y="3320062"/>
+              <a:off x="7641321" y="3766630"/>
               <a:ext cx="1295770" cy="0"/>
             </a:xfrm>
             <a:custGeom>
@@ -5664,7 +5732,7 @@
           </p:nvSpPr>
           <p:spPr>
             <a:xfrm>
-              <a:off x="7641321" y="2122369"/>
+              <a:off x="7641321" y="2866650"/>
               <a:ext cx="1295770" cy="0"/>
             </a:xfrm>
             <a:custGeom>
@@ -5707,6 +5775,49 @@
           </p:nvSpPr>
           <p:spPr>
             <a:xfrm>
+              <a:off x="7641321" y="1966669"/>
+              <a:ext cx="1295770" cy="0"/>
+            </a:xfrm>
+            <a:custGeom>
+              <a:avLst/>
+              <a:pathLst>
+                <a:path w="1295770" h="0">
+                  <a:moveTo>
+                    <a:pt x="0" y="0"/>
+                  </a:moveTo>
+                  <a:lnTo>
+                    <a:pt x="1295770" y="0"/>
+                  </a:lnTo>
+                  <a:lnTo>
+                    <a:pt x="1295770" y="0"/>
+                  </a:lnTo>
+                </a:path>
+              </a:pathLst>
+            </a:custGeom>
+            <a:ln w="6775" cap="flat">
+              <a:solidFill>
+                <a:srgbClr val="EBEBEB">
+                  <a:alpha val="100000"/>
+                </a:srgbClr>
+              </a:solidFill>
+              <a:prstDash val="solid"/>
+              <a:round/>
+            </a:ln>
+          </p:spPr>
+          <p:txBody>
+            <a:bodyPr/>
+            <a:lstStyle/>
+            <a:p/>
+          </p:txBody>
+        </p:sp>
+        <p:sp>
+          <p:nvSpPr>
+            <p:cNvPr id="74" name="pl74"/>
+            <p:cNvSpPr/>
+            <p:nvPr/>
+          </p:nvSpPr>
+          <p:spPr>
+            <a:xfrm>
               <a:off x="7641321" y="5116600"/>
               <a:ext cx="1295770" cy="0"/>
             </a:xfrm>
@@ -5744,13 +5855,13 @@
         </p:sp>
         <p:sp>
           <p:nvSpPr>
-            <p:cNvPr id="74" name="pl74"/>
-            <p:cNvSpPr/>
-            <p:nvPr/>
-          </p:nvSpPr>
-          <p:spPr>
-            <a:xfrm>
-              <a:off x="7641321" y="3918908"/>
+            <p:cNvPr id="75" name="pl75"/>
+            <p:cNvSpPr/>
+            <p:nvPr/>
+          </p:nvSpPr>
+          <p:spPr>
+            <a:xfrm>
+              <a:off x="7641321" y="4216620"/>
               <a:ext cx="1295770" cy="0"/>
             </a:xfrm>
             <a:custGeom>
@@ -5787,13 +5898,13 @@
         </p:sp>
         <p:sp>
           <p:nvSpPr>
-            <p:cNvPr id="75" name="pl75"/>
-            <p:cNvSpPr/>
-            <p:nvPr/>
-          </p:nvSpPr>
-          <p:spPr>
-            <a:xfrm>
-              <a:off x="7641321" y="2721215"/>
+            <p:cNvPr id="76" name="pl76"/>
+            <p:cNvSpPr/>
+            <p:nvPr/>
+          </p:nvSpPr>
+          <p:spPr>
+            <a:xfrm>
+              <a:off x="7641321" y="3316640"/>
               <a:ext cx="1295770" cy="0"/>
             </a:xfrm>
             <a:custGeom>
@@ -5830,13 +5941,56 @@
         </p:sp>
         <p:sp>
           <p:nvSpPr>
-            <p:cNvPr id="76" name="pl76"/>
-            <p:cNvSpPr/>
-            <p:nvPr/>
-          </p:nvSpPr>
-          <p:spPr>
-            <a:xfrm>
-              <a:off x="7826431" y="1809173"/>
+            <p:cNvPr id="77" name="pl77"/>
+            <p:cNvSpPr/>
+            <p:nvPr/>
+          </p:nvSpPr>
+          <p:spPr>
+            <a:xfrm>
+              <a:off x="7641321" y="2416659"/>
+              <a:ext cx="1295770" cy="0"/>
+            </a:xfrm>
+            <a:custGeom>
+              <a:avLst/>
+              <a:pathLst>
+                <a:path w="1295770" h="0">
+                  <a:moveTo>
+                    <a:pt x="0" y="0"/>
+                  </a:moveTo>
+                  <a:lnTo>
+                    <a:pt x="1295770" y="0"/>
+                  </a:lnTo>
+                  <a:lnTo>
+                    <a:pt x="1295770" y="0"/>
+                  </a:lnTo>
+                </a:path>
+              </a:pathLst>
+            </a:custGeom>
+            <a:ln w="13550" cap="flat">
+              <a:solidFill>
+                <a:srgbClr val="EBEBEB">
+                  <a:alpha val="100000"/>
+                </a:srgbClr>
+              </a:solidFill>
+              <a:prstDash val="solid"/>
+              <a:round/>
+            </a:ln>
+          </p:spPr>
+          <p:txBody>
+            <a:bodyPr/>
+            <a:lstStyle/>
+            <a:p/>
+          </p:txBody>
+        </p:sp>
+        <p:sp>
+          <p:nvSpPr>
+            <p:cNvPr id="78" name="pl78"/>
+            <p:cNvSpPr/>
+            <p:nvPr/>
+          </p:nvSpPr>
+          <p:spPr>
+            <a:xfrm>
+              <a:off x="7884278" y="1809173"/>
               <a:ext cx="0" cy="3464924"/>
             </a:xfrm>
             <a:custGeom>
@@ -5873,13 +6027,13 @@
         </p:sp>
         <p:sp>
           <p:nvSpPr>
-            <p:cNvPr id="77" name="pl77"/>
-            <p:cNvSpPr/>
-            <p:nvPr/>
-          </p:nvSpPr>
-          <p:spPr>
-            <a:xfrm>
-              <a:off x="8134948" y="1809173"/>
+            <p:cNvPr id="79" name="pl79"/>
+            <p:cNvSpPr/>
+            <p:nvPr/>
+          </p:nvSpPr>
+          <p:spPr>
+            <a:xfrm>
+              <a:off x="8289206" y="1809173"/>
               <a:ext cx="0" cy="3464924"/>
             </a:xfrm>
             <a:custGeom>
@@ -5916,13 +6070,13 @@
         </p:sp>
         <p:sp>
           <p:nvSpPr>
-            <p:cNvPr id="78" name="pl78"/>
-            <p:cNvSpPr/>
-            <p:nvPr/>
-          </p:nvSpPr>
-          <p:spPr>
-            <a:xfrm>
-              <a:off x="8443465" y="1809173"/>
+            <p:cNvPr id="80" name="pl80"/>
+            <p:cNvSpPr/>
+            <p:nvPr/>
+          </p:nvSpPr>
+          <p:spPr>
+            <a:xfrm>
+              <a:off x="8694135" y="1809173"/>
               <a:ext cx="0" cy="3464924"/>
             </a:xfrm>
             <a:custGeom>
@@ -5959,63 +6113,20 @@
         </p:sp>
         <p:sp>
           <p:nvSpPr>
-            <p:cNvPr id="79" name="pl79"/>
-            <p:cNvSpPr/>
-            <p:nvPr/>
-          </p:nvSpPr>
-          <p:spPr>
-            <a:xfrm>
-              <a:off x="8751982" y="1809173"/>
-              <a:ext cx="0" cy="3464924"/>
-            </a:xfrm>
-            <a:custGeom>
-              <a:avLst/>
-              <a:pathLst>
-                <a:path w="0" h="3464924">
-                  <a:moveTo>
-                    <a:pt x="0" y="3464924"/>
-                  </a:moveTo>
-                  <a:lnTo>
-                    <a:pt x="0" y="0"/>
-                  </a:lnTo>
-                  <a:lnTo>
-                    <a:pt x="0" y="0"/>
-                  </a:lnTo>
-                </a:path>
-              </a:pathLst>
-            </a:custGeom>
-            <a:ln w="13550" cap="flat">
-              <a:solidFill>
-                <a:srgbClr val="EBEBEB">
-                  <a:alpha val="100000"/>
-                </a:srgbClr>
-              </a:solidFill>
-              <a:prstDash val="solid"/>
-              <a:round/>
-            </a:ln>
-          </p:spPr>
-          <p:txBody>
-            <a:bodyPr/>
-            <a:lstStyle/>
-            <a:p/>
-          </p:txBody>
-        </p:sp>
-        <p:sp>
-          <p:nvSpPr>
-            <p:cNvPr id="80" name="rc80"/>
-            <p:cNvSpPr/>
-            <p:nvPr/>
-          </p:nvSpPr>
-          <p:spPr>
-            <a:xfrm>
-              <a:off x="7687599" y="4960900"/>
-              <a:ext cx="277665" cy="155700"/>
+            <p:cNvPr id="81" name="rc81"/>
+            <p:cNvSpPr/>
+            <p:nvPr/>
+          </p:nvSpPr>
+          <p:spPr>
+            <a:xfrm>
+              <a:off x="7702060" y="5098601"/>
+              <a:ext cx="364435" cy="17999"/>
             </a:xfrm>
             <a:prstGeom prst="rect">
               <a:avLst/>
             </a:prstGeom>
             <a:solidFill>
-              <a:srgbClr val="FEE5D9">
+              <a:srgbClr val="FEE0D2">
                 <a:alpha val="100000"/>
               </a:srgbClr>
             </a:solidFill>
@@ -6028,20 +6139,20 @@
         </p:sp>
         <p:sp>
           <p:nvSpPr>
-            <p:cNvPr id="81" name="rc81"/>
-            <p:cNvSpPr/>
-            <p:nvPr/>
-          </p:nvSpPr>
-          <p:spPr>
-            <a:xfrm>
-              <a:off x="7996115" y="4481823"/>
-              <a:ext cx="277665" cy="634777"/>
+            <p:cNvPr id="82" name="rc82"/>
+            <p:cNvSpPr/>
+            <p:nvPr/>
+          </p:nvSpPr>
+          <p:spPr>
+            <a:xfrm>
+              <a:off x="8106989" y="4963604"/>
+              <a:ext cx="364435" cy="152996"/>
             </a:xfrm>
             <a:prstGeom prst="rect">
               <a:avLst/>
             </a:prstGeom>
             <a:solidFill>
-              <a:srgbClr val="FCAE91">
+              <a:srgbClr val="FC9272">
                 <a:alpha val="100000"/>
               </a:srgbClr>
             </a:solidFill>
@@ -6054,46 +6165,20 @@
         </p:sp>
         <p:sp>
           <p:nvSpPr>
-            <p:cNvPr id="82" name="rc82"/>
-            <p:cNvSpPr/>
-            <p:nvPr/>
-          </p:nvSpPr>
-          <p:spPr>
-            <a:xfrm>
-              <a:off x="8304632" y="4924970"/>
-              <a:ext cx="277665" cy="191630"/>
+            <p:cNvPr id="83" name="rc83"/>
+            <p:cNvSpPr/>
+            <p:nvPr/>
+          </p:nvSpPr>
+          <p:spPr>
+            <a:xfrm>
+              <a:off x="8511917" y="4405616"/>
+              <a:ext cx="364435" cy="710984"/>
             </a:xfrm>
             <a:prstGeom prst="rect">
               <a:avLst/>
             </a:prstGeom>
             <a:solidFill>
-              <a:srgbClr val="FB6A4A">
-                <a:alpha val="100000"/>
-              </a:srgbClr>
-            </a:solidFill>
-          </p:spPr>
-          <p:txBody>
-            <a:bodyPr/>
-            <a:lstStyle/>
-            <a:p/>
-          </p:txBody>
-        </p:sp>
-        <p:sp>
-          <p:nvSpPr>
-            <p:cNvPr id="83" name="rc83"/>
-            <p:cNvSpPr/>
-            <p:nvPr/>
-          </p:nvSpPr>
-          <p:spPr>
-            <a:xfrm>
-              <a:off x="8613149" y="4924970"/>
-              <a:ext cx="277665" cy="191630"/>
-            </a:xfrm>
-            <a:prstGeom prst="rect">
-              <a:avLst/>
-            </a:prstGeom>
-            <a:solidFill>
-              <a:srgbClr val="CB181D">
+              <a:srgbClr val="DE2D26">
                 <a:alpha val="100000"/>
               </a:srgbClr>
             </a:solidFill>
@@ -6547,7 +6632,7 @@
           </p:nvSpPr>
           <p:spPr>
             <a:xfrm>
-              <a:off x="2364991" y="5274097"/>
+              <a:off x="2422838" y="5274097"/>
               <a:ext cx="0" cy="34794"/>
             </a:xfrm>
             <a:custGeom>
@@ -6587,7 +6672,7 @@
           </p:nvSpPr>
           <p:spPr>
             <a:xfrm>
-              <a:off x="2673508" y="5274097"/>
+              <a:off x="2827767" y="5274097"/>
               <a:ext cx="0" cy="34794"/>
             </a:xfrm>
             <a:custGeom>
@@ -6627,7 +6712,7 @@
           </p:nvSpPr>
           <p:spPr>
             <a:xfrm>
-              <a:off x="2982025" y="5274097"/>
+              <a:off x="3232695" y="5274097"/>
               <a:ext cx="0" cy="34794"/>
             </a:xfrm>
             <a:custGeom>
@@ -6667,7 +6752,7 @@
           </p:nvSpPr>
           <p:spPr>
             <a:xfrm>
-              <a:off x="3290542" y="5274097"/>
+              <a:off x="3788198" y="5274097"/>
               <a:ext cx="0" cy="34794"/>
             </a:xfrm>
             <a:custGeom>
@@ -6707,7 +6792,7 @@
           </p:nvSpPr>
           <p:spPr>
             <a:xfrm>
-              <a:off x="3730351" y="5274097"/>
+              <a:off x="4193127" y="5274097"/>
               <a:ext cx="0" cy="34794"/>
             </a:xfrm>
             <a:custGeom>
@@ -6747,7 +6832,7 @@
           </p:nvSpPr>
           <p:spPr>
             <a:xfrm>
-              <a:off x="4038868" y="5274097"/>
+              <a:off x="4598055" y="5274097"/>
               <a:ext cx="0" cy="34794"/>
             </a:xfrm>
             <a:custGeom>
@@ -6787,7 +6872,7 @@
           </p:nvSpPr>
           <p:spPr>
             <a:xfrm>
-              <a:off x="4347385" y="5274097"/>
+              <a:off x="5153558" y="5274097"/>
               <a:ext cx="0" cy="34794"/>
             </a:xfrm>
             <a:custGeom>
@@ -6827,7 +6912,7 @@
           </p:nvSpPr>
           <p:spPr>
             <a:xfrm>
-              <a:off x="4655902" y="5274097"/>
+              <a:off x="5558487" y="5274097"/>
               <a:ext cx="0" cy="34794"/>
             </a:xfrm>
             <a:custGeom>
@@ -6867,7 +6952,7 @@
           </p:nvSpPr>
           <p:spPr>
             <a:xfrm>
-              <a:off x="5095711" y="5274097"/>
+              <a:off x="5963415" y="5274097"/>
               <a:ext cx="0" cy="34794"/>
             </a:xfrm>
             <a:custGeom>
@@ -6907,7 +6992,7 @@
           </p:nvSpPr>
           <p:spPr>
             <a:xfrm>
-              <a:off x="5404228" y="5274097"/>
+              <a:off x="6518918" y="5274097"/>
               <a:ext cx="0" cy="34794"/>
             </a:xfrm>
             <a:custGeom>
@@ -6947,7 +7032,7 @@
           </p:nvSpPr>
           <p:spPr>
             <a:xfrm>
-              <a:off x="5712745" y="5274097"/>
+              <a:off x="6923847" y="5274097"/>
               <a:ext cx="0" cy="34794"/>
             </a:xfrm>
             <a:custGeom>
@@ -6987,7 +7072,7 @@
           </p:nvSpPr>
           <p:spPr>
             <a:xfrm>
-              <a:off x="6021262" y="5274097"/>
+              <a:off x="7328775" y="5274097"/>
               <a:ext cx="0" cy="34794"/>
             </a:xfrm>
             <a:custGeom>
@@ -7027,7 +7112,7 @@
           </p:nvSpPr>
           <p:spPr>
             <a:xfrm>
-              <a:off x="6461071" y="5274097"/>
+              <a:off x="7884278" y="5274097"/>
               <a:ext cx="0" cy="34794"/>
             </a:xfrm>
             <a:custGeom>
@@ -7067,7 +7152,7 @@
           </p:nvSpPr>
           <p:spPr>
             <a:xfrm>
-              <a:off x="6769588" y="5274097"/>
+              <a:off x="8289206" y="5274097"/>
               <a:ext cx="0" cy="34794"/>
             </a:xfrm>
             <a:custGeom>
@@ -7107,7 +7192,7 @@
           </p:nvSpPr>
           <p:spPr>
             <a:xfrm>
-              <a:off x="7078105" y="5274097"/>
+              <a:off x="8694135" y="5274097"/>
               <a:ext cx="0" cy="34794"/>
             </a:xfrm>
             <a:custGeom>
@@ -7141,207 +7226,7 @@
         </p:sp>
         <p:sp>
           <p:nvSpPr>
-            <p:cNvPr id="110" name="pl110"/>
-            <p:cNvSpPr/>
-            <p:nvPr/>
-          </p:nvSpPr>
-          <p:spPr>
-            <a:xfrm>
-              <a:off x="7386622" y="5274097"/>
-              <a:ext cx="0" cy="34794"/>
-            </a:xfrm>
-            <a:custGeom>
-              <a:avLst/>
-              <a:pathLst>
-                <a:path w="0" h="34794">
-                  <a:moveTo>
-                    <a:pt x="0" y="34794"/>
-                  </a:moveTo>
-                  <a:lnTo>
-                    <a:pt x="0" y="0"/>
-                  </a:lnTo>
-                </a:path>
-              </a:pathLst>
-            </a:custGeom>
-            <a:ln w="13550" cap="flat">
-              <a:solidFill>
-                <a:srgbClr val="333333">
-                  <a:alpha val="100000"/>
-                </a:srgbClr>
-              </a:solidFill>
-              <a:prstDash val="solid"/>
-              <a:round/>
-            </a:ln>
-          </p:spPr>
-          <p:txBody>
-            <a:bodyPr/>
-            <a:lstStyle/>
-            <a:p/>
-          </p:txBody>
-        </p:sp>
-        <p:sp>
-          <p:nvSpPr>
-            <p:cNvPr id="111" name="pl111"/>
-            <p:cNvSpPr/>
-            <p:nvPr/>
-          </p:nvSpPr>
-          <p:spPr>
-            <a:xfrm>
-              <a:off x="7826431" y="5274097"/>
-              <a:ext cx="0" cy="34794"/>
-            </a:xfrm>
-            <a:custGeom>
-              <a:avLst/>
-              <a:pathLst>
-                <a:path w="0" h="34794">
-                  <a:moveTo>
-                    <a:pt x="0" y="34794"/>
-                  </a:moveTo>
-                  <a:lnTo>
-                    <a:pt x="0" y="0"/>
-                  </a:lnTo>
-                </a:path>
-              </a:pathLst>
-            </a:custGeom>
-            <a:ln w="13550" cap="flat">
-              <a:solidFill>
-                <a:srgbClr val="333333">
-                  <a:alpha val="100000"/>
-                </a:srgbClr>
-              </a:solidFill>
-              <a:prstDash val="solid"/>
-              <a:round/>
-            </a:ln>
-          </p:spPr>
-          <p:txBody>
-            <a:bodyPr/>
-            <a:lstStyle/>
-            <a:p/>
-          </p:txBody>
-        </p:sp>
-        <p:sp>
-          <p:nvSpPr>
-            <p:cNvPr id="112" name="pl112"/>
-            <p:cNvSpPr/>
-            <p:nvPr/>
-          </p:nvSpPr>
-          <p:spPr>
-            <a:xfrm>
-              <a:off x="8134948" y="5274097"/>
-              <a:ext cx="0" cy="34794"/>
-            </a:xfrm>
-            <a:custGeom>
-              <a:avLst/>
-              <a:pathLst>
-                <a:path w="0" h="34794">
-                  <a:moveTo>
-                    <a:pt x="0" y="34794"/>
-                  </a:moveTo>
-                  <a:lnTo>
-                    <a:pt x="0" y="0"/>
-                  </a:lnTo>
-                </a:path>
-              </a:pathLst>
-            </a:custGeom>
-            <a:ln w="13550" cap="flat">
-              <a:solidFill>
-                <a:srgbClr val="333333">
-                  <a:alpha val="100000"/>
-                </a:srgbClr>
-              </a:solidFill>
-              <a:prstDash val="solid"/>
-              <a:round/>
-            </a:ln>
-          </p:spPr>
-          <p:txBody>
-            <a:bodyPr/>
-            <a:lstStyle/>
-            <a:p/>
-          </p:txBody>
-        </p:sp>
-        <p:sp>
-          <p:nvSpPr>
-            <p:cNvPr id="113" name="pl113"/>
-            <p:cNvSpPr/>
-            <p:nvPr/>
-          </p:nvSpPr>
-          <p:spPr>
-            <a:xfrm>
-              <a:off x="8443465" y="5274097"/>
-              <a:ext cx="0" cy="34794"/>
-            </a:xfrm>
-            <a:custGeom>
-              <a:avLst/>
-              <a:pathLst>
-                <a:path w="0" h="34794">
-                  <a:moveTo>
-                    <a:pt x="0" y="34794"/>
-                  </a:moveTo>
-                  <a:lnTo>
-                    <a:pt x="0" y="0"/>
-                  </a:lnTo>
-                </a:path>
-              </a:pathLst>
-            </a:custGeom>
-            <a:ln w="13550" cap="flat">
-              <a:solidFill>
-                <a:srgbClr val="333333">
-                  <a:alpha val="100000"/>
-                </a:srgbClr>
-              </a:solidFill>
-              <a:prstDash val="solid"/>
-              <a:round/>
-            </a:ln>
-          </p:spPr>
-          <p:txBody>
-            <a:bodyPr/>
-            <a:lstStyle/>
-            <a:p/>
-          </p:txBody>
-        </p:sp>
-        <p:sp>
-          <p:nvSpPr>
-            <p:cNvPr id="114" name="pl114"/>
-            <p:cNvSpPr/>
-            <p:nvPr/>
-          </p:nvSpPr>
-          <p:spPr>
-            <a:xfrm>
-              <a:off x="8751982" y="5274097"/>
-              <a:ext cx="0" cy="34794"/>
-            </a:xfrm>
-            <a:custGeom>
-              <a:avLst/>
-              <a:pathLst>
-                <a:path w="0" h="34794">
-                  <a:moveTo>
-                    <a:pt x="0" y="34794"/>
-                  </a:moveTo>
-                  <a:lnTo>
-                    <a:pt x="0" y="0"/>
-                  </a:lnTo>
-                </a:path>
-              </a:pathLst>
-            </a:custGeom>
-            <a:ln w="13550" cap="flat">
-              <a:solidFill>
-                <a:srgbClr val="333333">
-                  <a:alpha val="100000"/>
-                </a:srgbClr>
-              </a:solidFill>
-              <a:prstDash val="solid"/>
-              <a:round/>
-            </a:ln>
-          </p:spPr>
-          <p:txBody>
-            <a:bodyPr/>
-            <a:lstStyle/>
-            <a:p/>
-          </p:txBody>
-        </p:sp>
-        <p:sp>
-          <p:nvSpPr>
-            <p:cNvPr id="115" name="tx115"/>
+            <p:cNvPr id="110" name="tx110"/>
             <p:cNvSpPr/>
             <p:nvPr/>
           </p:nvSpPr>
@@ -7387,13 +7272,13 @@
         </p:sp>
         <p:sp>
           <p:nvSpPr>
-            <p:cNvPr id="116" name="tx116"/>
-            <p:cNvSpPr/>
-            <p:nvPr/>
-          </p:nvSpPr>
-          <p:spPr>
-            <a:xfrm>
-              <a:off x="1930784" y="3877216"/>
+            <p:cNvPr id="111" name="tx111"/>
+            <p:cNvSpPr/>
+            <p:nvPr/>
+          </p:nvSpPr>
+          <p:spPr>
+            <a:xfrm>
+              <a:off x="1930784" y="4174928"/>
               <a:ext cx="186466" cy="81691"/>
             </a:xfrm>
             <a:prstGeom prst="rect">
@@ -7433,13 +7318,13 @@
         </p:sp>
         <p:sp>
           <p:nvSpPr>
-            <p:cNvPr id="117" name="tx117"/>
-            <p:cNvSpPr/>
-            <p:nvPr/>
-          </p:nvSpPr>
-          <p:spPr>
-            <a:xfrm>
-              <a:off x="1930784" y="2679524"/>
+            <p:cNvPr id="112" name="tx112"/>
+            <p:cNvSpPr/>
+            <p:nvPr/>
+          </p:nvSpPr>
+          <p:spPr>
+            <a:xfrm>
+              <a:off x="1930784" y="3274948"/>
               <a:ext cx="186466" cy="81691"/>
             </a:xfrm>
             <a:prstGeom prst="rect">
@@ -7479,7 +7364,53 @@
         </p:sp>
         <p:sp>
           <p:nvSpPr>
-            <p:cNvPr id="118" name="pl118"/>
+            <p:cNvPr id="113" name="tx113"/>
+            <p:cNvSpPr/>
+            <p:nvPr/>
+          </p:nvSpPr>
+          <p:spPr>
+            <a:xfrm>
+              <a:off x="1930784" y="2374913"/>
+              <a:ext cx="186466" cy="81746"/>
+            </a:xfrm>
+            <a:prstGeom prst="rect">
+              <a:avLst/>
+            </a:prstGeom>
+            <a:noFill/>
+          </p:spPr>
+          <p:txBody>
+            <a:bodyPr lIns="0" rIns="0" tIns="0" bIns="0" anchorCtr="1" anchor="ctr" wrap="none"/>
+            <a:lstStyle/>
+            <a:p>
+              <a:pPr algn="l" marL="0" marR="0" indent="0">
+                <a:lnSpc>
+                  <a:spcPts val="880"/>
+                </a:lnSpc>
+                <a:spcBef>
+                  <a:spcPts val="0"/>
+                </a:spcBef>
+                <a:spcAft>
+                  <a:spcPts val="0"/>
+                </a:spcAft>
+              </a:pPr>
+              <a:r>
+                <a:rPr sz="880">
+                  <a:solidFill>
+                    <a:srgbClr val="4D4D4D">
+                      <a:alpha val="100000"/>
+                    </a:srgbClr>
+                  </a:solidFill>
+                  <a:latin typeface="Arial"/>
+                  <a:cs typeface="Arial"/>
+                </a:rPr>
+                <a:t>300</a:t>
+              </a:r>
+            </a:p>
+          </p:txBody>
+        </p:sp>
+        <p:sp>
+          <p:nvSpPr>
+            <p:cNvPr id="114" name="pl114"/>
             <p:cNvSpPr/>
             <p:nvPr/>
           </p:nvSpPr>
@@ -7519,13 +7450,13 @@
         </p:sp>
         <p:sp>
           <p:nvSpPr>
-            <p:cNvPr id="119" name="pl119"/>
-            <p:cNvSpPr/>
-            <p:nvPr/>
-          </p:nvSpPr>
-          <p:spPr>
-            <a:xfrm>
-              <a:off x="2145087" y="3918908"/>
+            <p:cNvPr id="115" name="pl115"/>
+            <p:cNvSpPr/>
+            <p:nvPr/>
+          </p:nvSpPr>
+          <p:spPr>
+            <a:xfrm>
+              <a:off x="2145087" y="4216620"/>
               <a:ext cx="34794" cy="0"/>
             </a:xfrm>
             <a:custGeom>
@@ -7559,13 +7490,13 @@
         </p:sp>
         <p:sp>
           <p:nvSpPr>
-            <p:cNvPr id="120" name="pl120"/>
-            <p:cNvSpPr/>
-            <p:nvPr/>
-          </p:nvSpPr>
-          <p:spPr>
-            <a:xfrm>
-              <a:off x="2145087" y="2721215"/>
+            <p:cNvPr id="116" name="pl116"/>
+            <p:cNvSpPr/>
+            <p:nvPr/>
+          </p:nvSpPr>
+          <p:spPr>
+            <a:xfrm>
+              <a:off x="2145087" y="3316640"/>
               <a:ext cx="34794" cy="0"/>
             </a:xfrm>
             <a:custGeom>
@@ -7599,14 +7530,54 @@
         </p:sp>
         <p:sp>
           <p:nvSpPr>
-            <p:cNvPr id="121" name="rc121"/>
-            <p:cNvSpPr/>
-            <p:nvPr/>
-          </p:nvSpPr>
-          <p:spPr>
-            <a:xfrm>
-              <a:off x="4104346" y="5613598"/>
-              <a:ext cx="2908281" cy="358634"/>
+            <p:cNvPr id="117" name="pl117"/>
+            <p:cNvSpPr/>
+            <p:nvPr/>
+          </p:nvSpPr>
+          <p:spPr>
+            <a:xfrm>
+              <a:off x="2145087" y="2416659"/>
+              <a:ext cx="34794" cy="0"/>
+            </a:xfrm>
+            <a:custGeom>
+              <a:avLst/>
+              <a:pathLst>
+                <a:path w="34794" h="0">
+                  <a:moveTo>
+                    <a:pt x="0" y="0"/>
+                  </a:moveTo>
+                  <a:lnTo>
+                    <a:pt x="34794" y="0"/>
+                  </a:lnTo>
+                </a:path>
+              </a:pathLst>
+            </a:custGeom>
+            <a:ln w="13550" cap="flat">
+              <a:solidFill>
+                <a:srgbClr val="333333">
+                  <a:alpha val="100000"/>
+                </a:srgbClr>
+              </a:solidFill>
+              <a:prstDash val="solid"/>
+              <a:round/>
+            </a:ln>
+          </p:spPr>
+          <p:txBody>
+            <a:bodyPr/>
+            <a:lstStyle/>
+            <a:p/>
+          </p:txBody>
+        </p:sp>
+        <p:sp>
+          <p:nvSpPr>
+            <p:cNvPr id="118" name="rc118"/>
+            <p:cNvSpPr/>
+            <p:nvPr/>
+          </p:nvSpPr>
+          <p:spPr>
+            <a:xfrm>
+              <a:off x="3902358" y="5613598"/>
+              <a:ext cx="3312256" cy="358634"/>
             </a:xfrm>
             <a:prstGeom prst="rect">
               <a:avLst/>
@@ -7625,14 +7596,14 @@
         </p:sp>
         <p:sp>
           <p:nvSpPr>
-            <p:cNvPr id="122" name="rc122"/>
-            <p:cNvSpPr/>
-            <p:nvPr/>
-          </p:nvSpPr>
-          <p:spPr>
-            <a:xfrm>
-              <a:off x="4243524" y="5683187"/>
-              <a:ext cx="219455" cy="219455"/>
+            <p:cNvPr id="119" name="rc119"/>
+            <p:cNvSpPr/>
+            <p:nvPr/>
+          </p:nvSpPr>
+          <p:spPr>
+            <a:xfrm>
+              <a:off x="4041536" y="5683187"/>
+              <a:ext cx="219456" cy="219455"/>
             </a:xfrm>
             <a:prstGeom prst="rect">
               <a:avLst/>
@@ -7651,20 +7622,20 @@
         </p:sp>
         <p:sp>
           <p:nvSpPr>
-            <p:cNvPr id="123" name="rc123"/>
-            <p:cNvSpPr/>
-            <p:nvPr/>
-          </p:nvSpPr>
-          <p:spPr>
-            <a:xfrm>
-              <a:off x="4252524" y="5692187"/>
+            <p:cNvPr id="120" name="rc120"/>
+            <p:cNvSpPr/>
+            <p:nvPr/>
+          </p:nvSpPr>
+          <p:spPr>
+            <a:xfrm>
+              <a:off x="4050536" y="5692187"/>
               <a:ext cx="201456" cy="201456"/>
             </a:xfrm>
             <a:prstGeom prst="rect">
               <a:avLst/>
             </a:prstGeom>
             <a:solidFill>
-              <a:srgbClr val="FEE5D9">
+              <a:srgbClr val="FEE0D2">
                 <a:alpha val="100000"/>
               </a:srgbClr>
             </a:solidFill>
@@ -7677,13 +7648,13 @@
         </p:sp>
         <p:sp>
           <p:nvSpPr>
-            <p:cNvPr id="124" name="rc124"/>
-            <p:cNvSpPr/>
-            <p:nvPr/>
-          </p:nvSpPr>
-          <p:spPr>
-            <a:xfrm>
-              <a:off x="4888137" y="5683187"/>
+            <p:cNvPr id="121" name="rc121"/>
+            <p:cNvSpPr/>
+            <p:nvPr/>
+          </p:nvSpPr>
+          <p:spPr>
+            <a:xfrm>
+              <a:off x="4876801" y="5683187"/>
               <a:ext cx="219455" cy="219455"/>
             </a:xfrm>
             <a:prstGeom prst="rect">
@@ -7703,20 +7674,20 @@
         </p:sp>
         <p:sp>
           <p:nvSpPr>
-            <p:cNvPr id="125" name="rc125"/>
-            <p:cNvSpPr/>
-            <p:nvPr/>
-          </p:nvSpPr>
-          <p:spPr>
-            <a:xfrm>
-              <a:off x="4897137" y="5692187"/>
-              <a:ext cx="201455" cy="201456"/>
+            <p:cNvPr id="122" name="rc122"/>
+            <p:cNvSpPr/>
+            <p:nvPr/>
+          </p:nvSpPr>
+          <p:spPr>
+            <a:xfrm>
+              <a:off x="4885801" y="5692187"/>
+              <a:ext cx="201456" cy="201456"/>
             </a:xfrm>
             <a:prstGeom prst="rect">
               <a:avLst/>
             </a:prstGeom>
             <a:solidFill>
-              <a:srgbClr val="FCAE91">
+              <a:srgbClr val="FC9272">
                 <a:alpha val="100000"/>
               </a:srgbClr>
             </a:solidFill>
@@ -7729,13 +7700,13 @@
         </p:sp>
         <p:sp>
           <p:nvSpPr>
-            <p:cNvPr id="126" name="rc126"/>
-            <p:cNvSpPr/>
-            <p:nvPr/>
-          </p:nvSpPr>
-          <p:spPr>
-            <a:xfrm>
-              <a:off x="5723402" y="5683187"/>
+            <p:cNvPr id="123" name="rc123"/>
+            <p:cNvSpPr/>
+            <p:nvPr/>
+          </p:nvSpPr>
+          <p:spPr>
+            <a:xfrm>
+              <a:off x="6093371" y="5683187"/>
               <a:ext cx="219455" cy="219455"/>
             </a:xfrm>
             <a:prstGeom prst="rect">
@@ -7755,20 +7726,20 @@
         </p:sp>
         <p:sp>
           <p:nvSpPr>
-            <p:cNvPr id="127" name="rc127"/>
-            <p:cNvSpPr/>
-            <p:nvPr/>
-          </p:nvSpPr>
-          <p:spPr>
-            <a:xfrm>
-              <a:off x="5732402" y="5692187"/>
+            <p:cNvPr id="124" name="rc124"/>
+            <p:cNvSpPr/>
+            <p:nvPr/>
+          </p:nvSpPr>
+          <p:spPr>
+            <a:xfrm>
+              <a:off x="6102371" y="5692187"/>
               <a:ext cx="201456" cy="201456"/>
             </a:xfrm>
             <a:prstGeom prst="rect">
               <a:avLst/>
             </a:prstGeom>
             <a:solidFill>
-              <a:srgbClr val="FB6A4A">
+              <a:srgbClr val="DE2D26">
                 <a:alpha val="100000"/>
               </a:srgbClr>
             </a:solidFill>
@@ -7781,66 +7752,14 @@
         </p:sp>
         <p:sp>
           <p:nvSpPr>
-            <p:cNvPr id="128" name="rc128"/>
-            <p:cNvSpPr/>
-            <p:nvPr/>
-          </p:nvSpPr>
-          <p:spPr>
-            <a:xfrm>
-              <a:off x="6272688" y="5683187"/>
-              <a:ext cx="219455" cy="219455"/>
-            </a:xfrm>
-            <a:prstGeom prst="rect">
-              <a:avLst/>
-            </a:prstGeom>
-            <a:solidFill>
-              <a:srgbClr val="FFFFFF">
-                <a:alpha val="100000"/>
-              </a:srgbClr>
-            </a:solidFill>
-          </p:spPr>
-          <p:txBody>
-            <a:bodyPr/>
-            <a:lstStyle/>
-            <a:p/>
-          </p:txBody>
-        </p:sp>
-        <p:sp>
-          <p:nvSpPr>
-            <p:cNvPr id="129" name="rc129"/>
-            <p:cNvSpPr/>
-            <p:nvPr/>
-          </p:nvSpPr>
-          <p:spPr>
-            <a:xfrm>
-              <a:off x="6281688" y="5692187"/>
-              <a:ext cx="201456" cy="201456"/>
-            </a:xfrm>
-            <a:prstGeom prst="rect">
-              <a:avLst/>
-            </a:prstGeom>
-            <a:solidFill>
-              <a:srgbClr val="CB181D">
-                <a:alpha val="100000"/>
-              </a:srgbClr>
-            </a:solidFill>
-          </p:spPr>
-          <p:txBody>
-            <a:bodyPr/>
-            <a:lstStyle/>
-            <a:p/>
-          </p:txBody>
-        </p:sp>
-        <p:sp>
-          <p:nvSpPr>
-            <p:cNvPr id="130" name="tx130"/>
-            <p:cNvSpPr/>
-            <p:nvPr/>
-          </p:nvSpPr>
-          <p:spPr>
-            <a:xfrm>
-              <a:off x="4532569" y="5763065"/>
-              <a:ext cx="251460" cy="69850"/>
+            <p:cNvPr id="125" name="tx125"/>
+            <p:cNvSpPr/>
+            <p:nvPr/>
+          </p:nvSpPr>
+          <p:spPr>
+            <a:xfrm>
+              <a:off x="4330581" y="5763065"/>
+              <a:ext cx="419100" cy="69850"/>
             </a:xfrm>
             <a:prstGeom prst="rect">
               <a:avLst/>
@@ -7872,21 +7791,21 @@
                   <a:latin typeface="Arial"/>
                   <a:cs typeface="Arial"/>
                 </a:rPr>
-                <a:t>不必要</a:t>
+                <a:t>可以不标注</a:t>
               </a:r>
             </a:p>
           </p:txBody>
         </p:sp>
         <p:sp>
           <p:nvSpPr>
-            <p:cNvPr id="131" name="tx131"/>
-            <p:cNvSpPr/>
-            <p:nvPr/>
-          </p:nvSpPr>
-          <p:spPr>
-            <a:xfrm>
-              <a:off x="5177182" y="5763065"/>
-              <a:ext cx="419100" cy="69850"/>
+            <p:cNvPr id="126" name="tx126"/>
+            <p:cNvSpPr/>
+            <p:nvPr/>
+          </p:nvSpPr>
+          <p:spPr>
+            <a:xfrm>
+              <a:off x="5165846" y="5763065"/>
+              <a:ext cx="754380" cy="69850"/>
             </a:xfrm>
             <a:prstGeom prst="rect">
               <a:avLst/>
@@ -7918,21 +7837,21 @@
                   <a:latin typeface="Arial"/>
                   <a:cs typeface="Arial"/>
                 </a:rPr>
-                <a:t>可适度摄入</a:t>
+                <a:t>可以只标示核心菌株</a:t>
               </a:r>
             </a:p>
           </p:txBody>
         </p:sp>
         <p:sp>
           <p:nvSpPr>
-            <p:cNvPr id="132" name="tx132"/>
-            <p:cNvSpPr/>
-            <p:nvPr/>
-          </p:nvSpPr>
-          <p:spPr>
-            <a:xfrm>
-              <a:off x="6012447" y="5763065"/>
-              <a:ext cx="167640" cy="69850"/>
+            <p:cNvPr id="127" name="tx127"/>
+            <p:cNvSpPr/>
+            <p:nvPr/>
+          </p:nvSpPr>
+          <p:spPr>
+            <a:xfrm>
+              <a:off x="6382416" y="5763065"/>
+              <a:ext cx="670560" cy="69850"/>
             </a:xfrm>
             <a:prstGeom prst="rect">
               <a:avLst/>
@@ -7964,53 +7883,7 @@
                   <a:latin typeface="Arial"/>
                   <a:cs typeface="Arial"/>
                 </a:rPr>
-                <a:t>必要</a:t>
-              </a:r>
-            </a:p>
-          </p:txBody>
-        </p:sp>
-        <p:sp>
-          <p:nvSpPr>
-            <p:cNvPr id="133" name="tx133"/>
-            <p:cNvSpPr/>
-            <p:nvPr/>
-          </p:nvSpPr>
-          <p:spPr>
-            <a:xfrm>
-              <a:off x="6561733" y="5763065"/>
-              <a:ext cx="335280" cy="69850"/>
-            </a:xfrm>
-            <a:prstGeom prst="rect">
-              <a:avLst/>
-            </a:prstGeom>
-            <a:noFill/>
-          </p:spPr>
-          <p:txBody>
-            <a:bodyPr lIns="0" rIns="0" tIns="0" bIns="0" anchorCtr="1" anchor="ctr" wrap="none"/>
-            <a:lstStyle/>
-            <a:p>
-              <a:pPr algn="l" marL="0" marR="0" indent="0">
-                <a:lnSpc>
-                  <a:spcPts val="880"/>
-                </a:lnSpc>
-                <a:spcBef>
-                  <a:spcPts val="0"/>
-                </a:spcBef>
-                <a:spcAft>
-                  <a:spcPts val="0"/>
-                </a:spcAft>
-              </a:pPr>
-              <a:r>
-                <a:rPr sz="880">
-                  <a:solidFill>
-                    <a:srgbClr val="000000">
-                      <a:alpha val="100000"/>
-                    </a:srgbClr>
-                  </a:solidFill>
-                  <a:latin typeface="Arial"/>
-                  <a:cs typeface="Arial"/>
-                </a:rPr>
-                <a:t>非常必要</a:t>
+                <a:t>应该标注全部菌株</a:t>
               </a:r>
             </a:p>
           </p:txBody>
